--- a/기획/림버스 컴퍼니/Limbus Company 합 시스템 역 기획서-윤정근.pptx
+++ b/기획/림버스 컴퍼니/Limbus Company 합 시스템 역 기획서-윤정근.pptx
@@ -5,19 +5,24 @@
     <p:sldMasterId id="2147484370" r:id="rId1"/>
   </p:sldMasterIdLst>
   <p:notesMasterIdLst>
-    <p:notesMasterId r:id="rId9"/>
+    <p:notesMasterId r:id="rId14"/>
   </p:notesMasterIdLst>
   <p:handoutMasterIdLst>
-    <p:handoutMasterId r:id="rId10"/>
+    <p:handoutMasterId r:id="rId15"/>
   </p:handoutMasterIdLst>
   <p:sldIdLst>
     <p:sldId id="256" r:id="rId2"/>
     <p:sldId id="387" r:id="rId3"/>
     <p:sldId id="386" r:id="rId4"/>
     <p:sldId id="389" r:id="rId5"/>
-    <p:sldId id="391" r:id="rId6"/>
-    <p:sldId id="392" r:id="rId7"/>
-    <p:sldId id="393" r:id="rId8"/>
+    <p:sldId id="394" r:id="rId6"/>
+    <p:sldId id="395" r:id="rId7"/>
+    <p:sldId id="396" r:id="rId8"/>
+    <p:sldId id="397" r:id="rId9"/>
+    <p:sldId id="398" r:id="rId10"/>
+    <p:sldId id="391" r:id="rId11"/>
+    <p:sldId id="392" r:id="rId12"/>
+    <p:sldId id="393" r:id="rId13"/>
   </p:sldIdLst>
   <p:sldSz cx="12192000" cy="6858000"/>
   <p:notesSz cx="6858000" cy="9144000"/>
@@ -313,7 +318,7 @@
           <a:p>
             <a:fld id="{4E9214C1-2863-45BA-A7C5-D5EA3C3D4C30}" type="datetimeFigureOut">
               <a:rPr lang="ko-KR" altLang="en-US" smtClean="0"/>
-              <a:t>2025-01-22</a:t>
+              <a:t>2025-01-23</a:t>
             </a:fld>
             <a:endParaRPr lang="ko-KR" altLang="en-US"/>
           </a:p>
@@ -478,7 +483,7 @@
           <a:p>
             <a:fld id="{8F563C85-90F6-445D-9B5B-8ABB00FB3043}" type="datetimeFigureOut">
               <a:rPr lang="ko-KR" altLang="en-US" smtClean="0"/>
-              <a:t>2025-01-22</a:t>
+              <a:t>2025-01-23</a:t>
             </a:fld>
             <a:endParaRPr lang="ko-KR" altLang="en-US"/>
           </a:p>
@@ -969,7 +974,7 @@
             </a:pPr>
             <a:fld id="{B9320F77-B9A0-41C5-862A-B4B631284C64}" type="datetime1">
               <a:rPr lang="en-GB" altLang="en-US"/>
-              <a:t>22/01/2025</a:t>
+              <a:t>23/01/2025</a:t>
             </a:fld>
             <a:endParaRPr lang="ko-KR" altLang="en-US"/>
           </a:p>
@@ -1169,7 +1174,7 @@
             </a:pPr>
             <a:fld id="{B9320F77-B9A0-41C5-862A-B4B631284C64}" type="datetime1">
               <a:rPr lang="en-GB" altLang="en-US"/>
-              <a:t>22/01/2025</a:t>
+              <a:t>23/01/2025</a:t>
             </a:fld>
             <a:endParaRPr lang="ko-KR" altLang="en-US"/>
           </a:p>
@@ -1369,7 +1374,7 @@
             </a:pPr>
             <a:fld id="{B9320F77-B9A0-41C5-862A-B4B631284C64}" type="datetime1">
               <a:rPr lang="en-GB" altLang="en-US"/>
-              <a:t>22/01/2025</a:t>
+              <a:t>23/01/2025</a:t>
             </a:fld>
             <a:endParaRPr lang="ko-KR" altLang="en-US"/>
           </a:p>
@@ -1569,7 +1574,7 @@
             </a:pPr>
             <a:fld id="{B9320F77-B9A0-41C5-862A-B4B631284C64}" type="datetime1">
               <a:rPr lang="en-GB" altLang="en-US"/>
-              <a:t>22/01/2025</a:t>
+              <a:t>23/01/2025</a:t>
             </a:fld>
             <a:endParaRPr lang="ko-KR" altLang="en-US"/>
           </a:p>
@@ -1835,7 +1840,7 @@
             </a:pPr>
             <a:fld id="{B9320F77-B9A0-41C5-862A-B4B631284C64}" type="datetime1">
               <a:rPr lang="en-GB" altLang="en-US"/>
-              <a:t>22/01/2025</a:t>
+              <a:t>23/01/2025</a:t>
             </a:fld>
             <a:endParaRPr lang="ko-KR" altLang="en-US"/>
           </a:p>
@@ -2091,7 +2096,7 @@
             </a:pPr>
             <a:fld id="{B9320F77-B9A0-41C5-862A-B4B631284C64}" type="datetime1">
               <a:rPr lang="en-GB" altLang="en-US"/>
-              <a:t>22/01/2025</a:t>
+              <a:t>23/01/2025</a:t>
             </a:fld>
             <a:endParaRPr lang="ko-KR" altLang="en-US"/>
           </a:p>
@@ -2477,7 +2482,7 @@
             </a:pPr>
             <a:fld id="{B9320F77-B9A0-41C5-862A-B4B631284C64}" type="datetime1">
               <a:rPr lang="en-GB" altLang="en-US"/>
-              <a:t>22/01/2025</a:t>
+              <a:t>23/01/2025</a:t>
             </a:fld>
             <a:endParaRPr lang="ko-KR" altLang="en-US"/>
           </a:p>
@@ -2621,7 +2626,7 @@
             </a:pPr>
             <a:fld id="{B9320F77-B9A0-41C5-862A-B4B631284C64}" type="datetime1">
               <a:rPr lang="en-GB" altLang="en-US"/>
-              <a:t>22/01/2025</a:t>
+              <a:t>23/01/2025</a:t>
             </a:fld>
             <a:endParaRPr lang="ko-KR" altLang="en-US"/>
           </a:p>
@@ -2738,7 +2743,7 @@
             </a:pPr>
             <a:fld id="{B9320F77-B9A0-41C5-862A-B4B631284C64}" type="datetime1">
               <a:rPr lang="en-GB" altLang="en-US"/>
-              <a:t>22/01/2025</a:t>
+              <a:t>23/01/2025</a:t>
             </a:fld>
             <a:endParaRPr lang="ko-KR" altLang="en-US"/>
           </a:p>
@@ -3035,7 +3040,7 @@
             </a:pPr>
             <a:fld id="{B9320F77-B9A0-41C5-862A-B4B631284C64}" type="datetime1">
               <a:rPr lang="en-GB" altLang="en-US"/>
-              <a:t>22/01/2025</a:t>
+              <a:t>23/01/2025</a:t>
             </a:fld>
             <a:endParaRPr lang="ko-KR" altLang="en-US"/>
           </a:p>
@@ -3309,7 +3314,7 @@
             </a:pPr>
             <a:fld id="{B9320F77-B9A0-41C5-862A-B4B631284C64}" type="datetime1">
               <a:rPr lang="en-GB" altLang="en-US"/>
-              <a:t>22/01/2025</a:t>
+              <a:t>23/01/2025</a:t>
             </a:fld>
             <a:endParaRPr lang="ko-KR" altLang="en-US"/>
           </a:p>
@@ -3539,7 +3544,7 @@
             </a:pPr>
             <a:fld id="{B9320F77-B9A0-41C5-862A-B4B631284C64}" type="datetime1">
               <a:rPr lang="en-GB" altLang="en-US"/>
-              <a:t>22/01/2025</a:t>
+              <a:t>23/01/2025</a:t>
             </a:fld>
             <a:endParaRPr lang="ko-KR" altLang="en-US"/>
           </a:p>
@@ -4040,6 +4045,1419 @@
 </p:sld>
 </file>
 
+<file path=ppt/slides/slide10.xml><?xml version="1.0" encoding="utf-8"?>
+<p:sld xmlns:a="http://schemas.openxmlformats.org/drawingml/2006/main" xmlns:r="http://schemas.openxmlformats.org/officeDocument/2006/relationships" xmlns:p="http://schemas.openxmlformats.org/presentationml/2006/main">
+  <p:cSld>
+    <p:spTree>
+      <p:nvGrpSpPr>
+        <p:cNvPr id="1" name="">
+          <a:extLst>
+            <a:ext uri="{FF2B5EF4-FFF2-40B4-BE49-F238E27FC236}">
+              <a16:creationId xmlns:a16="http://schemas.microsoft.com/office/drawing/2014/main" id="{D21DAEA7-79E3-502E-509C-DF5DDCA8B6BC}"/>
+            </a:ext>
+          </a:extLst>
+        </p:cNvPr>
+        <p:cNvGrpSpPr/>
+        <p:nvPr/>
+      </p:nvGrpSpPr>
+      <p:grpSpPr>
+        <a:xfrm>
+          <a:off x="0" y="0"/>
+          <a:ext cx="0" cy="0"/>
+          <a:chOff x="0" y="0"/>
+          <a:chExt cx="0" cy="0"/>
+        </a:xfrm>
+      </p:grpSpPr>
+      <p:sp>
+        <p:nvSpPr>
+          <p:cNvPr id="4" name="제목 1">
+            <a:extLst>
+              <a:ext uri="{FF2B5EF4-FFF2-40B4-BE49-F238E27FC236}">
+                <a16:creationId xmlns:a16="http://schemas.microsoft.com/office/drawing/2014/main" id="{636482B7-5B29-4FB0-B905-DE64440A7328}"/>
+              </a:ext>
+            </a:extLst>
+          </p:cNvPr>
+          <p:cNvSpPr txBox="1">
+            <a:spLocks/>
+          </p:cNvSpPr>
+          <p:nvPr/>
+        </p:nvSpPr>
+        <p:spPr>
+          <a:xfrm>
+            <a:off x="695324" y="387600"/>
+            <a:ext cx="10801351" cy="628400"/>
+          </a:xfrm>
+          <a:prstGeom prst="rect">
+            <a:avLst/>
+          </a:prstGeom>
+        </p:spPr>
+        <p:txBody>
+          <a:bodyPr vert="horz" lIns="91440" tIns="45720" rIns="91440" bIns="45720" rtlCol="0" anchor="ctr">
+            <a:normAutofit/>
+          </a:bodyPr>
+          <a:lstStyle>
+            <a:lvl1pPr algn="ctr" defTabSz="914400" rtl="0" eaLnBrk="1" latinLnBrk="1" hangingPunct="1">
+              <a:lnSpc>
+                <a:spcPct val="90000"/>
+              </a:lnSpc>
+              <a:spcBef>
+                <a:spcPct val="0"/>
+              </a:spcBef>
+              <a:buNone/>
+              <a:defRPr sz="6000" kern="1200">
+                <a:solidFill>
+                  <a:schemeClr val="tx1"/>
+                </a:solidFill>
+                <a:latin typeface="+mj-lt"/>
+                <a:ea typeface="+mj-ea"/>
+                <a:cs typeface="+mj-cs"/>
+              </a:defRPr>
+            </a:lvl1pPr>
+          </a:lstStyle>
+          <a:p>
+            <a:pPr algn="l">
+              <a:lnSpc>
+                <a:spcPct val="100000"/>
+              </a:lnSpc>
+            </a:pPr>
+            <a:r>
+              <a:rPr lang="ko-KR" altLang="en-US" sz="3200" dirty="0"/>
+              <a:t>합 시스템 </a:t>
+            </a:r>
+            <a:r>
+              <a:rPr lang="en-US" altLang="ko-KR" sz="3200" dirty="0"/>
+              <a:t>–</a:t>
+            </a:r>
+            <a:r>
+              <a:rPr lang="en-US" altLang="ko-KR" sz="2400" dirty="0"/>
+              <a:t> </a:t>
+            </a:r>
+            <a:r>
+              <a:rPr lang="ko-KR" altLang="en-US" sz="2400" dirty="0"/>
+              <a:t>스킬 타겟 선택 차트</a:t>
+            </a:r>
+            <a:endParaRPr lang="en-US" altLang="ko-KR" sz="2400" dirty="0"/>
+          </a:p>
+        </p:txBody>
+      </p:sp>
+      <p:pic>
+        <p:nvPicPr>
+          <p:cNvPr id="3" name="그림 2">
+            <a:extLst>
+              <a:ext uri="{FF2B5EF4-FFF2-40B4-BE49-F238E27FC236}">
+                <a16:creationId xmlns:a16="http://schemas.microsoft.com/office/drawing/2014/main" id="{6599305B-6732-4D8D-9CF2-E8215BF4C92C}"/>
+              </a:ext>
+            </a:extLst>
+          </p:cNvPr>
+          <p:cNvPicPr>
+            <a:picLocks noChangeAspect="1"/>
+          </p:cNvPicPr>
+          <p:nvPr/>
+        </p:nvPicPr>
+        <p:blipFill>
+          <a:blip r:embed="rId2"/>
+          <a:stretch>
+            <a:fillRect/>
+          </a:stretch>
+        </p:blipFill>
+        <p:spPr>
+          <a:xfrm>
+            <a:off x="3411522" y="1269999"/>
+            <a:ext cx="5368956" cy="4967289"/>
+          </a:xfrm>
+          <a:prstGeom prst="rect">
+            <a:avLst/>
+          </a:prstGeom>
+        </p:spPr>
+      </p:pic>
+    </p:spTree>
+    <p:extLst>
+      <p:ext uri="{BB962C8B-B14F-4D97-AF65-F5344CB8AC3E}">
+        <p14:creationId xmlns:p14="http://schemas.microsoft.com/office/powerpoint/2010/main" val="3917389903"/>
+      </p:ext>
+    </p:extLst>
+  </p:cSld>
+  <p:clrMapOvr>
+    <a:masterClrMapping/>
+  </p:clrMapOvr>
+</p:sld>
+</file>
+
+<file path=ppt/slides/slide11.xml><?xml version="1.0" encoding="utf-8"?>
+<p:sld xmlns:a="http://schemas.openxmlformats.org/drawingml/2006/main" xmlns:r="http://schemas.openxmlformats.org/officeDocument/2006/relationships" xmlns:p="http://schemas.openxmlformats.org/presentationml/2006/main">
+  <p:cSld>
+    <p:spTree>
+      <p:nvGrpSpPr>
+        <p:cNvPr id="1" name="">
+          <a:extLst>
+            <a:ext uri="{FF2B5EF4-FFF2-40B4-BE49-F238E27FC236}">
+              <a16:creationId xmlns:a16="http://schemas.microsoft.com/office/drawing/2014/main" id="{D21DAEA7-79E3-502E-509C-DF5DDCA8B6BC}"/>
+            </a:ext>
+          </a:extLst>
+        </p:cNvPr>
+        <p:cNvGrpSpPr/>
+        <p:nvPr/>
+      </p:nvGrpSpPr>
+      <p:grpSpPr>
+        <a:xfrm>
+          <a:off x="0" y="0"/>
+          <a:ext cx="0" cy="0"/>
+          <a:chOff x="0" y="0"/>
+          <a:chExt cx="0" cy="0"/>
+        </a:xfrm>
+      </p:grpSpPr>
+      <p:sp>
+        <p:nvSpPr>
+          <p:cNvPr id="4" name="제목 1">
+            <a:extLst>
+              <a:ext uri="{FF2B5EF4-FFF2-40B4-BE49-F238E27FC236}">
+                <a16:creationId xmlns:a16="http://schemas.microsoft.com/office/drawing/2014/main" id="{636482B7-5B29-4FB0-B905-DE64440A7328}"/>
+              </a:ext>
+            </a:extLst>
+          </p:cNvPr>
+          <p:cNvSpPr txBox="1">
+            <a:spLocks/>
+          </p:cNvSpPr>
+          <p:nvPr/>
+        </p:nvSpPr>
+        <p:spPr>
+          <a:xfrm>
+            <a:off x="695324" y="387600"/>
+            <a:ext cx="10801351" cy="628400"/>
+          </a:xfrm>
+          <a:prstGeom prst="rect">
+            <a:avLst/>
+          </a:prstGeom>
+        </p:spPr>
+        <p:txBody>
+          <a:bodyPr vert="horz" lIns="91440" tIns="45720" rIns="91440" bIns="45720" rtlCol="0" anchor="ctr">
+            <a:normAutofit/>
+          </a:bodyPr>
+          <a:lstStyle>
+            <a:lvl1pPr algn="ctr" defTabSz="914400" rtl="0" eaLnBrk="1" latinLnBrk="1" hangingPunct="1">
+              <a:lnSpc>
+                <a:spcPct val="90000"/>
+              </a:lnSpc>
+              <a:spcBef>
+                <a:spcPct val="0"/>
+              </a:spcBef>
+              <a:buNone/>
+              <a:defRPr sz="6000" kern="1200">
+                <a:solidFill>
+                  <a:schemeClr val="tx1"/>
+                </a:solidFill>
+                <a:latin typeface="+mj-lt"/>
+                <a:ea typeface="+mj-ea"/>
+                <a:cs typeface="+mj-cs"/>
+              </a:defRPr>
+            </a:lvl1pPr>
+          </a:lstStyle>
+          <a:p>
+            <a:pPr algn="l">
+              <a:lnSpc>
+                <a:spcPct val="100000"/>
+              </a:lnSpc>
+            </a:pPr>
+            <a:r>
+              <a:rPr lang="ko-KR" altLang="en-US" sz="3200" dirty="0"/>
+              <a:t>합 시스템 </a:t>
+            </a:r>
+            <a:r>
+              <a:rPr lang="en-US" altLang="ko-KR" sz="3200" dirty="0"/>
+              <a:t>–</a:t>
+            </a:r>
+            <a:r>
+              <a:rPr lang="en-US" altLang="ko-KR" sz="2400" dirty="0"/>
+              <a:t> </a:t>
+            </a:r>
+            <a:r>
+              <a:rPr lang="ko-KR" altLang="en-US" sz="2400" dirty="0"/>
+              <a:t>합 진행 차트</a:t>
+            </a:r>
+            <a:endParaRPr lang="en-US" altLang="ko-KR" sz="2400" dirty="0"/>
+          </a:p>
+        </p:txBody>
+      </p:sp>
+      <p:pic>
+        <p:nvPicPr>
+          <p:cNvPr id="2" name="그림 1">
+            <a:extLst>
+              <a:ext uri="{FF2B5EF4-FFF2-40B4-BE49-F238E27FC236}">
+                <a16:creationId xmlns:a16="http://schemas.microsoft.com/office/drawing/2014/main" id="{1FAE2C55-CBBB-4524-8E7A-5ED7BD7B015F}"/>
+              </a:ext>
+            </a:extLst>
+          </p:cNvPr>
+          <p:cNvPicPr>
+            <a:picLocks noChangeAspect="1"/>
+          </p:cNvPicPr>
+          <p:nvPr/>
+        </p:nvPicPr>
+        <p:blipFill>
+          <a:blip r:embed="rId2"/>
+          <a:stretch>
+            <a:fillRect/>
+          </a:stretch>
+        </p:blipFill>
+        <p:spPr>
+          <a:xfrm>
+            <a:off x="2692321" y="1268413"/>
+            <a:ext cx="6807358" cy="4968875"/>
+          </a:xfrm>
+          <a:prstGeom prst="rect">
+            <a:avLst/>
+          </a:prstGeom>
+        </p:spPr>
+      </p:pic>
+    </p:spTree>
+    <p:extLst>
+      <p:ext uri="{BB962C8B-B14F-4D97-AF65-F5344CB8AC3E}">
+        <p14:creationId xmlns:p14="http://schemas.microsoft.com/office/powerpoint/2010/main" val="726982272"/>
+      </p:ext>
+    </p:extLst>
+  </p:cSld>
+  <p:clrMapOvr>
+    <a:masterClrMapping/>
+  </p:clrMapOvr>
+</p:sld>
+</file>
+
+<file path=ppt/slides/slide12.xml><?xml version="1.0" encoding="utf-8"?>
+<p:sld xmlns:a="http://schemas.openxmlformats.org/drawingml/2006/main" xmlns:r="http://schemas.openxmlformats.org/officeDocument/2006/relationships" xmlns:p="http://schemas.openxmlformats.org/presentationml/2006/main">
+  <p:cSld>
+    <p:spTree>
+      <p:nvGrpSpPr>
+        <p:cNvPr id="1" name="">
+          <a:extLst>
+            <a:ext uri="{FF2B5EF4-FFF2-40B4-BE49-F238E27FC236}">
+              <a16:creationId xmlns:a16="http://schemas.microsoft.com/office/drawing/2014/main" id="{D21DAEA7-79E3-502E-509C-DF5DDCA8B6BC}"/>
+            </a:ext>
+          </a:extLst>
+        </p:cNvPr>
+        <p:cNvGrpSpPr/>
+        <p:nvPr/>
+      </p:nvGrpSpPr>
+      <p:grpSpPr>
+        <a:xfrm>
+          <a:off x="0" y="0"/>
+          <a:ext cx="0" cy="0"/>
+          <a:chOff x="0" y="0"/>
+          <a:chExt cx="0" cy="0"/>
+        </a:xfrm>
+      </p:grpSpPr>
+      <p:sp>
+        <p:nvSpPr>
+          <p:cNvPr id="4" name="제목 1">
+            <a:extLst>
+              <a:ext uri="{FF2B5EF4-FFF2-40B4-BE49-F238E27FC236}">
+                <a16:creationId xmlns:a16="http://schemas.microsoft.com/office/drawing/2014/main" id="{636482B7-5B29-4FB0-B905-DE64440A7328}"/>
+              </a:ext>
+            </a:extLst>
+          </p:cNvPr>
+          <p:cNvSpPr txBox="1">
+            <a:spLocks/>
+          </p:cNvSpPr>
+          <p:nvPr/>
+        </p:nvSpPr>
+        <p:spPr>
+          <a:xfrm>
+            <a:off x="695324" y="387600"/>
+            <a:ext cx="10801351" cy="628400"/>
+          </a:xfrm>
+          <a:prstGeom prst="rect">
+            <a:avLst/>
+          </a:prstGeom>
+        </p:spPr>
+        <p:txBody>
+          <a:bodyPr vert="horz" lIns="91440" tIns="45720" rIns="91440" bIns="45720" rtlCol="0" anchor="ctr">
+            <a:normAutofit/>
+          </a:bodyPr>
+          <a:lstStyle>
+            <a:lvl1pPr algn="ctr" defTabSz="914400" rtl="0" eaLnBrk="1" latinLnBrk="1" hangingPunct="1">
+              <a:lnSpc>
+                <a:spcPct val="90000"/>
+              </a:lnSpc>
+              <a:spcBef>
+                <a:spcPct val="0"/>
+              </a:spcBef>
+              <a:buNone/>
+              <a:defRPr sz="6000" kern="1200">
+                <a:solidFill>
+                  <a:schemeClr val="tx1"/>
+                </a:solidFill>
+                <a:latin typeface="+mj-lt"/>
+                <a:ea typeface="+mj-ea"/>
+                <a:cs typeface="+mj-cs"/>
+              </a:defRPr>
+            </a:lvl1pPr>
+          </a:lstStyle>
+          <a:p>
+            <a:pPr algn="l">
+              <a:lnSpc>
+                <a:spcPct val="100000"/>
+              </a:lnSpc>
+            </a:pPr>
+            <a:r>
+              <a:rPr lang="ko-KR" altLang="en-US" sz="3200" dirty="0"/>
+              <a:t>합 시스템 </a:t>
+            </a:r>
+            <a:r>
+              <a:rPr lang="en-US" altLang="ko-KR" sz="3200" dirty="0"/>
+              <a:t>–</a:t>
+            </a:r>
+            <a:r>
+              <a:rPr lang="en-US" altLang="ko-KR" sz="2400" dirty="0"/>
+              <a:t> </a:t>
+            </a:r>
+            <a:r>
+              <a:rPr lang="ko-KR" altLang="en-US" sz="2400" dirty="0"/>
+              <a:t>장점 및 단점</a:t>
+            </a:r>
+            <a:endParaRPr lang="en-US" altLang="ko-KR" sz="2400" dirty="0"/>
+          </a:p>
+        </p:txBody>
+      </p:sp>
+      <p:graphicFrame>
+        <p:nvGraphicFramePr>
+          <p:cNvPr id="5" name="표 2">
+            <a:extLst>
+              <a:ext uri="{FF2B5EF4-FFF2-40B4-BE49-F238E27FC236}">
+                <a16:creationId xmlns:a16="http://schemas.microsoft.com/office/drawing/2014/main" id="{B389DBEA-4751-40B9-9099-1A06F48BE576}"/>
+              </a:ext>
+            </a:extLst>
+          </p:cNvPr>
+          <p:cNvGraphicFramePr>
+            <a:graphicFrameLocks noGrp="1"/>
+          </p:cNvGraphicFramePr>
+          <p:nvPr>
+            <p:extLst>
+              <p:ext uri="{D42A27DB-BD31-4B8C-83A1-F6EECF244321}">
+                <p14:modId xmlns:p14="http://schemas.microsoft.com/office/powerpoint/2010/main" val="3999157358"/>
+              </p:ext>
+            </p:extLst>
+          </p:nvPr>
+        </p:nvGraphicFramePr>
+        <p:xfrm>
+          <a:off x="1480978" y="1268413"/>
+          <a:ext cx="9230043" cy="4846320"/>
+        </p:xfrm>
+        <a:graphic>
+          <a:graphicData uri="http://schemas.openxmlformats.org/drawingml/2006/table">
+            <a:tbl>
+              <a:tblPr firstRow="1" bandRow="1">
+                <a:tableStyleId>{5C22544A-7EE6-4342-B048-85BDC9FD1C3A}</a:tableStyleId>
+              </a:tblPr>
+              <a:tblGrid>
+                <a:gridCol w="9230043">
+                  <a:extLst>
+                    <a:ext uri="{9D8B030D-6E8A-4147-A177-3AD203B41FA5}">
+                      <a16:colId xmlns:a16="http://schemas.microsoft.com/office/drawing/2014/main" val="1841855998"/>
+                    </a:ext>
+                  </a:extLst>
+                </a:gridCol>
+              </a:tblGrid>
+              <a:tr h="0">
+                <a:tc>
+                  <a:txBody>
+                    <a:bodyPr/>
+                    <a:lstStyle/>
+                    <a:p>
+                      <a:pPr latinLnBrk="1"/>
+                      <a:r>
+                        <a:rPr lang="ko-KR" altLang="en-US" sz="1200" b="1" dirty="0">
+                          <a:solidFill>
+                            <a:schemeClr val="tx1"/>
+                          </a:solidFill>
+                        </a:rPr>
+                        <a:t>장점</a:t>
+                      </a:r>
+                    </a:p>
+                  </a:txBody>
+                  <a:tcPr>
+                    <a:lnL w="12700" cmpd="sng">
+                      <a:noFill/>
+                    </a:lnL>
+                    <a:lnR w="12700" cmpd="sng">
+                      <a:noFill/>
+                    </a:lnR>
+                    <a:lnT w="12700" cmpd="sng">
+                      <a:noFill/>
+                    </a:lnT>
+                    <a:lnB w="12700" cap="flat" cmpd="sng" algn="ctr">
+                      <a:solidFill>
+                        <a:schemeClr val="tx1"/>
+                      </a:solidFill>
+                      <a:prstDash val="solid"/>
+                      <a:round/>
+                      <a:headEnd type="none" w="med" len="med"/>
+                      <a:tailEnd type="none" w="med" len="med"/>
+                    </a:lnB>
+                    <a:lnTlToBr w="12700" cmpd="sng">
+                      <a:noFill/>
+                      <a:prstDash val="solid"/>
+                    </a:lnTlToBr>
+                    <a:lnBlToTr w="12700" cmpd="sng">
+                      <a:noFill/>
+                      <a:prstDash val="solid"/>
+                    </a:lnBlToTr>
+                    <a:noFill/>
+                  </a:tcPr>
+                </a:tc>
+                <a:extLst>
+                  <a:ext uri="{0D108BD9-81ED-4DB2-BD59-A6C34878D82A}">
+                    <a16:rowId xmlns:a16="http://schemas.microsoft.com/office/drawing/2014/main" val="1491086624"/>
+                  </a:ext>
+                </a:extLst>
+              </a:tr>
+              <a:tr h="0">
+                <a:tc>
+                  <a:txBody>
+                    <a:bodyPr/>
+                    <a:lstStyle/>
+                    <a:p>
+                      <a:pPr latinLnBrk="1"/>
+                      <a:r>
+                        <a:rPr lang="ko-KR" altLang="en-US" sz="1200" b="0" dirty="0">
+                          <a:solidFill>
+                            <a:schemeClr val="tx1"/>
+                          </a:solidFill>
+                        </a:rPr>
+                        <a:t>단조로운 턴제 전투의 개선</a:t>
+                      </a:r>
+                    </a:p>
+                  </a:txBody>
+                  <a:tcPr>
+                    <a:lnL w="12700" cmpd="sng">
+                      <a:noFill/>
+                    </a:lnL>
+                    <a:lnR w="12700" cmpd="sng">
+                      <a:noFill/>
+                    </a:lnR>
+                    <a:lnT w="12700" cap="flat" cmpd="sng" algn="ctr">
+                      <a:solidFill>
+                        <a:schemeClr val="tx1"/>
+                      </a:solidFill>
+                      <a:prstDash val="solid"/>
+                      <a:round/>
+                      <a:headEnd type="none" w="med" len="med"/>
+                      <a:tailEnd type="none" w="med" len="med"/>
+                    </a:lnT>
+                    <a:lnB w="12700" cap="flat" cmpd="sng" algn="ctr">
+                      <a:solidFill>
+                        <a:schemeClr val="tx1"/>
+                      </a:solidFill>
+                      <a:prstDash val="solid"/>
+                      <a:round/>
+                      <a:headEnd type="none" w="med" len="med"/>
+                      <a:tailEnd type="none" w="med" len="med"/>
+                    </a:lnB>
+                    <a:lnTlToBr w="12700" cmpd="sng">
+                      <a:noFill/>
+                      <a:prstDash val="solid"/>
+                    </a:lnTlToBr>
+                    <a:lnBlToTr w="12700" cmpd="sng">
+                      <a:noFill/>
+                      <a:prstDash val="solid"/>
+                    </a:lnBlToTr>
+                    <a:noFill/>
+                  </a:tcPr>
+                </a:tc>
+                <a:extLst>
+                  <a:ext uri="{0D108BD9-81ED-4DB2-BD59-A6C34878D82A}">
+                    <a16:rowId xmlns:a16="http://schemas.microsoft.com/office/drawing/2014/main" val="3815555112"/>
+                  </a:ext>
+                </a:extLst>
+              </a:tr>
+              <a:tr h="0">
+                <a:tc>
+                  <a:txBody>
+                    <a:bodyPr/>
+                    <a:lstStyle/>
+                    <a:p>
+                      <a:pPr latinLnBrk="1"/>
+                      <a:r>
+                        <a:rPr lang="ko-KR" altLang="en-US" sz="1200" b="0" dirty="0">
+                          <a:solidFill>
+                            <a:schemeClr val="tx1"/>
+                          </a:solidFill>
+                        </a:rPr>
+                        <a:t>자신과 상대의 턴이 반복되는 턴제 게임의 특징상 서로의 행동에 예측하는 것을 제외하면 즉각적인 대응할 수 없기 때문에 전투가 단조로워진다</a:t>
+                      </a:r>
+                      <a:r>
+                        <a:rPr lang="en-US" altLang="ko-KR" sz="1200" b="0" dirty="0">
+                          <a:solidFill>
+                            <a:schemeClr val="tx1"/>
+                          </a:solidFill>
+                        </a:rPr>
+                        <a:t>. </a:t>
+                      </a:r>
+                      <a:r>
+                        <a:rPr lang="ko-KR" altLang="en-US" sz="1200" b="0" dirty="0">
+                          <a:solidFill>
+                            <a:schemeClr val="tx1"/>
+                          </a:solidFill>
+                        </a:rPr>
+                        <a:t>하지만 </a:t>
+                      </a:r>
+                      <a:r>
+                        <a:rPr lang="en-US" altLang="ko-KR" sz="1200" b="0" dirty="0">
+                          <a:solidFill>
+                            <a:schemeClr val="tx1"/>
+                          </a:solidFill>
+                        </a:rPr>
+                        <a:t>Limbus Company</a:t>
+                      </a:r>
+                      <a:r>
+                        <a:rPr lang="ko-KR" altLang="en-US" sz="1200" b="0" dirty="0">
+                          <a:solidFill>
+                            <a:schemeClr val="tx1"/>
+                          </a:solidFill>
+                        </a:rPr>
+                        <a:t>의 합 시스템은 턴제 전투를 실시간 전투가 같이 상대의 행동에 대응 및 반응하는 능동적인 전투가 될 수 있게 한다</a:t>
+                      </a:r>
+                      <a:r>
+                        <a:rPr lang="en-US" altLang="ko-KR" sz="1200" b="0" dirty="0">
+                          <a:solidFill>
+                            <a:schemeClr val="tx1"/>
+                          </a:solidFill>
+                        </a:rPr>
+                        <a:t>.</a:t>
+                      </a:r>
+                      <a:endParaRPr lang="ko-KR" altLang="en-US" sz="1200" b="0" dirty="0">
+                        <a:solidFill>
+                          <a:schemeClr val="tx1"/>
+                        </a:solidFill>
+                      </a:endParaRPr>
+                    </a:p>
+                  </a:txBody>
+                  <a:tcPr>
+                    <a:lnL w="12700" cmpd="sng">
+                      <a:noFill/>
+                    </a:lnL>
+                    <a:lnR w="12700" cmpd="sng">
+                      <a:noFill/>
+                    </a:lnR>
+                    <a:lnT w="12700" cap="flat" cmpd="sng" algn="ctr">
+                      <a:solidFill>
+                        <a:schemeClr val="tx1"/>
+                      </a:solidFill>
+                      <a:prstDash val="solid"/>
+                      <a:round/>
+                      <a:headEnd type="none" w="med" len="med"/>
+                      <a:tailEnd type="none" w="med" len="med"/>
+                    </a:lnT>
+                    <a:lnB w="12700" cap="flat" cmpd="sng" algn="ctr">
+                      <a:solidFill>
+                        <a:schemeClr val="tx1"/>
+                      </a:solidFill>
+                      <a:prstDash val="solid"/>
+                      <a:round/>
+                      <a:headEnd type="none" w="med" len="med"/>
+                      <a:tailEnd type="none" w="med" len="med"/>
+                    </a:lnB>
+                    <a:lnTlToBr w="12700" cmpd="sng">
+                      <a:noFill/>
+                      <a:prstDash val="solid"/>
+                    </a:lnTlToBr>
+                    <a:lnBlToTr w="12700" cmpd="sng">
+                      <a:noFill/>
+                      <a:prstDash val="solid"/>
+                    </a:lnBlToTr>
+                    <a:noFill/>
+                  </a:tcPr>
+                </a:tc>
+                <a:extLst>
+                  <a:ext uri="{0D108BD9-81ED-4DB2-BD59-A6C34878D82A}">
+                    <a16:rowId xmlns:a16="http://schemas.microsoft.com/office/drawing/2014/main" val="1743730106"/>
+                  </a:ext>
+                </a:extLst>
+              </a:tr>
+              <a:tr h="0">
+                <a:tc>
+                  <a:txBody>
+                    <a:bodyPr/>
+                    <a:lstStyle/>
+                    <a:p>
+                      <a:pPr latinLnBrk="1"/>
+                      <a:r>
+                        <a:rPr lang="ko-KR" altLang="en-US" sz="1200" b="0" dirty="0">
+                          <a:solidFill>
+                            <a:schemeClr val="tx1"/>
+                          </a:solidFill>
+                        </a:rPr>
+                        <a:t>전략의 다양성 증가</a:t>
+                      </a:r>
+                    </a:p>
+                  </a:txBody>
+                  <a:tcPr>
+                    <a:lnL w="12700" cmpd="sng">
+                      <a:noFill/>
+                    </a:lnL>
+                    <a:lnR w="12700" cmpd="sng">
+                      <a:noFill/>
+                    </a:lnR>
+                    <a:lnT w="12700" cap="flat" cmpd="sng" algn="ctr">
+                      <a:solidFill>
+                        <a:schemeClr val="tx1"/>
+                      </a:solidFill>
+                      <a:prstDash val="solid"/>
+                      <a:round/>
+                      <a:headEnd type="none" w="med" len="med"/>
+                      <a:tailEnd type="none" w="med" len="med"/>
+                    </a:lnT>
+                    <a:lnB w="12700" cap="flat" cmpd="sng" algn="ctr">
+                      <a:solidFill>
+                        <a:schemeClr val="tx1"/>
+                      </a:solidFill>
+                      <a:prstDash val="solid"/>
+                      <a:round/>
+                      <a:headEnd type="none" w="med" len="med"/>
+                      <a:tailEnd type="none" w="med" len="med"/>
+                    </a:lnB>
+                    <a:lnTlToBr w="12700" cmpd="sng">
+                      <a:noFill/>
+                      <a:prstDash val="solid"/>
+                    </a:lnTlToBr>
+                    <a:lnBlToTr w="12700" cmpd="sng">
+                      <a:noFill/>
+                      <a:prstDash val="solid"/>
+                    </a:lnBlToTr>
+                    <a:noFill/>
+                  </a:tcPr>
+                </a:tc>
+                <a:extLst>
+                  <a:ext uri="{0D108BD9-81ED-4DB2-BD59-A6C34878D82A}">
+                    <a16:rowId xmlns:a16="http://schemas.microsoft.com/office/drawing/2014/main" val="3226441806"/>
+                  </a:ext>
+                </a:extLst>
+              </a:tr>
+              <a:tr h="0">
+                <a:tc>
+                  <a:txBody>
+                    <a:bodyPr/>
+                    <a:lstStyle/>
+                    <a:p>
+                      <a:pPr latinLnBrk="1"/>
+                      <a:r>
+                        <a:rPr lang="ko-KR" altLang="en-US" sz="1200" b="0" dirty="0">
+                          <a:solidFill>
+                            <a:schemeClr val="tx1"/>
+                          </a:solidFill>
+                        </a:rPr>
+                        <a:t>합 시스템은 단순하게 설명하면</a:t>
+                      </a:r>
+                      <a:r>
+                        <a:rPr lang="en-US" altLang="ko-KR" sz="1200" b="0" dirty="0">
+                          <a:solidFill>
+                            <a:schemeClr val="tx1"/>
+                          </a:solidFill>
+                        </a:rPr>
+                        <a:t>,</a:t>
+                      </a:r>
+                      <a:r>
+                        <a:rPr lang="ko-KR" altLang="en-US" sz="1200" b="0" dirty="0">
+                          <a:solidFill>
+                            <a:schemeClr val="tx1"/>
+                          </a:solidFill>
+                        </a:rPr>
+                        <a:t> 적의 공격</a:t>
+                      </a:r>
+                      <a:r>
+                        <a:rPr lang="en-US" altLang="ko-KR" sz="1200" b="0" dirty="0">
+                          <a:solidFill>
+                            <a:schemeClr val="tx1"/>
+                          </a:solidFill>
+                        </a:rPr>
+                        <a:t> </a:t>
+                      </a:r>
+                      <a:r>
+                        <a:rPr lang="ko-KR" altLang="en-US" sz="1200" b="0" dirty="0">
+                          <a:solidFill>
+                            <a:schemeClr val="tx1"/>
+                          </a:solidFill>
+                        </a:rPr>
+                        <a:t>대상을 변경하고</a:t>
+                      </a:r>
+                      <a:r>
+                        <a:rPr lang="en-US" altLang="ko-KR" sz="1200" b="0" dirty="0">
+                          <a:solidFill>
+                            <a:schemeClr val="tx1"/>
+                          </a:solidFill>
+                        </a:rPr>
+                        <a:t>, </a:t>
+                      </a:r>
+                      <a:r>
+                        <a:rPr lang="ko-KR" altLang="en-US" sz="1200" b="0" dirty="0">
+                          <a:solidFill>
+                            <a:schemeClr val="tx1"/>
+                          </a:solidFill>
+                        </a:rPr>
+                        <a:t>행동을 저지하는 시스템이다</a:t>
+                      </a:r>
+                      <a:r>
+                        <a:rPr lang="en-US" altLang="ko-KR" sz="1200" b="0" dirty="0">
+                          <a:solidFill>
+                            <a:schemeClr val="tx1"/>
+                          </a:solidFill>
+                        </a:rPr>
+                        <a:t>.</a:t>
+                      </a:r>
+                    </a:p>
+                    <a:p>
+                      <a:pPr latinLnBrk="1"/>
+                      <a:r>
+                        <a:rPr lang="ko-KR" altLang="en-US" sz="1200" b="0" dirty="0">
+                          <a:solidFill>
+                            <a:schemeClr val="tx1"/>
+                          </a:solidFill>
+                        </a:rPr>
+                        <a:t>하지만 해당 시스템과 다른 시스템</a:t>
+                      </a:r>
+                      <a:r>
+                        <a:rPr lang="en-US" altLang="ko-KR" sz="1200" b="0" dirty="0">
+                          <a:solidFill>
+                            <a:schemeClr val="tx1"/>
+                          </a:solidFill>
+                        </a:rPr>
+                        <a:t>(</a:t>
+                      </a:r>
+                      <a:r>
+                        <a:rPr lang="ko-KR" altLang="en-US" sz="1200" b="0" dirty="0">
+                          <a:solidFill>
+                            <a:schemeClr val="tx1"/>
+                          </a:solidFill>
+                        </a:rPr>
+                        <a:t>속도 시스템</a:t>
+                      </a:r>
+                      <a:r>
+                        <a:rPr lang="en-US" altLang="ko-KR" sz="1200" b="0" dirty="0">
+                          <a:solidFill>
+                            <a:schemeClr val="tx1"/>
+                          </a:solidFill>
+                        </a:rPr>
+                        <a:t>, </a:t>
+                      </a:r>
+                      <a:r>
+                        <a:rPr lang="ko-KR" altLang="en-US" sz="1200" b="0" dirty="0">
+                          <a:solidFill>
+                            <a:schemeClr val="tx1"/>
+                          </a:solidFill>
+                        </a:rPr>
+                        <a:t>흐트러짐 시스템 등</a:t>
+                      </a:r>
+                      <a:r>
+                        <a:rPr lang="en-US" altLang="ko-KR" sz="1200" b="0" dirty="0">
+                          <a:solidFill>
+                            <a:schemeClr val="tx1"/>
+                          </a:solidFill>
+                        </a:rPr>
+                        <a:t>)</a:t>
+                      </a:r>
+                      <a:r>
+                        <a:rPr lang="ko-KR" altLang="en-US" sz="1200" b="0" dirty="0">
+                          <a:solidFill>
+                            <a:schemeClr val="tx1"/>
+                          </a:solidFill>
+                        </a:rPr>
+                        <a:t>을 활용할 경우 전략의 숫자가 다양해 진다</a:t>
+                      </a:r>
+                      <a:r>
+                        <a:rPr lang="en-US" altLang="ko-KR" sz="1200" b="0" dirty="0">
+                          <a:solidFill>
+                            <a:schemeClr val="tx1"/>
+                          </a:solidFill>
+                        </a:rPr>
+                        <a:t>.</a:t>
+                      </a:r>
+                    </a:p>
+                    <a:p>
+                      <a:pPr latinLnBrk="1"/>
+                      <a:endParaRPr lang="en-US" altLang="ko-KR" sz="1200" b="0" dirty="0">
+                        <a:solidFill>
+                          <a:schemeClr val="tx1"/>
+                        </a:solidFill>
+                      </a:endParaRPr>
+                    </a:p>
+                    <a:p>
+                      <a:pPr latinLnBrk="1"/>
+                      <a:r>
+                        <a:rPr lang="en-US" altLang="ko-KR" sz="1200" b="0" dirty="0">
+                          <a:solidFill>
+                            <a:schemeClr val="tx1"/>
+                          </a:solidFill>
+                        </a:rPr>
+                        <a:t>Ex) </a:t>
+                      </a:r>
+                      <a:r>
+                        <a:rPr lang="ko-KR" altLang="en-US" sz="1200" b="0" dirty="0">
+                          <a:solidFill>
+                            <a:schemeClr val="tx1"/>
+                          </a:solidFill>
+                        </a:rPr>
+                        <a:t>중요도가 높은 수감자에게 향하는 공격 대상을 중요도가 낮거나 방어에 특화된 수감자에게 변경하기</a:t>
+                      </a:r>
+                      <a:r>
+                        <a:rPr lang="en-US" altLang="ko-KR" sz="1200" b="0" dirty="0">
+                          <a:solidFill>
+                            <a:schemeClr val="tx1"/>
+                          </a:solidFill>
+                        </a:rPr>
+                        <a:t>,</a:t>
+                      </a:r>
+                    </a:p>
+                    <a:p>
+                      <a:pPr latinLnBrk="1"/>
+                      <a:r>
+                        <a:rPr lang="ko-KR" altLang="en-US" sz="1200" b="0" dirty="0">
+                          <a:solidFill>
+                            <a:schemeClr val="tx1"/>
+                          </a:solidFill>
+                        </a:rPr>
+                        <a:t>속도가 높을 순서대로 행동하는 속도 시스템과 합 시스템을 활용하여 제일 느리게 합을 할 수 있는 수감자로 합을 하고 먼저 움직일 수 있는 수감자로 일반적인 공격하기 등</a:t>
+                      </a:r>
+                    </a:p>
+                  </a:txBody>
+                  <a:tcPr>
+                    <a:lnL w="12700" cmpd="sng">
+                      <a:noFill/>
+                    </a:lnL>
+                    <a:lnR w="12700" cmpd="sng">
+                      <a:noFill/>
+                    </a:lnR>
+                    <a:lnT w="12700" cap="flat" cmpd="sng" algn="ctr">
+                      <a:solidFill>
+                        <a:schemeClr val="tx1"/>
+                      </a:solidFill>
+                      <a:prstDash val="solid"/>
+                      <a:round/>
+                      <a:headEnd type="none" w="med" len="med"/>
+                      <a:tailEnd type="none" w="med" len="med"/>
+                    </a:lnT>
+                    <a:lnB w="12700" cap="flat" cmpd="sng" algn="ctr">
+                      <a:solidFill>
+                        <a:schemeClr val="tx1"/>
+                      </a:solidFill>
+                      <a:prstDash val="solid"/>
+                      <a:round/>
+                      <a:headEnd type="none" w="med" len="med"/>
+                      <a:tailEnd type="none" w="med" len="med"/>
+                    </a:lnB>
+                    <a:lnTlToBr w="12700" cmpd="sng">
+                      <a:noFill/>
+                      <a:prstDash val="solid"/>
+                    </a:lnTlToBr>
+                    <a:lnBlToTr w="12700" cmpd="sng">
+                      <a:noFill/>
+                      <a:prstDash val="solid"/>
+                    </a:lnBlToTr>
+                    <a:noFill/>
+                  </a:tcPr>
+                </a:tc>
+                <a:extLst>
+                  <a:ext uri="{0D108BD9-81ED-4DB2-BD59-A6C34878D82A}">
+                    <a16:rowId xmlns:a16="http://schemas.microsoft.com/office/drawing/2014/main" val="3095563913"/>
+                  </a:ext>
+                </a:extLst>
+              </a:tr>
+              <a:tr h="0">
+                <a:tc>
+                  <a:txBody>
+                    <a:bodyPr/>
+                    <a:lstStyle/>
+                    <a:p>
+                      <a:pPr latinLnBrk="1"/>
+                      <a:endParaRPr lang="ko-KR" altLang="en-US" sz="1200" b="0" dirty="0">
+                        <a:solidFill>
+                          <a:schemeClr val="tx1"/>
+                        </a:solidFill>
+                      </a:endParaRPr>
+                    </a:p>
+                  </a:txBody>
+                  <a:tcPr>
+                    <a:lnL w="12700" cmpd="sng">
+                      <a:noFill/>
+                    </a:lnL>
+                    <a:lnR w="12700" cmpd="sng">
+                      <a:noFill/>
+                    </a:lnR>
+                    <a:lnT w="12700" cap="flat" cmpd="sng" algn="ctr">
+                      <a:solidFill>
+                        <a:schemeClr val="tx1"/>
+                      </a:solidFill>
+                      <a:prstDash val="solid"/>
+                      <a:round/>
+                      <a:headEnd type="none" w="med" len="med"/>
+                      <a:tailEnd type="none" w="med" len="med"/>
+                    </a:lnT>
+                    <a:lnB w="12700" cap="flat" cmpd="sng" algn="ctr">
+                      <a:solidFill>
+                        <a:schemeClr val="tx1"/>
+                      </a:solidFill>
+                      <a:prstDash val="solid"/>
+                      <a:round/>
+                      <a:headEnd type="none" w="med" len="med"/>
+                      <a:tailEnd type="none" w="med" len="med"/>
+                    </a:lnB>
+                    <a:lnTlToBr w="12700" cmpd="sng">
+                      <a:noFill/>
+                      <a:prstDash val="solid"/>
+                    </a:lnTlToBr>
+                    <a:lnBlToTr w="12700" cmpd="sng">
+                      <a:noFill/>
+                      <a:prstDash val="solid"/>
+                    </a:lnBlToTr>
+                    <a:noFill/>
+                  </a:tcPr>
+                </a:tc>
+                <a:extLst>
+                  <a:ext uri="{0D108BD9-81ED-4DB2-BD59-A6C34878D82A}">
+                    <a16:rowId xmlns:a16="http://schemas.microsoft.com/office/drawing/2014/main" val="921816153"/>
+                  </a:ext>
+                </a:extLst>
+              </a:tr>
+              <a:tr h="0">
+                <a:tc>
+                  <a:txBody>
+                    <a:bodyPr/>
+                    <a:lstStyle/>
+                    <a:p>
+                      <a:pPr latinLnBrk="1"/>
+                      <a:r>
+                        <a:rPr lang="ko-KR" altLang="en-US" sz="1200" b="1" dirty="0">
+                          <a:solidFill>
+                            <a:schemeClr val="tx1"/>
+                          </a:solidFill>
+                        </a:rPr>
+                        <a:t>단점</a:t>
+                      </a:r>
+                    </a:p>
+                  </a:txBody>
+                  <a:tcPr>
+                    <a:lnL w="12700" cmpd="sng">
+                      <a:noFill/>
+                    </a:lnL>
+                    <a:lnR w="12700" cmpd="sng">
+                      <a:noFill/>
+                    </a:lnR>
+                    <a:lnT w="12700" cap="flat" cmpd="sng" algn="ctr">
+                      <a:solidFill>
+                        <a:schemeClr val="tx1"/>
+                      </a:solidFill>
+                      <a:prstDash val="solid"/>
+                      <a:round/>
+                      <a:headEnd type="none" w="med" len="med"/>
+                      <a:tailEnd type="none" w="med" len="med"/>
+                    </a:lnT>
+                    <a:lnB w="12700" cap="flat" cmpd="sng" algn="ctr">
+                      <a:solidFill>
+                        <a:schemeClr val="tx1"/>
+                      </a:solidFill>
+                      <a:prstDash val="solid"/>
+                      <a:round/>
+                      <a:headEnd type="none" w="med" len="med"/>
+                      <a:tailEnd type="none" w="med" len="med"/>
+                    </a:lnB>
+                    <a:lnTlToBr w="12700" cmpd="sng">
+                      <a:noFill/>
+                      <a:prstDash val="solid"/>
+                    </a:lnTlToBr>
+                    <a:lnBlToTr w="12700" cmpd="sng">
+                      <a:noFill/>
+                      <a:prstDash val="solid"/>
+                    </a:lnBlToTr>
+                    <a:noFill/>
+                  </a:tcPr>
+                </a:tc>
+                <a:extLst>
+                  <a:ext uri="{0D108BD9-81ED-4DB2-BD59-A6C34878D82A}">
+                    <a16:rowId xmlns:a16="http://schemas.microsoft.com/office/drawing/2014/main" val="2669734450"/>
+                  </a:ext>
+                </a:extLst>
+              </a:tr>
+              <a:tr h="0">
+                <a:tc>
+                  <a:txBody>
+                    <a:bodyPr/>
+                    <a:lstStyle/>
+                    <a:p>
+                      <a:pPr latinLnBrk="1"/>
+                      <a:r>
+                        <a:rPr lang="ko-KR" altLang="en-US" sz="1200" b="0" dirty="0">
+                          <a:solidFill>
+                            <a:schemeClr val="tx1"/>
+                          </a:solidFill>
+                        </a:rPr>
+                        <a:t>복잡하고</a:t>
+                      </a:r>
+                      <a:r>
+                        <a:rPr lang="en-US" altLang="ko-KR" sz="1200" b="0" dirty="0">
+                          <a:solidFill>
+                            <a:schemeClr val="tx1"/>
+                          </a:solidFill>
+                        </a:rPr>
+                        <a:t> </a:t>
+                      </a:r>
+                      <a:r>
+                        <a:rPr lang="ko-KR" altLang="en-US" sz="1200" b="0" dirty="0">
+                          <a:solidFill>
+                            <a:schemeClr val="tx1"/>
+                          </a:solidFill>
+                        </a:rPr>
+                        <a:t>이해하기 시스템</a:t>
+                      </a:r>
+                    </a:p>
+                  </a:txBody>
+                  <a:tcPr>
+                    <a:lnL w="12700" cmpd="sng">
+                      <a:noFill/>
+                    </a:lnL>
+                    <a:lnR w="12700" cmpd="sng">
+                      <a:noFill/>
+                    </a:lnR>
+                    <a:lnT w="12700" cap="flat" cmpd="sng" algn="ctr">
+                      <a:solidFill>
+                        <a:schemeClr val="tx1"/>
+                      </a:solidFill>
+                      <a:prstDash val="solid"/>
+                      <a:round/>
+                      <a:headEnd type="none" w="med" len="med"/>
+                      <a:tailEnd type="none" w="med" len="med"/>
+                    </a:lnT>
+                    <a:lnB w="12700" cap="flat" cmpd="sng" algn="ctr">
+                      <a:solidFill>
+                        <a:schemeClr val="tx1"/>
+                      </a:solidFill>
+                      <a:prstDash val="solid"/>
+                      <a:round/>
+                      <a:headEnd type="none" w="med" len="med"/>
+                      <a:tailEnd type="none" w="med" len="med"/>
+                    </a:lnB>
+                    <a:lnTlToBr w="12700" cmpd="sng">
+                      <a:noFill/>
+                      <a:prstDash val="solid"/>
+                    </a:lnTlToBr>
+                    <a:lnBlToTr w="12700" cmpd="sng">
+                      <a:noFill/>
+                      <a:prstDash val="solid"/>
+                    </a:lnBlToTr>
+                    <a:noFill/>
+                  </a:tcPr>
+                </a:tc>
+                <a:extLst>
+                  <a:ext uri="{0D108BD9-81ED-4DB2-BD59-A6C34878D82A}">
+                    <a16:rowId xmlns:a16="http://schemas.microsoft.com/office/drawing/2014/main" val="3099795093"/>
+                  </a:ext>
+                </a:extLst>
+              </a:tr>
+              <a:tr h="0">
+                <a:tc>
+                  <a:txBody>
+                    <a:bodyPr/>
+                    <a:lstStyle/>
+                    <a:p>
+                      <a:pPr latinLnBrk="1"/>
+                      <a:endParaRPr lang="ko-KR" altLang="en-US" sz="1200" b="0" dirty="0">
+                        <a:solidFill>
+                          <a:schemeClr val="tx1"/>
+                        </a:solidFill>
+                      </a:endParaRPr>
+                    </a:p>
+                  </a:txBody>
+                  <a:tcPr>
+                    <a:lnL w="12700" cmpd="sng">
+                      <a:noFill/>
+                    </a:lnL>
+                    <a:lnR w="12700" cmpd="sng">
+                      <a:noFill/>
+                    </a:lnR>
+                    <a:lnT w="12700" cap="flat" cmpd="sng" algn="ctr">
+                      <a:solidFill>
+                        <a:schemeClr val="tx1"/>
+                      </a:solidFill>
+                      <a:prstDash val="solid"/>
+                      <a:round/>
+                      <a:headEnd type="none" w="med" len="med"/>
+                      <a:tailEnd type="none" w="med" len="med"/>
+                    </a:lnT>
+                    <a:lnB w="12700" cap="flat" cmpd="sng" algn="ctr">
+                      <a:solidFill>
+                        <a:schemeClr val="tx1"/>
+                      </a:solidFill>
+                      <a:prstDash val="solid"/>
+                      <a:round/>
+                      <a:headEnd type="none" w="med" len="med"/>
+                      <a:tailEnd type="none" w="med" len="med"/>
+                    </a:lnB>
+                    <a:lnTlToBr w="12700" cmpd="sng">
+                      <a:noFill/>
+                      <a:prstDash val="solid"/>
+                    </a:lnTlToBr>
+                    <a:lnBlToTr w="12700" cmpd="sng">
+                      <a:noFill/>
+                      <a:prstDash val="solid"/>
+                    </a:lnBlToTr>
+                    <a:noFill/>
+                  </a:tcPr>
+                </a:tc>
+                <a:extLst>
+                  <a:ext uri="{0D108BD9-81ED-4DB2-BD59-A6C34878D82A}">
+                    <a16:rowId xmlns:a16="http://schemas.microsoft.com/office/drawing/2014/main" val="1560376863"/>
+                  </a:ext>
+                </a:extLst>
+              </a:tr>
+              <a:tr h="0">
+                <a:tc>
+                  <a:txBody>
+                    <a:bodyPr/>
+                    <a:lstStyle/>
+                    <a:p>
+                      <a:pPr latinLnBrk="1"/>
+                      <a:r>
+                        <a:rPr lang="ko-KR" altLang="en-US" sz="1200" b="0" dirty="0">
+                          <a:solidFill>
+                            <a:schemeClr val="tx1"/>
+                          </a:solidFill>
+                        </a:rPr>
+                        <a:t>파악하기 힘들고 난잡한 </a:t>
+                      </a:r>
+                      <a:r>
+                        <a:rPr lang="en-US" altLang="ko-KR" sz="1200" b="0" dirty="0">
+                          <a:solidFill>
+                            <a:schemeClr val="tx1"/>
+                          </a:solidFill>
+                        </a:rPr>
+                        <a:t>UI</a:t>
+                      </a:r>
+                      <a:endParaRPr lang="ko-KR" altLang="en-US" sz="1200" b="0" dirty="0">
+                        <a:solidFill>
+                          <a:schemeClr val="tx1"/>
+                        </a:solidFill>
+                      </a:endParaRPr>
+                    </a:p>
+                  </a:txBody>
+                  <a:tcPr>
+                    <a:lnL w="12700" cmpd="sng">
+                      <a:noFill/>
+                    </a:lnL>
+                    <a:lnR w="12700" cmpd="sng">
+                      <a:noFill/>
+                    </a:lnR>
+                    <a:lnT w="12700" cap="flat" cmpd="sng" algn="ctr">
+                      <a:solidFill>
+                        <a:schemeClr val="tx1"/>
+                      </a:solidFill>
+                      <a:prstDash val="solid"/>
+                      <a:round/>
+                      <a:headEnd type="none" w="med" len="med"/>
+                      <a:tailEnd type="none" w="med" len="med"/>
+                    </a:lnT>
+                    <a:lnB w="12700" cap="flat" cmpd="sng" algn="ctr">
+                      <a:solidFill>
+                        <a:schemeClr val="tx1"/>
+                      </a:solidFill>
+                      <a:prstDash val="solid"/>
+                      <a:round/>
+                      <a:headEnd type="none" w="med" len="med"/>
+                      <a:tailEnd type="none" w="med" len="med"/>
+                    </a:lnB>
+                    <a:lnTlToBr w="12700" cmpd="sng">
+                      <a:noFill/>
+                      <a:prstDash val="solid"/>
+                    </a:lnTlToBr>
+                    <a:lnBlToTr w="12700" cmpd="sng">
+                      <a:noFill/>
+                      <a:prstDash val="solid"/>
+                    </a:lnBlToTr>
+                    <a:noFill/>
+                  </a:tcPr>
+                </a:tc>
+                <a:extLst>
+                  <a:ext uri="{0D108BD9-81ED-4DB2-BD59-A6C34878D82A}">
+                    <a16:rowId xmlns:a16="http://schemas.microsoft.com/office/drawing/2014/main" val="3773028039"/>
+                  </a:ext>
+                </a:extLst>
+              </a:tr>
+              <a:tr h="0">
+                <a:tc>
+                  <a:txBody>
+                    <a:bodyPr/>
+                    <a:lstStyle/>
+                    <a:p>
+                      <a:pPr latinLnBrk="1"/>
+                      <a:endParaRPr lang="ko-KR" altLang="en-US" sz="1200" b="0" dirty="0">
+                        <a:solidFill>
+                          <a:schemeClr val="tx1"/>
+                        </a:solidFill>
+                      </a:endParaRPr>
+                    </a:p>
+                  </a:txBody>
+                  <a:tcPr>
+                    <a:lnL w="12700" cmpd="sng">
+                      <a:noFill/>
+                    </a:lnL>
+                    <a:lnR w="12700" cmpd="sng">
+                      <a:noFill/>
+                    </a:lnR>
+                    <a:lnT w="12700" cap="flat" cmpd="sng" algn="ctr">
+                      <a:solidFill>
+                        <a:schemeClr val="tx1"/>
+                      </a:solidFill>
+                      <a:prstDash val="solid"/>
+                      <a:round/>
+                      <a:headEnd type="none" w="med" len="med"/>
+                      <a:tailEnd type="none" w="med" len="med"/>
+                    </a:lnT>
+                    <a:lnB w="12700" cap="flat" cmpd="sng" algn="ctr">
+                      <a:solidFill>
+                        <a:schemeClr val="tx1"/>
+                      </a:solidFill>
+                      <a:prstDash val="solid"/>
+                      <a:round/>
+                      <a:headEnd type="none" w="med" len="med"/>
+                      <a:tailEnd type="none" w="med" len="med"/>
+                    </a:lnB>
+                    <a:lnTlToBr w="12700" cmpd="sng">
+                      <a:noFill/>
+                      <a:prstDash val="solid"/>
+                    </a:lnTlToBr>
+                    <a:lnBlToTr w="12700" cmpd="sng">
+                      <a:noFill/>
+                      <a:prstDash val="solid"/>
+                    </a:lnBlToTr>
+                    <a:noFill/>
+                  </a:tcPr>
+                </a:tc>
+                <a:extLst>
+                  <a:ext uri="{0D108BD9-81ED-4DB2-BD59-A6C34878D82A}">
+                    <a16:rowId xmlns:a16="http://schemas.microsoft.com/office/drawing/2014/main" val="1483372561"/>
+                  </a:ext>
+                </a:extLst>
+              </a:tr>
+              <a:tr h="0">
+                <a:tc>
+                  <a:txBody>
+                    <a:bodyPr/>
+                    <a:lstStyle/>
+                    <a:p>
+                      <a:pPr latinLnBrk="1"/>
+                      <a:r>
+                        <a:rPr lang="ko-KR" altLang="en-US" sz="1200" b="0" dirty="0">
+                          <a:solidFill>
+                            <a:schemeClr val="tx1"/>
+                          </a:solidFill>
+                        </a:rPr>
+                        <a:t>정확하지 않은 합 승률 표기 시스템</a:t>
+                      </a:r>
+                    </a:p>
+                  </a:txBody>
+                  <a:tcPr>
+                    <a:lnL w="12700" cmpd="sng">
+                      <a:noFill/>
+                    </a:lnL>
+                    <a:lnR w="12700" cmpd="sng">
+                      <a:noFill/>
+                    </a:lnR>
+                    <a:lnT w="12700" cap="flat" cmpd="sng" algn="ctr">
+                      <a:solidFill>
+                        <a:schemeClr val="tx1"/>
+                      </a:solidFill>
+                      <a:prstDash val="solid"/>
+                      <a:round/>
+                      <a:headEnd type="none" w="med" len="med"/>
+                      <a:tailEnd type="none" w="med" len="med"/>
+                    </a:lnT>
+                    <a:lnB w="12700" cap="flat" cmpd="sng" algn="ctr">
+                      <a:solidFill>
+                        <a:schemeClr val="tx1"/>
+                      </a:solidFill>
+                      <a:prstDash val="solid"/>
+                      <a:round/>
+                      <a:headEnd type="none" w="med" len="med"/>
+                      <a:tailEnd type="none" w="med" len="med"/>
+                    </a:lnB>
+                    <a:lnTlToBr w="12700" cmpd="sng">
+                      <a:noFill/>
+                      <a:prstDash val="solid"/>
+                    </a:lnTlToBr>
+                    <a:lnBlToTr w="12700" cmpd="sng">
+                      <a:noFill/>
+                      <a:prstDash val="solid"/>
+                    </a:lnBlToTr>
+                    <a:noFill/>
+                  </a:tcPr>
+                </a:tc>
+                <a:extLst>
+                  <a:ext uri="{0D108BD9-81ED-4DB2-BD59-A6C34878D82A}">
+                    <a16:rowId xmlns:a16="http://schemas.microsoft.com/office/drawing/2014/main" val="861907824"/>
+                  </a:ext>
+                </a:extLst>
+              </a:tr>
+              <a:tr h="0">
+                <a:tc>
+                  <a:txBody>
+                    <a:bodyPr/>
+                    <a:lstStyle/>
+                    <a:p>
+                      <a:pPr latinLnBrk="1"/>
+                      <a:endParaRPr lang="ko-KR" altLang="en-US" sz="1200" b="0" dirty="0">
+                        <a:solidFill>
+                          <a:schemeClr val="tx1"/>
+                        </a:solidFill>
+                      </a:endParaRPr>
+                    </a:p>
+                  </a:txBody>
+                  <a:tcPr>
+                    <a:lnL w="12700" cmpd="sng">
+                      <a:noFill/>
+                    </a:lnL>
+                    <a:lnR w="12700" cmpd="sng">
+                      <a:noFill/>
+                    </a:lnR>
+                    <a:lnT w="12700" cap="flat" cmpd="sng" algn="ctr">
+                      <a:solidFill>
+                        <a:schemeClr val="tx1"/>
+                      </a:solidFill>
+                      <a:prstDash val="solid"/>
+                      <a:round/>
+                      <a:headEnd type="none" w="med" len="med"/>
+                      <a:tailEnd type="none" w="med" len="med"/>
+                    </a:lnT>
+                    <a:lnB w="12700" cmpd="sng">
+                      <a:noFill/>
+                    </a:lnB>
+                    <a:lnTlToBr w="12700" cmpd="sng">
+                      <a:noFill/>
+                      <a:prstDash val="solid"/>
+                    </a:lnTlToBr>
+                    <a:lnBlToTr w="12700" cmpd="sng">
+                      <a:noFill/>
+                      <a:prstDash val="solid"/>
+                    </a:lnBlToTr>
+                    <a:noFill/>
+                  </a:tcPr>
+                </a:tc>
+                <a:extLst>
+                  <a:ext uri="{0D108BD9-81ED-4DB2-BD59-A6C34878D82A}">
+                    <a16:rowId xmlns:a16="http://schemas.microsoft.com/office/drawing/2014/main" val="167920401"/>
+                  </a:ext>
+                </a:extLst>
+              </a:tr>
+            </a:tbl>
+          </a:graphicData>
+        </a:graphic>
+      </p:graphicFrame>
+    </p:spTree>
+    <p:extLst>
+      <p:ext uri="{BB962C8B-B14F-4D97-AF65-F5344CB8AC3E}">
+        <p14:creationId xmlns:p14="http://schemas.microsoft.com/office/powerpoint/2010/main" val="1028898450"/>
+      </p:ext>
+    </p:extLst>
+  </p:cSld>
+  <p:clrMapOvr>
+    <a:masterClrMapping/>
+  </p:clrMapOvr>
+</p:sld>
+</file>
+
 <file path=ppt/slides/slide2.xml><?xml version="1.0" encoding="utf-8"?>
 <p:sld xmlns:a="http://schemas.openxmlformats.org/drawingml/2006/main" xmlns:r="http://schemas.openxmlformats.org/officeDocument/2006/relationships" xmlns:p="http://schemas.openxmlformats.org/presentationml/2006/main">
   <p:cSld>
@@ -4239,14 +5657,14 @@
           <p:nvPr>
             <p:extLst>
               <p:ext uri="{D42A27DB-BD31-4B8C-83A1-F6EECF244321}">
-                <p14:modId xmlns:p14="http://schemas.microsoft.com/office/powerpoint/2010/main" val="1584976789"/>
+                <p14:modId xmlns:p14="http://schemas.microsoft.com/office/powerpoint/2010/main" val="170212970"/>
               </p:ext>
             </p:extLst>
           </p:nvPr>
         </p:nvGraphicFramePr>
         <p:xfrm>
-          <a:off x="1345087" y="1266825"/>
-          <a:ext cx="9501823" cy="2895600"/>
+          <a:off x="1032767" y="1503892"/>
+          <a:ext cx="10126464" cy="3962400"/>
         </p:xfrm>
         <a:graphic>
           <a:graphicData uri="http://schemas.openxmlformats.org/drawingml/2006/table">
@@ -4255,7 +5673,7 @@
                 <a:tableStyleId>{5C22544A-7EE6-4342-B048-85BDC9FD1C3A}</a:tableStyleId>
               </a:tblPr>
               <a:tblGrid>
-                <a:gridCol w="9501823">
+                <a:gridCol w="10126464">
                   <a:extLst>
                     <a:ext uri="{9D8B030D-6E8A-4147-A177-3AD203B41FA5}">
                       <a16:colId xmlns:a16="http://schemas.microsoft.com/office/drawing/2014/main" val="2619519810"/>
@@ -4287,7 +5705,7 @@
                         <a:defRPr/>
                       </a:pPr>
                       <a:r>
-                        <a:rPr kumimoji="0" lang="ko-KR" altLang="en-US" sz="1400" b="0" i="0" u="none" strike="noStrike" kern="1200" cap="none" spc="0" normalizeH="0" baseline="0" noProof="0" dirty="0">
+                        <a:rPr kumimoji="0" lang="ko-KR" altLang="en-US" sz="1400" b="1" i="0" u="none" strike="noStrike" kern="1200" cap="none" spc="0" normalizeH="0" baseline="0" noProof="0" dirty="0">
                           <a:ln>
                             <a:noFill/>
                           </a:ln>
@@ -4301,10 +5719,43 @@
                           <a:ea typeface="맑은 고딕" charset="0"/>
                           <a:cs typeface="+mn-cs"/>
                         </a:rPr>
-                        <a:t>합 시스템이란 </a:t>
-                      </a:r>
-                      <a:r>
-                        <a:rPr kumimoji="0" lang="en-US" altLang="ko-KR" sz="1400" b="0" i="0" u="none" strike="noStrike" kern="1200" cap="none" spc="0" normalizeH="0" baseline="0" noProof="0" dirty="0">
+                        <a:t>정의</a:t>
+                      </a:r>
+                      <a:endParaRPr kumimoji="0" lang="en-US" altLang="ko-KR" sz="1400" b="1" i="0" u="none" strike="noStrike" kern="1200" cap="none" spc="0" normalizeH="0" baseline="0" noProof="0" dirty="0">
+                        <a:ln>
+                          <a:noFill/>
+                        </a:ln>
+                        <a:solidFill>
+                          <a:prstClr val="black"/>
+                        </a:solidFill>
+                        <a:effectLst/>
+                        <a:uLnTx/>
+                        <a:uFillTx/>
+                        <a:latin typeface="맑은 고딕" charset="0"/>
+                        <a:ea typeface="맑은 고딕" charset="0"/>
+                        <a:cs typeface="+mn-cs"/>
+                      </a:endParaRPr>
+                    </a:p>
+                    <a:p>
+                      <a:pPr marL="0" marR="0" lvl="0" indent="0" algn="l" defTabSz="914400" rtl="0" eaLnBrk="1" fontAlgn="auto" latinLnBrk="1" hangingPunct="1">
+                        <a:lnSpc>
+                          <a:spcPct val="100000"/>
+                        </a:lnSpc>
+                        <a:spcBef>
+                          <a:spcPts val="0"/>
+                        </a:spcBef>
+                        <a:spcAft>
+                          <a:spcPts val="0"/>
+                        </a:spcAft>
+                        <a:buClrTx/>
+                        <a:buSzTx/>
+                        <a:buFontTx/>
+                        <a:buNone/>
+                        <a:tabLst/>
+                        <a:defRPr/>
+                      </a:pPr>
+                      <a:r>
+                        <a:rPr kumimoji="0" lang="ko-KR" altLang="en-US" sz="1400" b="0" i="0" u="none" strike="noStrike" kern="1200" cap="none" spc="0" normalizeH="0" baseline="0" noProof="0" dirty="0">
                           <a:ln>
                             <a:noFill/>
                           </a:ln>
@@ -4318,10 +5769,10 @@
                           <a:ea typeface="맑은 고딕" charset="0"/>
                           <a:cs typeface="+mn-cs"/>
                         </a:rPr>
-                        <a:t>‘Limbus Company’</a:t>
-                      </a:r>
-                      <a:r>
-                        <a:rPr kumimoji="0" lang="ko-KR" altLang="en-US" sz="1400" b="0" i="0" u="none" strike="noStrike" kern="1200" cap="none" spc="0" normalizeH="0" baseline="0" noProof="0" dirty="0">
+                        <a:t>합 시스템이란 턴제 게임 </a:t>
+                      </a:r>
+                      <a:r>
+                        <a:rPr kumimoji="0" lang="en-US" altLang="ko-KR" sz="1400" b="0" i="0" u="none" strike="noStrike" kern="1200" cap="none" spc="0" normalizeH="0" baseline="0" noProof="0" dirty="0">
                           <a:ln>
                             <a:noFill/>
                           </a:ln>
@@ -4335,7 +5786,24 @@
                           <a:ea typeface="맑은 고딕" charset="0"/>
                           <a:cs typeface="+mn-cs"/>
                         </a:rPr>
-                        <a:t>이라고 하는 턴제 게임에서 적의 공격을 저지하는 시스템이다</a:t>
+                        <a:t>‘Limbus Company’</a:t>
+                      </a:r>
+                      <a:r>
+                        <a:rPr kumimoji="0" lang="ko-KR" altLang="en-US" sz="1400" b="0" i="0" u="none" strike="noStrike" kern="1200" cap="none" spc="0" normalizeH="0" baseline="0" noProof="0" dirty="0">
+                          <a:ln>
+                            <a:noFill/>
+                          </a:ln>
+                          <a:solidFill>
+                            <a:prstClr val="black"/>
+                          </a:solidFill>
+                          <a:effectLst/>
+                          <a:uLnTx/>
+                          <a:uFillTx/>
+                          <a:latin typeface="맑은 고딕" charset="0"/>
+                          <a:ea typeface="맑은 고딕" charset="0"/>
+                          <a:cs typeface="+mn-cs"/>
+                        </a:rPr>
+                        <a:t>에서 적의 공격을 저지하는 시스템이다</a:t>
                       </a:r>
                       <a:r>
                         <a:rPr kumimoji="0" lang="en-US" altLang="ko-KR" sz="1400" b="0" i="0" u="none" strike="noStrike" kern="1200" cap="none" spc="0" normalizeH="0" baseline="0" noProof="0" dirty="0">
@@ -4927,11 +6395,102 @@
                         <a:tabLst/>
                         <a:defRPr/>
                       </a:pPr>
-                      <a:endParaRPr lang="en-US" altLang="ko-KR" sz="1400" b="1" u="none" dirty="0">
-                        <a:solidFill>
-                          <a:schemeClr val="tx1"/>
-                        </a:solidFill>
-                      </a:endParaRPr>
+                      <a:r>
+                        <a:rPr lang="ko-KR" altLang="en-US" sz="1400" b="0" u="none" dirty="0">
+                          <a:solidFill>
+                            <a:schemeClr val="tx1"/>
+                          </a:solidFill>
+                        </a:rPr>
+                        <a:t>턴제 게임의 전투는 서로의 턴을 번갈아 가며 진행하기 때문에 상대의 행동에 대응하는 것은 예측을 하는 것이 아니면 불가능하고</a:t>
+                      </a:r>
+                      <a:r>
+                        <a:rPr lang="en-US" altLang="ko-KR" sz="1400" b="0" u="none" dirty="0">
+                          <a:solidFill>
+                            <a:schemeClr val="tx1"/>
+                          </a:solidFill>
+                        </a:rPr>
+                        <a:t>,</a:t>
+                      </a:r>
+                      <a:r>
+                        <a:rPr lang="ko-KR" altLang="en-US" sz="1400" b="0" u="none" dirty="0">
+                          <a:solidFill>
+                            <a:schemeClr val="tx1"/>
+                          </a:solidFill>
+                        </a:rPr>
+                        <a:t> 그렇기에 전투가 정적이고 변수를 만들기 힘들다</a:t>
+                      </a:r>
+                      <a:r>
+                        <a:rPr lang="en-US" altLang="ko-KR" sz="1400" b="0" u="none" dirty="0">
+                          <a:solidFill>
+                            <a:schemeClr val="tx1"/>
+                          </a:solidFill>
+                        </a:rPr>
+                        <a:t>. </a:t>
+                      </a:r>
+                      <a:r>
+                        <a:rPr lang="ko-KR" altLang="en-US" sz="1400" b="0" u="none" dirty="0">
+                          <a:solidFill>
+                            <a:schemeClr val="tx1"/>
+                          </a:solidFill>
+                        </a:rPr>
+                        <a:t>하지만 </a:t>
+                      </a:r>
+                      <a:r>
+                        <a:rPr lang="en-US" altLang="ko-KR" sz="1400" b="0" u="none" dirty="0">
+                          <a:solidFill>
+                            <a:schemeClr val="tx1"/>
+                          </a:solidFill>
+                        </a:rPr>
+                        <a:t>Limbus Company</a:t>
+                      </a:r>
+                      <a:r>
+                        <a:rPr lang="ko-KR" altLang="en-US" sz="1400" b="0" u="none" dirty="0">
+                          <a:solidFill>
+                            <a:schemeClr val="tx1"/>
+                          </a:solidFill>
+                        </a:rPr>
+                        <a:t>의 전투는 합 시스템을 이용하여 상대의 행동에 보고 판단하고 대응할 수 있다</a:t>
+                      </a:r>
+                      <a:r>
+                        <a:rPr lang="en-US" altLang="ko-KR" sz="1400" b="0" u="none" dirty="0">
+                          <a:solidFill>
+                            <a:schemeClr val="tx1"/>
+                          </a:solidFill>
+                        </a:rPr>
+                        <a:t>. </a:t>
+                      </a:r>
+                      <a:r>
+                        <a:rPr lang="ko-KR" altLang="en-US" sz="1400" b="0" u="none" dirty="0">
+                          <a:solidFill>
+                            <a:schemeClr val="tx1"/>
+                          </a:solidFill>
+                        </a:rPr>
+                        <a:t>이러한 변화는 실시간 전투에서나 할 수 있는 패링과 같은 행동을 턴제 전투에서 재현한 것으로 전투의 변수를 늘리고</a:t>
+                      </a:r>
+                      <a:r>
+                        <a:rPr lang="en-US" altLang="ko-KR" sz="1400" b="0" u="none" dirty="0">
+                          <a:solidFill>
+                            <a:schemeClr val="tx1"/>
+                          </a:solidFill>
+                        </a:rPr>
+                        <a:t>,</a:t>
+                      </a:r>
+                      <a:r>
+                        <a:rPr lang="ko-KR" altLang="en-US" sz="1400" b="0" u="none" dirty="0">
+                          <a:solidFill>
+                            <a:schemeClr val="tx1"/>
+                          </a:solidFill>
+                        </a:rPr>
+                        <a:t> 다른 시스템과 연계 및 활용하여 전략의 가짓수를 또한 증가 시켜 플레이어가 전투에서 느낄 수 있는 재미를 극대화 시키는 결과를 만들어낸다</a:t>
+                      </a:r>
+                      <a:r>
+                        <a:rPr lang="en-US" altLang="ko-KR" sz="1400" b="0" u="none" dirty="0">
+                          <a:solidFill>
+                            <a:schemeClr val="tx1"/>
+                          </a:solidFill>
+                        </a:rPr>
+                        <a:t>.</a:t>
+                      </a:r>
                     </a:p>
                   </a:txBody>
                   <a:tcPr anchor="ctr">
@@ -5099,14 +6658,14 @@
           <p:nvPr>
             <p:extLst>
               <p:ext uri="{D42A27DB-BD31-4B8C-83A1-F6EECF244321}">
-                <p14:modId xmlns:p14="http://schemas.microsoft.com/office/powerpoint/2010/main" val="1232179272"/>
+                <p14:modId xmlns:p14="http://schemas.microsoft.com/office/powerpoint/2010/main" val="787778265"/>
               </p:ext>
             </p:extLst>
           </p:nvPr>
         </p:nvGraphicFramePr>
         <p:xfrm>
-          <a:off x="2175244" y="1268413"/>
-          <a:ext cx="6279515" cy="1463040"/>
+          <a:off x="2109311" y="1826389"/>
+          <a:ext cx="7973378" cy="3200400"/>
         </p:xfrm>
         <a:graphic>
           <a:graphicData uri="http://schemas.openxmlformats.org/drawingml/2006/table">
@@ -5122,14 +6681,14 @@
                     </a:ext>
                   </a:extLst>
                 </a:gridCol>
-                <a:gridCol w="541655">
+                <a:gridCol w="954405">
                   <a:extLst>
                     <a:ext uri="{9D8B030D-6E8A-4147-A177-3AD203B41FA5}">
                       <a16:colId xmlns:a16="http://schemas.microsoft.com/office/drawing/2014/main" val="766656903"/>
                     </a:ext>
                   </a:extLst>
                 </a:gridCol>
-                <a:gridCol w="4837430">
+                <a:gridCol w="6118543">
                   <a:extLst>
                     <a:ext uri="{9D8B030D-6E8A-4147-A177-3AD203B41FA5}">
                       <a16:colId xmlns:a16="http://schemas.microsoft.com/office/drawing/2014/main" val="1841855998"/>
@@ -5190,8 +6749,14 @@
                       <a:headEnd type="none" w="med" len="med"/>
                       <a:tailEnd type="none" w="med" len="med"/>
                     </a:lnT>
-                    <a:lnB w="12700" cmpd="sng">
-                      <a:noFill/>
+                    <a:lnB w="12700" cap="flat" cmpd="sng" algn="ctr">
+                      <a:solidFill>
+                        <a:schemeClr val="tx1"/>
+                      </a:solidFill>
+                      <a:prstDash val="solid"/>
+                      <a:round/>
+                      <a:headEnd type="none" w="med" len="med"/>
+                      <a:tailEnd type="none" w="med" len="med"/>
                     </a:lnB>
                     <a:lnTlToBr w="12700" cmpd="sng">
                       <a:noFill/>
@@ -5296,38 +6861,57 @@
                         </a:rPr>
                         <a:t>방어자가 공격자의 스킬 타겟일 경우</a:t>
                       </a:r>
-                      <a:endParaRPr lang="en-US" altLang="ko-KR" sz="1200" b="0" dirty="0">
+                      <a:r>
+                        <a:rPr lang="en-US" altLang="ko-KR" sz="1200" b="0" dirty="0">
+                          <a:solidFill>
+                            <a:schemeClr val="tx1"/>
+                          </a:solidFill>
+                        </a:rPr>
+                        <a:t>.</a:t>
+                      </a:r>
+                    </a:p>
+                    <a:p>
+                      <a:pPr latinLnBrk="1"/>
+                      <a:r>
+                        <a:rPr lang="ko-KR" altLang="en-US" sz="1200" b="0" dirty="0">
+                          <a:solidFill>
+                            <a:schemeClr val="tx1"/>
+                          </a:solidFill>
+                        </a:rPr>
+                        <a:t>공격자가 광역 스킬 사용시 방어자가 메인 타겟일 경우</a:t>
+                      </a:r>
+                      <a:r>
+                        <a:rPr lang="en-US" altLang="ko-KR" sz="1200" b="0" dirty="0">
+                          <a:solidFill>
+                            <a:schemeClr val="tx1"/>
+                          </a:solidFill>
+                        </a:rPr>
+                        <a:t>.</a:t>
+                      </a:r>
+                    </a:p>
+                    <a:p>
+                      <a:pPr latinLnBrk="1"/>
+                      <a:r>
+                        <a:rPr lang="ko-KR" altLang="en-US" sz="1200" b="0" dirty="0">
+                          <a:solidFill>
+                            <a:schemeClr val="tx1"/>
+                          </a:solidFill>
+                        </a:rPr>
+                        <a:t>공격자의 스킬이 타겟 변경 가능하고 속도가 방어자보다 낮을 경우</a:t>
+                      </a:r>
+                      <a:r>
+                        <a:rPr lang="en-US" altLang="ko-KR" sz="1200" b="0" dirty="0">
+                          <a:solidFill>
+                            <a:schemeClr val="tx1"/>
+                          </a:solidFill>
+                        </a:rPr>
+                        <a:t>.</a:t>
+                      </a:r>
+                      <a:endParaRPr lang="ko-KR" altLang="en-US" sz="1200" b="0" dirty="0">
                         <a:solidFill>
                           <a:schemeClr val="tx1"/>
                         </a:solidFill>
                       </a:endParaRPr>
-                    </a:p>
-                    <a:p>
-                      <a:pPr latinLnBrk="1"/>
-                      <a:r>
-                        <a:rPr lang="ko-KR" altLang="en-US" sz="1200" b="0" dirty="0">
-                          <a:solidFill>
-                            <a:schemeClr val="tx1"/>
-                          </a:solidFill>
-                        </a:rPr>
-                        <a:t>공격자가 광역 스킬 사용시 방어자가 메인 타겟일 경우</a:t>
-                      </a:r>
-                      <a:endParaRPr lang="en-US" altLang="ko-KR" sz="1200" b="0" dirty="0">
-                        <a:solidFill>
-                          <a:schemeClr val="tx1"/>
-                        </a:solidFill>
-                      </a:endParaRPr>
-                    </a:p>
-                    <a:p>
-                      <a:pPr latinLnBrk="1"/>
-                      <a:r>
-                        <a:rPr lang="ko-KR" altLang="en-US" sz="1200" b="0" dirty="0">
-                          <a:solidFill>
-                            <a:schemeClr val="tx1"/>
-                          </a:solidFill>
-                        </a:rPr>
-                        <a:t>공격자의 스킬이 타겟 변경 가능할 때 속도가 방어자보다 낮을 경우</a:t>
-                      </a:r>
                     </a:p>
                   </a:txBody>
                   <a:tcPr>
@@ -5486,7 +7070,9 @@
                       <a:tailEnd type="none" w="med" len="med"/>
                     </a:lnT>
                     <a:lnB w="12700" cap="flat" cmpd="sng" algn="ctr">
-                      <a:noFill/>
+                      <a:solidFill>
+                        <a:schemeClr val="tx1"/>
+                      </a:solidFill>
                       <a:prstDash val="solid"/>
                       <a:round/>
                       <a:headEnd type="none" w="med" len="med"/>
@@ -5517,11 +7103,14 @@
                         </a:rPr>
                         <a:t>공격자의 스킬이 합 불가 스킬이 아닌 경우</a:t>
                       </a:r>
-                      <a:endParaRPr lang="en-US" altLang="ko-KR" sz="1200" b="0" dirty="0">
-                        <a:solidFill>
-                          <a:schemeClr val="tx1"/>
-                        </a:solidFill>
-                      </a:endParaRPr>
+                      <a:r>
+                        <a:rPr lang="en-US" altLang="ko-KR" sz="1200" b="0" dirty="0">
+                          <a:solidFill>
+                            <a:schemeClr val="tx1"/>
+                          </a:solidFill>
+                        </a:rPr>
+                        <a:t>.</a:t>
+                      </a:r>
                     </a:p>
                     <a:p>
                       <a:pPr latinLnBrk="1"/>
@@ -5533,11 +7122,14 @@
                         </a:rPr>
                         <a:t>방어자의 스킬이 일반 공격 스킬인 경우</a:t>
                       </a:r>
-                      <a:endParaRPr lang="en-US" altLang="ko-KR" sz="1200" b="0" dirty="0">
-                        <a:solidFill>
-                          <a:schemeClr val="tx1"/>
-                        </a:solidFill>
-                      </a:endParaRPr>
+                      <a:r>
+                        <a:rPr lang="en-US" altLang="ko-KR" sz="1200" b="0" dirty="0">
+                          <a:solidFill>
+                            <a:schemeClr val="tx1"/>
+                          </a:solidFill>
+                        </a:rPr>
+                        <a:t>.</a:t>
+                      </a:r>
                     </a:p>
                     <a:p>
                       <a:pPr latinLnBrk="1"/>
@@ -5565,11 +7157,14 @@
                         </a:rPr>
                         <a:t>스킬인 경우</a:t>
                       </a:r>
-                      <a:endParaRPr lang="en-US" altLang="ko-KR" sz="1200" b="0" dirty="0">
-                        <a:solidFill>
-                          <a:schemeClr val="tx1"/>
-                        </a:solidFill>
-                      </a:endParaRPr>
+                      <a:r>
+                        <a:rPr lang="en-US" altLang="ko-KR" sz="1200" b="0" dirty="0">
+                          <a:solidFill>
+                            <a:schemeClr val="tx1"/>
+                          </a:solidFill>
+                        </a:rPr>
+                        <a:t>.</a:t>
+                      </a:r>
                     </a:p>
                     <a:p>
                       <a:pPr latinLnBrk="1"/>
@@ -5581,11 +7176,14 @@
                         </a:rPr>
                         <a:t>방어자의 스킬이 특수 수비 스킬인 경우</a:t>
                       </a:r>
-                      <a:endParaRPr lang="en-US" altLang="ko-KR" sz="1200" b="0" dirty="0">
-                        <a:solidFill>
-                          <a:schemeClr val="tx1"/>
-                        </a:solidFill>
-                      </a:endParaRPr>
+                      <a:r>
+                        <a:rPr lang="en-US" altLang="ko-KR" sz="1200" b="0" dirty="0">
+                          <a:solidFill>
+                            <a:schemeClr val="tx1"/>
+                          </a:solidFill>
+                        </a:rPr>
+                        <a:t>.</a:t>
+                      </a:r>
                     </a:p>
                   </a:txBody>
                   <a:tcPr>
@@ -5611,7 +7209,9 @@
                       <a:tailEnd type="none" w="med" len="med"/>
                     </a:lnT>
                     <a:lnB w="12700" cap="flat" cmpd="sng" algn="ctr">
-                      <a:noFill/>
+                      <a:solidFill>
+                        <a:schemeClr val="tx1"/>
+                      </a:solidFill>
                       <a:prstDash val="solid"/>
                       <a:round/>
                       <a:headEnd type="none" w="med" len="med"/>
@@ -5634,63 +7234,6 @@
                   </a:ext>
                 </a:extLst>
               </a:tr>
-            </a:tbl>
-          </a:graphicData>
-        </a:graphic>
-      </p:graphicFrame>
-      <p:graphicFrame>
-        <p:nvGraphicFramePr>
-          <p:cNvPr id="7" name="표 2">
-            <a:extLst>
-              <a:ext uri="{FF2B5EF4-FFF2-40B4-BE49-F238E27FC236}">
-                <a16:creationId xmlns:a16="http://schemas.microsoft.com/office/drawing/2014/main" id="{0AF10DA7-4FF7-4B87-B1FA-E99232C888A4}"/>
-              </a:ext>
-            </a:extLst>
-          </p:cNvPr>
-          <p:cNvGraphicFramePr>
-            <a:graphicFrameLocks noGrp="1"/>
-          </p:cNvGraphicFramePr>
-          <p:nvPr>
-            <p:extLst>
-              <p:ext uri="{D42A27DB-BD31-4B8C-83A1-F6EECF244321}">
-                <p14:modId xmlns:p14="http://schemas.microsoft.com/office/powerpoint/2010/main" val="870991233"/>
-              </p:ext>
-            </p:extLst>
-          </p:nvPr>
-        </p:nvGraphicFramePr>
-        <p:xfrm>
-          <a:off x="2327644" y="2884170"/>
-          <a:ext cx="6371590" cy="1737360"/>
-        </p:xfrm>
-        <a:graphic>
-          <a:graphicData uri="http://schemas.openxmlformats.org/drawingml/2006/table">
-            <a:tbl>
-              <a:tblPr firstRow="1" bandRow="1">
-                <a:tableStyleId>{5C22544A-7EE6-4342-B048-85BDC9FD1C3A}</a:tableStyleId>
-              </a:tblPr>
-              <a:tblGrid>
-                <a:gridCol w="748030">
-                  <a:extLst>
-                    <a:ext uri="{9D8B030D-6E8A-4147-A177-3AD203B41FA5}">
-                      <a16:colId xmlns:a16="http://schemas.microsoft.com/office/drawing/2014/main" val="2079569908"/>
-                    </a:ext>
-                  </a:extLst>
-                </a:gridCol>
-                <a:gridCol w="954405">
-                  <a:extLst>
-                    <a:ext uri="{9D8B030D-6E8A-4147-A177-3AD203B41FA5}">
-                      <a16:colId xmlns:a16="http://schemas.microsoft.com/office/drawing/2014/main" val="766656903"/>
-                    </a:ext>
-                  </a:extLst>
-                </a:gridCol>
-                <a:gridCol w="4669155">
-                  <a:extLst>
-                    <a:ext uri="{9D8B030D-6E8A-4147-A177-3AD203B41FA5}">
-                      <a16:colId xmlns:a16="http://schemas.microsoft.com/office/drawing/2014/main" val="1841855998"/>
-                    </a:ext>
-                  </a:extLst>
-                </a:gridCol>
-              </a:tblGrid>
               <a:tr h="0">
                 <a:tc rowSpan="3">
                   <a:txBody>
@@ -5738,18 +7281,16 @@
                       <a:tailEnd type="none" w="med" len="med"/>
                     </a:lnR>
                     <a:lnT w="12700" cap="flat" cmpd="sng" algn="ctr">
-                      <a:noFill/>
+                      <a:solidFill>
+                        <a:schemeClr val="tx1"/>
+                      </a:solidFill>
                       <a:prstDash val="solid"/>
                       <a:round/>
                       <a:headEnd type="none" w="med" len="med"/>
                       <a:tailEnd type="none" w="med" len="med"/>
                     </a:lnT>
-                    <a:lnB w="12700" cap="flat" cmpd="sng" algn="ctr">
-                      <a:noFill/>
-                      <a:prstDash val="solid"/>
-                      <a:round/>
-                      <a:headEnd type="none" w="med" len="med"/>
-                      <a:tailEnd type="none" w="med" len="med"/>
+                    <a:lnB w="12700" cmpd="sng">
+                      <a:noFill/>
                     </a:lnB>
                     <a:lnTlToBr w="12700" cmpd="sng">
                       <a:noFill/>
@@ -5814,7 +7355,9 @@
                       <a:tailEnd type="none" w="med" len="med"/>
                     </a:lnR>
                     <a:lnT w="12700" cap="flat" cmpd="sng" algn="ctr">
-                      <a:noFill/>
+                      <a:solidFill>
+                        <a:schemeClr val="tx1"/>
+                      </a:solidFill>
                       <a:prstDash val="solid"/>
                       <a:round/>
                       <a:headEnd type="none" w="med" len="med"/>
@@ -5887,7 +7430,7 @@
                             <a:schemeClr val="tx1"/>
                           </a:solidFill>
                         </a:rPr>
-                        <a:t>공격자와 방어자 양측이 행동 가능할 경우 합을 진행한다</a:t>
+                        <a:t>양측 모두 행동 가능 상태가 아닐 경우 합을 진행하지 않고 스킬 진행으로 넘어간다</a:t>
                       </a:r>
                       <a:r>
                         <a:rPr lang="en-US" altLang="ko-KR" sz="1200" b="0" dirty="0">
@@ -5918,7 +7461,9 @@
                       <a:noFill/>
                     </a:lnR>
                     <a:lnT w="12700" cap="flat" cmpd="sng" algn="ctr">
-                      <a:noFill/>
+                      <a:solidFill>
+                        <a:schemeClr val="tx1"/>
+                      </a:solidFill>
                       <a:prstDash val="solid"/>
                       <a:round/>
                       <a:headEnd type="none" w="med" len="med"/>
@@ -5946,7 +7491,7 @@
                 </a:tc>
                 <a:extLst>
                   <a:ext uri="{0D108BD9-81ED-4DB2-BD59-A6C34878D82A}">
-                    <a16:rowId xmlns:a16="http://schemas.microsoft.com/office/drawing/2014/main" val="1743730106"/>
+                    <a16:rowId xmlns:a16="http://schemas.microsoft.com/office/drawing/2014/main" val="2092295185"/>
                   </a:ext>
                 </a:extLst>
               </a:tr>
@@ -5978,22 +7523,14 @@
                       <a:tailEnd type="none" w="med" len="med"/>
                     </a:lnR>
                     <a:lnT w="12700" cap="flat" cmpd="sng" algn="ctr">
-                      <a:solidFill>
-                        <a:schemeClr val="tx1"/>
-                      </a:solidFill>
+                      <a:noFill/>
                       <a:prstDash val="solid"/>
                       <a:round/>
                       <a:headEnd type="none" w="med" len="med"/>
                       <a:tailEnd type="none" w="med" len="med"/>
                     </a:lnT>
-                    <a:lnB w="12700" cap="flat" cmpd="sng" algn="ctr">
-                      <a:solidFill>
-                        <a:schemeClr val="tx1"/>
-                      </a:solidFill>
-                      <a:prstDash val="solid"/>
-                      <a:round/>
-                      <a:headEnd type="none" w="med" len="med"/>
-                      <a:tailEnd type="none" w="med" len="med"/>
+                    <a:lnB w="12700" cmpd="sng">
+                      <a:noFill/>
                     </a:lnB>
                     <a:lnTlToBr w="12700" cmpd="sng">
                       <a:noFill/>
@@ -6272,7 +7809,7 @@
                             <a:schemeClr val="tx1"/>
                           </a:solidFill>
                         </a:rPr>
-                        <a:t>합 종료 조건이 만족될 때까지 합을 반복한다</a:t>
+                        <a:t>합 종료 조건이 만족될 때까지 위에 규칙을 반복한다</a:t>
                       </a:r>
                       <a:r>
                         <a:rPr lang="en-US" altLang="ko-KR" sz="1200" b="0" dirty="0">
@@ -6328,7 +7865,7 @@
                 </a:tc>
                 <a:extLst>
                   <a:ext uri="{0D108BD9-81ED-4DB2-BD59-A6C34878D82A}">
-                    <a16:rowId xmlns:a16="http://schemas.microsoft.com/office/drawing/2014/main" val="1512003931"/>
+                    <a16:rowId xmlns:a16="http://schemas.microsoft.com/office/drawing/2014/main" val="3225948574"/>
                   </a:ext>
                 </a:extLst>
               </a:tr>
@@ -6360,22 +7897,14 @@
                       <a:tailEnd type="none" w="med" len="med"/>
                     </a:lnR>
                     <a:lnT w="12700" cap="flat" cmpd="sng" algn="ctr">
-                      <a:solidFill>
-                        <a:schemeClr val="tx1"/>
-                      </a:solidFill>
+                      <a:noFill/>
                       <a:prstDash val="solid"/>
                       <a:round/>
                       <a:headEnd type="none" w="med" len="med"/>
                       <a:tailEnd type="none" w="med" len="med"/>
                     </a:lnT>
-                    <a:lnB w="12700" cap="flat" cmpd="sng" algn="ctr">
-                      <a:solidFill>
-                        <a:schemeClr val="tx1"/>
-                      </a:solidFill>
-                      <a:prstDash val="solid"/>
-                      <a:round/>
-                      <a:headEnd type="none" w="med" len="med"/>
-                      <a:tailEnd type="none" w="med" len="med"/>
+                    <a:lnB w="12700" cmpd="sng">
+                      <a:noFill/>
                     </a:lnB>
                     <a:lnTlToBr w="12700" cmpd="sng">
                       <a:noFill/>
@@ -6501,11 +8030,14 @@
                         </a:rPr>
                         <a:t>양측 중 코인이 모두 파괴된 측이 발생할 경우</a:t>
                       </a:r>
-                      <a:endParaRPr lang="en-US" altLang="ko-KR" sz="1200" b="0" dirty="0">
-                        <a:solidFill>
-                          <a:schemeClr val="tx1"/>
-                        </a:solidFill>
-                      </a:endParaRPr>
+                      <a:r>
+                        <a:rPr lang="en-US" altLang="ko-KR" sz="1200" b="0" dirty="0">
+                          <a:solidFill>
+                            <a:schemeClr val="tx1"/>
+                          </a:solidFill>
+                        </a:rPr>
+                        <a:t>.</a:t>
+                      </a:r>
                     </a:p>
                     <a:p>
                       <a:pPr marL="0" marR="0" lvl="0" indent="0" algn="l" defTabSz="914400" rtl="0" eaLnBrk="1" fontAlgn="auto" latinLnBrk="1" hangingPunct="1">
@@ -6533,11 +8065,14 @@
                         </a:rPr>
                         <a:t>양측 중 행동 불능인 측이 발생할 경우</a:t>
                       </a:r>
-                      <a:endParaRPr lang="en-US" altLang="ko-KR" sz="1200" b="0" dirty="0">
-                        <a:solidFill>
-                          <a:schemeClr val="tx1"/>
-                        </a:solidFill>
-                      </a:endParaRPr>
+                      <a:r>
+                        <a:rPr lang="en-US" altLang="ko-KR" sz="1200" b="0" dirty="0">
+                          <a:solidFill>
+                            <a:schemeClr val="tx1"/>
+                          </a:solidFill>
+                        </a:rPr>
+                        <a:t>.</a:t>
+                      </a:r>
                     </a:p>
                   </a:txBody>
                   <a:tcPr>
@@ -6582,7 +8117,7 @@
                 </a:tc>
                 <a:extLst>
                   <a:ext uri="{0D108BD9-81ED-4DB2-BD59-A6C34878D82A}">
-                    <a16:rowId xmlns:a16="http://schemas.microsoft.com/office/drawing/2014/main" val="999634013"/>
+                    <a16:rowId xmlns:a16="http://schemas.microsoft.com/office/drawing/2014/main" val="222023283"/>
                   </a:ext>
                 </a:extLst>
               </a:tr>
@@ -6604,7 +8139,7 @@
         </p:nvSpPr>
         <p:spPr>
           <a:xfrm>
-            <a:off x="1480978" y="5822182"/>
+            <a:off x="1524000" y="5837178"/>
             <a:ext cx="9144000" cy="400110"/>
           </a:xfrm>
           <a:prstGeom prst="rect">
@@ -6801,7 +8336,15 @@
             </a:r>
             <a:r>
               <a:rPr lang="ko-KR" altLang="en-US" sz="2400" dirty="0"/>
-              <a:t>스킬 타겟 선택 차트</a:t>
+              <a:t>합 시스템 관련 </a:t>
+            </a:r>
+            <a:r>
+              <a:rPr lang="en-US" altLang="ko-KR" sz="2400" dirty="0"/>
+              <a:t>UI </a:t>
+            </a:r>
+            <a:r>
+              <a:rPr lang="ko-KR" altLang="en-US" sz="2400" dirty="0"/>
+              <a:t>분류</a:t>
             </a:r>
             <a:endParaRPr lang="en-US" altLang="ko-KR" sz="2400" dirty="0"/>
           </a:p>
@@ -6809,10 +8352,10 @@
       </p:sp>
       <p:pic>
         <p:nvPicPr>
-          <p:cNvPr id="7" name="그림 6">
+          <p:cNvPr id="8" name="그림 7">
             <a:extLst>
               <a:ext uri="{FF2B5EF4-FFF2-40B4-BE49-F238E27FC236}">
-                <a16:creationId xmlns:a16="http://schemas.microsoft.com/office/drawing/2014/main" id="{BEEE6006-2860-4F5F-A575-C6307788A61B}"/>
+                <a16:creationId xmlns:a16="http://schemas.microsoft.com/office/drawing/2014/main" id="{EC854FB9-DD29-4ED0-94F3-0A4E6AE2E3A2}"/>
               </a:ext>
             </a:extLst>
           </p:cNvPr>
@@ -6822,15 +8365,21 @@
           <p:nvPr/>
         </p:nvPicPr>
         <p:blipFill>
-          <a:blip r:embed="rId2"/>
+          <a:blip r:embed="rId2" cstate="print">
+            <a:extLst>
+              <a:ext uri="{28A0092B-C50C-407E-A947-70E740481C1C}">
+                <a14:useLocalDpi xmlns:a14="http://schemas.microsoft.com/office/drawing/2010/main" val="0"/>
+              </a:ext>
+            </a:extLst>
+          </a:blip>
           <a:stretch>
             <a:fillRect/>
           </a:stretch>
         </p:blipFill>
         <p:spPr>
           <a:xfrm>
-            <a:off x="3446778" y="1268413"/>
-            <a:ext cx="5298443" cy="4968875"/>
+            <a:off x="1930447" y="1268413"/>
+            <a:ext cx="8331106" cy="3845125"/>
           </a:xfrm>
           <a:prstGeom prst="rect">
             <a:avLst/>
@@ -6839,10 +8388,10 @@
       </p:pic>
       <p:sp>
         <p:nvSpPr>
-          <p:cNvPr id="2" name="직사각형 1">
+          <p:cNvPr id="74" name="직사각형 73">
             <a:extLst>
               <a:ext uri="{FF2B5EF4-FFF2-40B4-BE49-F238E27FC236}">
-                <a16:creationId xmlns:a16="http://schemas.microsoft.com/office/drawing/2014/main" id="{D4B1CB45-E4ED-443A-AFF9-9146DBAF87DA}"/>
+                <a16:creationId xmlns:a16="http://schemas.microsoft.com/office/drawing/2014/main" id="{2E3FF4D0-09AF-4DB6-BE86-B700D61FFB1A}"/>
               </a:ext>
             </a:extLst>
           </p:cNvPr>
@@ -6851,12 +8400,18 @@
         </p:nvSpPr>
         <p:spPr>
           <a:xfrm>
-            <a:off x="4936069" y="2335866"/>
-            <a:ext cx="770466" cy="289733"/>
+            <a:off x="3458777" y="3065447"/>
+            <a:ext cx="789373" cy="865203"/>
           </a:xfrm>
           <a:prstGeom prst="rect">
             <a:avLst/>
           </a:prstGeom>
+          <a:noFill/>
+          <a:ln w="28575">
+            <a:solidFill>
+              <a:srgbClr val="FF0000"/>
+            </a:solidFill>
+          </a:ln>
         </p:spPr>
         <p:style>
           <a:lnRef idx="2">
@@ -6879,19 +8434,16 @@
           <a:lstStyle/>
           <a:p>
             <a:pPr algn="ctr"/>
-            <a:r>
-              <a:rPr lang="ko-KR" altLang="en-US" dirty="0"/>
-              <a:t>드랍</a:t>
-            </a:r>
-          </a:p>
-        </p:txBody>
-      </p:sp>
-      <p:sp>
-        <p:nvSpPr>
-          <p:cNvPr id="5" name="직사각형 4">
+            <a:endParaRPr lang="ko-KR" altLang="en-US"/>
+          </a:p>
+        </p:txBody>
+      </p:sp>
+      <p:sp>
+        <p:nvSpPr>
+          <p:cNvPr id="75" name="직사각형 74">
             <a:extLst>
               <a:ext uri="{FF2B5EF4-FFF2-40B4-BE49-F238E27FC236}">
-                <a16:creationId xmlns:a16="http://schemas.microsoft.com/office/drawing/2014/main" id="{453FDC94-E68A-4F84-A8B9-A1F9471B2655}"/>
+                <a16:creationId xmlns:a16="http://schemas.microsoft.com/office/drawing/2014/main" id="{FF0FDAB0-8C0D-4D53-9490-5861DDEF7D01}"/>
               </a:ext>
             </a:extLst>
           </p:cNvPr>
@@ -6900,12 +8452,18 @@
         </p:nvSpPr>
         <p:spPr>
           <a:xfrm>
-            <a:off x="4148670" y="3267201"/>
-            <a:ext cx="3335864" cy="1930401"/>
+            <a:off x="6487727" y="1966897"/>
+            <a:ext cx="1722823" cy="1785953"/>
           </a:xfrm>
           <a:prstGeom prst="rect">
             <a:avLst/>
           </a:prstGeom>
+          <a:noFill/>
+          <a:ln w="28575">
+            <a:solidFill>
+              <a:srgbClr val="FF0000"/>
+            </a:solidFill>
+          </a:ln>
         </p:spPr>
         <p:style>
           <a:lnRef idx="2">
@@ -6928,18 +8486,327 @@
           <a:lstStyle/>
           <a:p>
             <a:pPr algn="ctr"/>
-            <a:r>
-              <a:rPr lang="ko-KR" altLang="en-US"/>
-              <a:t>수정</a:t>
-            </a:r>
-            <a:endParaRPr lang="ko-KR" altLang="en-US" dirty="0"/>
-          </a:p>
-        </p:txBody>
-      </p:sp>
+            <a:endParaRPr lang="ko-KR" altLang="en-US"/>
+          </a:p>
+        </p:txBody>
+      </p:sp>
+      <p:sp>
+        <p:nvSpPr>
+          <p:cNvPr id="76" name="직사각형 75">
+            <a:extLst>
+              <a:ext uri="{FF2B5EF4-FFF2-40B4-BE49-F238E27FC236}">
+                <a16:creationId xmlns:a16="http://schemas.microsoft.com/office/drawing/2014/main" id="{5697F34A-0DE9-45CD-AF85-6760574EB631}"/>
+              </a:ext>
+            </a:extLst>
+          </p:cNvPr>
+          <p:cNvSpPr/>
+          <p:nvPr/>
+        </p:nvSpPr>
+        <p:spPr>
+          <a:xfrm>
+            <a:off x="3511550" y="3752851"/>
+            <a:ext cx="5257800" cy="1360688"/>
+          </a:xfrm>
+          <a:prstGeom prst="rect">
+            <a:avLst/>
+          </a:prstGeom>
+          <a:noFill/>
+          <a:ln w="28575">
+            <a:solidFill>
+              <a:srgbClr val="FF0000"/>
+            </a:solidFill>
+          </a:ln>
+        </p:spPr>
+        <p:style>
+          <a:lnRef idx="2">
+            <a:schemeClr val="accent1">
+              <a:shade val="50000"/>
+            </a:schemeClr>
+          </a:lnRef>
+          <a:fillRef idx="1">
+            <a:schemeClr val="accent1"/>
+          </a:fillRef>
+          <a:effectRef idx="0">
+            <a:schemeClr val="accent1"/>
+          </a:effectRef>
+          <a:fontRef idx="minor">
+            <a:schemeClr val="lt1"/>
+          </a:fontRef>
+        </p:style>
+        <p:txBody>
+          <a:bodyPr rtlCol="0" anchor="ctr"/>
+          <a:lstStyle/>
+          <a:p>
+            <a:pPr algn="ctr"/>
+            <a:endParaRPr lang="ko-KR" altLang="en-US"/>
+          </a:p>
+        </p:txBody>
+      </p:sp>
+      <p:sp>
+        <p:nvSpPr>
+          <p:cNvPr id="77" name="TextBox 76">
+            <a:extLst>
+              <a:ext uri="{FF2B5EF4-FFF2-40B4-BE49-F238E27FC236}">
+                <a16:creationId xmlns:a16="http://schemas.microsoft.com/office/drawing/2014/main" id="{22A730C1-597C-4405-A239-6116CE086FEB}"/>
+              </a:ext>
+            </a:extLst>
+          </p:cNvPr>
+          <p:cNvSpPr txBox="1"/>
+          <p:nvPr/>
+        </p:nvSpPr>
+        <p:spPr>
+          <a:xfrm>
+            <a:off x="2719847" y="5651438"/>
+            <a:ext cx="1583406" cy="276999"/>
+          </a:xfrm>
+          <a:prstGeom prst="rect">
+            <a:avLst/>
+          </a:prstGeom>
+          <a:noFill/>
+        </p:spPr>
+        <p:txBody>
+          <a:bodyPr wrap="square" rtlCol="0">
+            <a:spAutoFit/>
+          </a:bodyPr>
+          <a:lstStyle/>
+          <a:p>
+            <a:r>
+              <a:rPr lang="ko-KR" altLang="en-US" sz="1200" dirty="0"/>
+              <a:t>수감자 관련 </a:t>
+            </a:r>
+            <a:r>
+              <a:rPr lang="en-US" altLang="ko-KR" sz="1200" dirty="0"/>
+              <a:t>UI</a:t>
+            </a:r>
+            <a:endParaRPr lang="ko-KR" altLang="en-US" sz="1200" dirty="0"/>
+          </a:p>
+        </p:txBody>
+      </p:sp>
+      <p:sp>
+        <p:nvSpPr>
+          <p:cNvPr id="78" name="TextBox 77">
+            <a:extLst>
+              <a:ext uri="{FF2B5EF4-FFF2-40B4-BE49-F238E27FC236}">
+                <a16:creationId xmlns:a16="http://schemas.microsoft.com/office/drawing/2014/main" id="{70DE46E0-7AEC-4B82-98E0-E1A61BDE075E}"/>
+              </a:ext>
+            </a:extLst>
+          </p:cNvPr>
+          <p:cNvSpPr txBox="1"/>
+          <p:nvPr/>
+        </p:nvSpPr>
+        <p:spPr>
+          <a:xfrm>
+            <a:off x="5615565" y="5227451"/>
+            <a:ext cx="2171700" cy="276999"/>
+          </a:xfrm>
+          <a:prstGeom prst="rect">
+            <a:avLst/>
+          </a:prstGeom>
+          <a:noFill/>
+        </p:spPr>
+        <p:txBody>
+          <a:bodyPr wrap="square" rtlCol="0">
+            <a:spAutoFit/>
+          </a:bodyPr>
+          <a:lstStyle/>
+          <a:p>
+            <a:r>
+              <a:rPr lang="ko-KR" altLang="en-US" sz="1200" dirty="0"/>
+              <a:t>조작 패널 </a:t>
+            </a:r>
+            <a:r>
+              <a:rPr lang="en-US" altLang="ko-KR" sz="1200" dirty="0"/>
+              <a:t>UI</a:t>
+            </a:r>
+            <a:endParaRPr lang="ko-KR" altLang="en-US" sz="1200" dirty="0"/>
+          </a:p>
+        </p:txBody>
+      </p:sp>
+      <p:sp>
+        <p:nvSpPr>
+          <p:cNvPr id="79" name="TextBox 78">
+            <a:extLst>
+              <a:ext uri="{FF2B5EF4-FFF2-40B4-BE49-F238E27FC236}">
+                <a16:creationId xmlns:a16="http://schemas.microsoft.com/office/drawing/2014/main" id="{F0F7D145-E760-49DC-955C-56793605A924}"/>
+              </a:ext>
+            </a:extLst>
+          </p:cNvPr>
+          <p:cNvSpPr txBox="1"/>
+          <p:nvPr/>
+        </p:nvSpPr>
+        <p:spPr>
+          <a:xfrm>
+            <a:off x="10104073" y="5606925"/>
+            <a:ext cx="971030" cy="276999"/>
+          </a:xfrm>
+          <a:prstGeom prst="rect">
+            <a:avLst/>
+          </a:prstGeom>
+          <a:noFill/>
+        </p:spPr>
+        <p:txBody>
+          <a:bodyPr wrap="square" rtlCol="0">
+            <a:spAutoFit/>
+          </a:bodyPr>
+          <a:lstStyle/>
+          <a:p>
+            <a:r>
+              <a:rPr lang="ko-KR" altLang="en-US" sz="1200" dirty="0"/>
+              <a:t>적 관련 </a:t>
+            </a:r>
+            <a:r>
+              <a:rPr lang="en-US" altLang="ko-KR" sz="1200" dirty="0"/>
+              <a:t>UI</a:t>
+            </a:r>
+            <a:endParaRPr lang="ko-KR" altLang="en-US" sz="1200" dirty="0"/>
+          </a:p>
+        </p:txBody>
+      </p:sp>
+      <p:cxnSp>
+        <p:nvCxnSpPr>
+          <p:cNvPr id="81" name="연결선: 꺾임 80">
+            <a:extLst>
+              <a:ext uri="{FF2B5EF4-FFF2-40B4-BE49-F238E27FC236}">
+                <a16:creationId xmlns:a16="http://schemas.microsoft.com/office/drawing/2014/main" id="{D213794A-43E3-4F4D-A7F1-8A6EF4CA253F}"/>
+              </a:ext>
+            </a:extLst>
+          </p:cNvPr>
+          <p:cNvCxnSpPr>
+            <a:cxnSpLocks/>
+            <a:stCxn id="74" idx="1"/>
+            <a:endCxn id="77" idx="1"/>
+          </p:cNvCxnSpPr>
+          <p:nvPr/>
+        </p:nvCxnSpPr>
+        <p:spPr>
+          <a:xfrm rot="10800000" flipV="1">
+            <a:off x="2719847" y="3498048"/>
+            <a:ext cx="738930" cy="2291889"/>
+          </a:xfrm>
+          <a:prstGeom prst="bentConnector3">
+            <a:avLst>
+              <a:gd name="adj1" fmla="val 130937"/>
+            </a:avLst>
+          </a:prstGeom>
+          <a:ln w="28575">
+            <a:solidFill>
+              <a:srgbClr val="FF0000"/>
+            </a:solidFill>
+          </a:ln>
+        </p:spPr>
+        <p:style>
+          <a:lnRef idx="1">
+            <a:schemeClr val="accent4"/>
+          </a:lnRef>
+          <a:fillRef idx="0">
+            <a:schemeClr val="accent4"/>
+          </a:fillRef>
+          <a:effectRef idx="0">
+            <a:schemeClr val="accent4"/>
+          </a:effectRef>
+          <a:fontRef idx="minor">
+            <a:schemeClr val="tx1"/>
+          </a:fontRef>
+        </p:style>
+      </p:cxnSp>
+      <p:cxnSp>
+        <p:nvCxnSpPr>
+          <p:cNvPr id="88" name="연결선: 꺾임 87">
+            <a:extLst>
+              <a:ext uri="{FF2B5EF4-FFF2-40B4-BE49-F238E27FC236}">
+                <a16:creationId xmlns:a16="http://schemas.microsoft.com/office/drawing/2014/main" id="{E858F866-658E-4171-AEE4-DA53CD4784C9}"/>
+              </a:ext>
+            </a:extLst>
+          </p:cNvPr>
+          <p:cNvCxnSpPr>
+            <a:cxnSpLocks/>
+            <a:stCxn id="76" idx="1"/>
+            <a:endCxn id="78" idx="1"/>
+          </p:cNvCxnSpPr>
+          <p:nvPr/>
+        </p:nvCxnSpPr>
+        <p:spPr>
+          <a:xfrm rot="10800000" flipH="1" flipV="1">
+            <a:off x="3511549" y="4433195"/>
+            <a:ext cx="2104015" cy="932756"/>
+          </a:xfrm>
+          <a:prstGeom prst="bentConnector3">
+            <a:avLst>
+              <a:gd name="adj1" fmla="val -10865"/>
+            </a:avLst>
+          </a:prstGeom>
+          <a:ln w="28575">
+            <a:solidFill>
+              <a:srgbClr val="FF0000"/>
+            </a:solidFill>
+          </a:ln>
+        </p:spPr>
+        <p:style>
+          <a:lnRef idx="1">
+            <a:schemeClr val="accent4"/>
+          </a:lnRef>
+          <a:fillRef idx="0">
+            <a:schemeClr val="accent4"/>
+          </a:fillRef>
+          <a:effectRef idx="0">
+            <a:schemeClr val="accent4"/>
+          </a:effectRef>
+          <a:fontRef idx="minor">
+            <a:schemeClr val="tx1"/>
+          </a:fontRef>
+        </p:style>
+      </p:cxnSp>
+      <p:cxnSp>
+        <p:nvCxnSpPr>
+          <p:cNvPr id="92" name="연결선: 꺾임 91">
+            <a:extLst>
+              <a:ext uri="{FF2B5EF4-FFF2-40B4-BE49-F238E27FC236}">
+                <a16:creationId xmlns:a16="http://schemas.microsoft.com/office/drawing/2014/main" id="{4E9A9FD1-DF25-482C-8CF4-C169AB833666}"/>
+              </a:ext>
+            </a:extLst>
+          </p:cNvPr>
+          <p:cNvCxnSpPr>
+            <a:cxnSpLocks/>
+            <a:stCxn id="75" idx="3"/>
+            <a:endCxn id="79" idx="1"/>
+          </p:cNvCxnSpPr>
+          <p:nvPr/>
+        </p:nvCxnSpPr>
+        <p:spPr>
+          <a:xfrm>
+            <a:off x="8210550" y="2859874"/>
+            <a:ext cx="1893523" cy="2885551"/>
+          </a:xfrm>
+          <a:prstGeom prst="bentConnector3">
+            <a:avLst>
+              <a:gd name="adj1" fmla="val 50000"/>
+            </a:avLst>
+          </a:prstGeom>
+          <a:ln w="28575">
+            <a:solidFill>
+              <a:srgbClr val="FF0000"/>
+            </a:solidFill>
+          </a:ln>
+        </p:spPr>
+        <p:style>
+          <a:lnRef idx="1">
+            <a:schemeClr val="accent4"/>
+          </a:lnRef>
+          <a:fillRef idx="0">
+            <a:schemeClr val="accent4"/>
+          </a:fillRef>
+          <a:effectRef idx="0">
+            <a:schemeClr val="accent4"/>
+          </a:effectRef>
+          <a:fontRef idx="minor">
+            <a:schemeClr val="tx1"/>
+          </a:fontRef>
+        </p:style>
+      </p:cxnSp>
     </p:spTree>
     <p:extLst>
       <p:ext uri="{BB962C8B-B14F-4D97-AF65-F5344CB8AC3E}">
-        <p14:creationId xmlns:p14="http://schemas.microsoft.com/office/powerpoint/2010/main" val="3917389903"/>
+        <p14:creationId xmlns:p14="http://schemas.microsoft.com/office/powerpoint/2010/main" val="4042588162"/>
       </p:ext>
     </p:extLst>
   </p:cSld>
@@ -7038,7 +8905,15 @@
             </a:r>
             <a:r>
               <a:rPr lang="ko-KR" altLang="en-US" sz="2400" dirty="0"/>
-              <a:t>합 진행 차트</a:t>
+              <a:t>수감자 관련 </a:t>
+            </a:r>
+            <a:r>
+              <a:rPr lang="en-US" altLang="ko-KR" sz="2400" dirty="0"/>
+              <a:t>UI </a:t>
+            </a:r>
+            <a:r>
+              <a:rPr lang="ko-KR" altLang="en-US" sz="2400" dirty="0"/>
+              <a:t>상세 설명</a:t>
             </a:r>
             <a:endParaRPr lang="en-US" altLang="ko-KR" sz="2400" dirty="0"/>
           </a:p>
@@ -7046,10 +8921,10 @@
       </p:sp>
       <p:pic>
         <p:nvPicPr>
-          <p:cNvPr id="8" name="그림 7">
+          <p:cNvPr id="3" name="그림 2">
             <a:extLst>
               <a:ext uri="{FF2B5EF4-FFF2-40B4-BE49-F238E27FC236}">
-                <a16:creationId xmlns:a16="http://schemas.microsoft.com/office/drawing/2014/main" id="{0D260828-11D7-404F-9F7A-0E734AD59A32}"/>
+                <a16:creationId xmlns:a16="http://schemas.microsoft.com/office/drawing/2014/main" id="{1B74C412-026B-46CE-BBE2-36B977D76901}"/>
               </a:ext>
             </a:extLst>
           </p:cNvPr>
@@ -7058,26 +8933,494 @@
           </p:cNvPicPr>
           <p:nvPr/>
         </p:nvPicPr>
-        <p:blipFill>
-          <a:blip r:embed="rId2"/>
-          <a:stretch>
-            <a:fillRect/>
-          </a:stretch>
+        <p:blipFill rotWithShape="1">
+          <a:blip r:embed="rId2" cstate="print">
+            <a:extLst>
+              <a:ext uri="{28A0092B-C50C-407E-A947-70E740481C1C}">
+                <a14:useLocalDpi xmlns:a14="http://schemas.microsoft.com/office/drawing/2010/main" val="0"/>
+              </a:ext>
+            </a:extLst>
+          </a:blip>
+          <a:srcRect l="36466" t="-2" r="44294" b="38016"/>
+          <a:stretch/>
         </p:blipFill>
         <p:spPr>
           <a:xfrm>
-            <a:off x="2409632" y="1268413"/>
-            <a:ext cx="7372735" cy="4968875"/>
+            <a:off x="2621048" y="2076678"/>
+            <a:ext cx="2008033" cy="2985765"/>
           </a:xfrm>
           <a:prstGeom prst="rect">
             <a:avLst/>
           </a:prstGeom>
         </p:spPr>
       </p:pic>
+      <p:sp>
+        <p:nvSpPr>
+          <p:cNvPr id="20" name="TextBox 19">
+            <a:extLst>
+              <a:ext uri="{FF2B5EF4-FFF2-40B4-BE49-F238E27FC236}">
+                <a16:creationId xmlns:a16="http://schemas.microsoft.com/office/drawing/2014/main" id="{00663570-5EA4-4CC7-B7DE-BD0747A8C8E6}"/>
+              </a:ext>
+            </a:extLst>
+          </p:cNvPr>
+          <p:cNvSpPr txBox="1"/>
+          <p:nvPr/>
+        </p:nvSpPr>
+        <p:spPr>
+          <a:xfrm>
+            <a:off x="5221806" y="2091070"/>
+            <a:ext cx="4349147" cy="1281885"/>
+          </a:xfrm>
+          <a:prstGeom prst="rect">
+            <a:avLst/>
+          </a:prstGeom>
+          <a:noFill/>
+        </p:spPr>
+        <p:txBody>
+          <a:bodyPr wrap="square" rtlCol="0">
+            <a:spAutoFit/>
+          </a:bodyPr>
+          <a:lstStyle/>
+          <a:p>
+            <a:r>
+              <a:rPr lang="ko-KR" altLang="en-US" sz="1400" b="1" dirty="0"/>
+              <a:t>속도</a:t>
+            </a:r>
+            <a:endParaRPr lang="en-US" altLang="ko-KR" sz="1400" b="1" dirty="0"/>
+          </a:p>
+          <a:p>
+            <a:r>
+              <a:rPr lang="ko-KR" altLang="en-US" sz="1400" dirty="0"/>
+              <a:t>현재 캐릭터의 속도</a:t>
+            </a:r>
+            <a:r>
+              <a:rPr lang="en-US" altLang="ko-KR" sz="1400" dirty="0"/>
+              <a:t>.</a:t>
+            </a:r>
+          </a:p>
+          <a:p>
+            <a:r>
+              <a:rPr lang="ko-KR" altLang="en-US" sz="1400" dirty="0"/>
+              <a:t>전투에서 모든 캐릭터는 속도가</a:t>
+            </a:r>
+            <a:endParaRPr lang="en-US" altLang="ko-KR" sz="1400" dirty="0"/>
+          </a:p>
+          <a:p>
+            <a:r>
+              <a:rPr lang="ko-KR" altLang="en-US" sz="1400" dirty="0"/>
+              <a:t>높은 순서로 행동</a:t>
+            </a:r>
+            <a:r>
+              <a:rPr lang="en-US" altLang="ko-KR" sz="1400" dirty="0"/>
+              <a:t>(</a:t>
+            </a:r>
+            <a:r>
+              <a:rPr lang="ko-KR" altLang="en-US" sz="1400" dirty="0"/>
+              <a:t>스킬 사용</a:t>
+            </a:r>
+            <a:r>
+              <a:rPr lang="en-US" altLang="ko-KR" sz="1400" dirty="0"/>
+              <a:t>)</a:t>
+            </a:r>
+            <a:r>
+              <a:rPr lang="ko-KR" altLang="en-US" sz="1400" dirty="0"/>
+              <a:t>하게 된다</a:t>
+            </a:r>
+            <a:r>
+              <a:rPr lang="en-US" altLang="ko-KR" sz="1400" dirty="0"/>
+              <a:t>.</a:t>
+            </a:r>
+            <a:endParaRPr lang="ko-KR" altLang="en-US" sz="1400" dirty="0"/>
+          </a:p>
+        </p:txBody>
+      </p:sp>
+      <p:cxnSp>
+        <p:nvCxnSpPr>
+          <p:cNvPr id="21" name="연결선: 꺾임 20">
+            <a:extLst>
+              <a:ext uri="{FF2B5EF4-FFF2-40B4-BE49-F238E27FC236}">
+                <a16:creationId xmlns:a16="http://schemas.microsoft.com/office/drawing/2014/main" id="{086C3D86-B742-45E5-A54B-D5550ABE7B71}"/>
+              </a:ext>
+            </a:extLst>
+          </p:cNvPr>
+          <p:cNvCxnSpPr>
+            <a:cxnSpLocks/>
+            <a:stCxn id="19" idx="0"/>
+            <a:endCxn id="20" idx="1"/>
+          </p:cNvCxnSpPr>
+          <p:nvPr/>
+        </p:nvCxnSpPr>
+        <p:spPr>
+          <a:xfrm rot="16200000" flipH="1">
+            <a:off x="4208541" y="1718748"/>
+            <a:ext cx="113511" cy="1913019"/>
+          </a:xfrm>
+          <a:prstGeom prst="bentConnector4">
+            <a:avLst>
+              <a:gd name="adj1" fmla="val -270577"/>
+              <a:gd name="adj2" fmla="val 52866"/>
+            </a:avLst>
+          </a:prstGeom>
+          <a:ln w="28575">
+            <a:solidFill>
+              <a:srgbClr val="FF0000"/>
+            </a:solidFill>
+          </a:ln>
+        </p:spPr>
+        <p:style>
+          <a:lnRef idx="1">
+            <a:schemeClr val="accent4"/>
+          </a:lnRef>
+          <a:fillRef idx="0">
+            <a:schemeClr val="accent4"/>
+          </a:fillRef>
+          <a:effectRef idx="0">
+            <a:schemeClr val="accent4"/>
+          </a:effectRef>
+          <a:fontRef idx="minor">
+            <a:schemeClr val="tx1"/>
+          </a:fontRef>
+        </p:style>
+      </p:cxnSp>
+      <p:sp>
+        <p:nvSpPr>
+          <p:cNvPr id="26" name="TextBox 25">
+            <a:extLst>
+              <a:ext uri="{FF2B5EF4-FFF2-40B4-BE49-F238E27FC236}">
+                <a16:creationId xmlns:a16="http://schemas.microsoft.com/office/drawing/2014/main" id="{325FF703-EE7B-4C41-BA94-EAA7AAA56C86}"/>
+              </a:ext>
+            </a:extLst>
+          </p:cNvPr>
+          <p:cNvSpPr txBox="1"/>
+          <p:nvPr/>
+        </p:nvSpPr>
+        <p:spPr>
+          <a:xfrm>
+            <a:off x="5221806" y="3410726"/>
+            <a:ext cx="4349147" cy="954107"/>
+          </a:xfrm>
+          <a:prstGeom prst="rect">
+            <a:avLst/>
+          </a:prstGeom>
+          <a:noFill/>
+        </p:spPr>
+        <p:txBody>
+          <a:bodyPr wrap="square" rtlCol="0">
+            <a:spAutoFit/>
+          </a:bodyPr>
+          <a:lstStyle/>
+          <a:p>
+            <a:r>
+              <a:rPr lang="ko-KR" altLang="en-US" sz="1400" b="1" dirty="0"/>
+              <a:t>행동 설정 스킬</a:t>
+            </a:r>
+            <a:endParaRPr lang="en-US" altLang="ko-KR" sz="1400" b="1" dirty="0"/>
+          </a:p>
+          <a:p>
+            <a:r>
+              <a:rPr lang="ko-KR" altLang="en-US" sz="1400" dirty="0"/>
+              <a:t>이번 턴에 사용할 스킬의 아이콘</a:t>
+            </a:r>
+            <a:r>
+              <a:rPr lang="en-US" altLang="ko-KR" sz="1400" dirty="0"/>
+              <a:t>.</a:t>
+            </a:r>
+          </a:p>
+          <a:p>
+            <a:r>
+              <a:rPr lang="ko-KR" altLang="en-US" sz="1400" dirty="0"/>
+              <a:t>사용할 스킬이 미 지정 상태일 경우 빈칸으로 비어 있고</a:t>
+            </a:r>
+            <a:r>
+              <a:rPr lang="en-US" altLang="ko-KR" sz="1400" dirty="0"/>
+              <a:t>, </a:t>
+            </a:r>
+          </a:p>
+        </p:txBody>
+      </p:sp>
+      <p:cxnSp>
+        <p:nvCxnSpPr>
+          <p:cNvPr id="41" name="연결선: 꺾임 40">
+            <a:extLst>
+              <a:ext uri="{FF2B5EF4-FFF2-40B4-BE49-F238E27FC236}">
+                <a16:creationId xmlns:a16="http://schemas.microsoft.com/office/drawing/2014/main" id="{7E9881B8-7B61-4929-B2B0-25520E351CC5}"/>
+              </a:ext>
+            </a:extLst>
+          </p:cNvPr>
+          <p:cNvCxnSpPr>
+            <a:cxnSpLocks/>
+            <a:stCxn id="11" idx="5"/>
+            <a:endCxn id="26" idx="1"/>
+          </p:cNvCxnSpPr>
+          <p:nvPr/>
+        </p:nvCxnSpPr>
+        <p:spPr>
+          <a:xfrm rot="16200000" flipH="1">
+            <a:off x="4063142" y="2729116"/>
+            <a:ext cx="933780" cy="1383548"/>
+          </a:xfrm>
+          <a:prstGeom prst="bentConnector2">
+            <a:avLst/>
+          </a:prstGeom>
+          <a:ln w="28575">
+            <a:solidFill>
+              <a:srgbClr val="FF0000"/>
+            </a:solidFill>
+          </a:ln>
+        </p:spPr>
+        <p:style>
+          <a:lnRef idx="1">
+            <a:schemeClr val="accent4"/>
+          </a:lnRef>
+          <a:fillRef idx="0">
+            <a:schemeClr val="accent4"/>
+          </a:fillRef>
+          <a:effectRef idx="0">
+            <a:schemeClr val="accent4"/>
+          </a:effectRef>
+          <a:fontRef idx="minor">
+            <a:schemeClr val="tx1"/>
+          </a:fontRef>
+        </p:style>
+      </p:cxnSp>
+      <p:sp>
+        <p:nvSpPr>
+          <p:cNvPr id="19" name="직사각형 18">
+            <a:extLst>
+              <a:ext uri="{FF2B5EF4-FFF2-40B4-BE49-F238E27FC236}">
+                <a16:creationId xmlns:a16="http://schemas.microsoft.com/office/drawing/2014/main" id="{4FD649E3-10DB-4518-A2A9-A46AD7310C76}"/>
+              </a:ext>
+            </a:extLst>
+          </p:cNvPr>
+          <p:cNvSpPr/>
+          <p:nvPr/>
+        </p:nvSpPr>
+        <p:spPr>
+          <a:xfrm>
+            <a:off x="3199123" y="2618503"/>
+            <a:ext cx="219327" cy="390310"/>
+          </a:xfrm>
+          <a:prstGeom prst="rect">
+            <a:avLst/>
+          </a:prstGeom>
+          <a:noFill/>
+          <a:ln w="28575">
+            <a:solidFill>
+              <a:srgbClr val="FF0000"/>
+            </a:solidFill>
+          </a:ln>
+        </p:spPr>
+        <p:style>
+          <a:lnRef idx="2">
+            <a:schemeClr val="accent1">
+              <a:shade val="50000"/>
+            </a:schemeClr>
+          </a:lnRef>
+          <a:fillRef idx="1">
+            <a:schemeClr val="accent1"/>
+          </a:fillRef>
+          <a:effectRef idx="0">
+            <a:schemeClr val="accent1"/>
+          </a:effectRef>
+          <a:fontRef idx="minor">
+            <a:schemeClr val="lt1"/>
+          </a:fontRef>
+        </p:style>
+        <p:txBody>
+          <a:bodyPr rtlCol="0" anchor="ctr"/>
+          <a:lstStyle/>
+          <a:p>
+            <a:pPr algn="ctr"/>
+            <a:endParaRPr lang="ko-KR" altLang="en-US"/>
+          </a:p>
+        </p:txBody>
+      </p:sp>
+      <p:sp>
+        <p:nvSpPr>
+          <p:cNvPr id="11" name="타원 10">
+            <a:extLst>
+              <a:ext uri="{FF2B5EF4-FFF2-40B4-BE49-F238E27FC236}">
+                <a16:creationId xmlns:a16="http://schemas.microsoft.com/office/drawing/2014/main" id="{D02D3C0A-46E7-4C69-AE85-B6022145238C}"/>
+              </a:ext>
+            </a:extLst>
+          </p:cNvPr>
+          <p:cNvSpPr>
+            <a:spLocks noChangeAspect="1"/>
+          </p:cNvSpPr>
+          <p:nvPr/>
+        </p:nvSpPr>
+        <p:spPr>
+          <a:xfrm>
+            <a:off x="3468973" y="2584715"/>
+            <a:ext cx="432644" cy="432644"/>
+          </a:xfrm>
+          <a:prstGeom prst="ellipse">
+            <a:avLst/>
+          </a:prstGeom>
+          <a:noFill/>
+          <a:ln w="28575">
+            <a:solidFill>
+              <a:srgbClr val="FF0000"/>
+            </a:solidFill>
+          </a:ln>
+        </p:spPr>
+        <p:style>
+          <a:lnRef idx="2">
+            <a:schemeClr val="accent1">
+              <a:shade val="50000"/>
+            </a:schemeClr>
+          </a:lnRef>
+          <a:fillRef idx="1">
+            <a:schemeClr val="accent1"/>
+          </a:fillRef>
+          <a:effectRef idx="0">
+            <a:schemeClr val="accent1"/>
+          </a:effectRef>
+          <a:fontRef idx="minor">
+            <a:schemeClr val="lt1"/>
+          </a:fontRef>
+        </p:style>
+        <p:txBody>
+          <a:bodyPr rtlCol="0" anchor="ctr"/>
+          <a:lstStyle/>
+          <a:p>
+            <a:pPr algn="ctr"/>
+            <a:endParaRPr lang="ko-KR" altLang="en-US"/>
+          </a:p>
+        </p:txBody>
+      </p:sp>
+      <p:sp>
+        <p:nvSpPr>
+          <p:cNvPr id="35" name="TextBox 34">
+            <a:extLst>
+              <a:ext uri="{FF2B5EF4-FFF2-40B4-BE49-F238E27FC236}">
+                <a16:creationId xmlns:a16="http://schemas.microsoft.com/office/drawing/2014/main" id="{4359ED2F-2045-478C-9AC7-90E792F43E77}"/>
+              </a:ext>
+            </a:extLst>
+          </p:cNvPr>
+          <p:cNvSpPr txBox="1"/>
+          <p:nvPr/>
+        </p:nvSpPr>
+        <p:spPr>
+          <a:xfrm>
+            <a:off x="2621047" y="5066307"/>
+            <a:ext cx="2008036" cy="332894"/>
+          </a:xfrm>
+          <a:prstGeom prst="rect">
+            <a:avLst/>
+          </a:prstGeom>
+          <a:noFill/>
+        </p:spPr>
+        <p:txBody>
+          <a:bodyPr wrap="square" rtlCol="0">
+            <a:spAutoFit/>
+          </a:bodyPr>
+          <a:lstStyle/>
+          <a:p>
+            <a:pPr algn="ctr"/>
+            <a:r>
+              <a:rPr lang="ko-KR" altLang="en-US" sz="1200" dirty="0"/>
+              <a:t>행동 미 지정 상태</a:t>
+            </a:r>
+          </a:p>
+        </p:txBody>
+      </p:sp>
+      <p:grpSp>
+        <p:nvGrpSpPr>
+          <p:cNvPr id="28" name="그룹 27">
+            <a:extLst>
+              <a:ext uri="{FF2B5EF4-FFF2-40B4-BE49-F238E27FC236}">
+                <a16:creationId xmlns:a16="http://schemas.microsoft.com/office/drawing/2014/main" id="{EB9AA5C9-EE02-4B14-B59C-BA3C926CFDC2}"/>
+              </a:ext>
+            </a:extLst>
+          </p:cNvPr>
+          <p:cNvGrpSpPr/>
+          <p:nvPr/>
+        </p:nvGrpSpPr>
+        <p:grpSpPr>
+          <a:xfrm>
+            <a:off x="4856324" y="4399189"/>
+            <a:ext cx="1343241" cy="1029832"/>
+            <a:chOff x="2473139" y="3274058"/>
+            <a:chExt cx="999774" cy="766504"/>
+          </a:xfrm>
+        </p:grpSpPr>
+        <p:pic>
+          <p:nvPicPr>
+            <p:cNvPr id="6" name="그림 5">
+              <a:extLst>
+                <a:ext uri="{FF2B5EF4-FFF2-40B4-BE49-F238E27FC236}">
+                  <a16:creationId xmlns:a16="http://schemas.microsoft.com/office/drawing/2014/main" id="{291B47D8-683B-427E-B316-15EB42210B69}"/>
+                </a:ext>
+              </a:extLst>
+            </p:cNvPr>
+            <p:cNvPicPr>
+              <a:picLocks noChangeAspect="1"/>
+            </p:cNvPicPr>
+            <p:nvPr/>
+          </p:nvPicPr>
+          <p:blipFill rotWithShape="1">
+            <a:blip r:embed="rId3" cstate="print">
+              <a:extLst>
+                <a:ext uri="{28A0092B-C50C-407E-A947-70E740481C1C}">
+                  <a14:useLocalDpi xmlns:a14="http://schemas.microsoft.com/office/drawing/2010/main" val="0"/>
+                </a:ext>
+              </a:extLst>
+            </a:blip>
+            <a:srcRect l="41573" t="8408" r="47972" b="70707"/>
+            <a:stretch/>
+          </p:blipFill>
+          <p:spPr>
+            <a:xfrm>
+              <a:off x="2707554" y="3274058"/>
+              <a:ext cx="530942" cy="489505"/>
+            </a:xfrm>
+            <a:prstGeom prst="rect">
+              <a:avLst/>
+            </a:prstGeom>
+          </p:spPr>
+        </p:pic>
+        <p:sp>
+          <p:nvSpPr>
+            <p:cNvPr id="46" name="TextBox 45">
+              <a:extLst>
+                <a:ext uri="{FF2B5EF4-FFF2-40B4-BE49-F238E27FC236}">
+                  <a16:creationId xmlns:a16="http://schemas.microsoft.com/office/drawing/2014/main" id="{D64FF16D-5698-463A-847F-17BE90F814B7}"/>
+                </a:ext>
+              </a:extLst>
+            </p:cNvPr>
+            <p:cNvSpPr txBox="1"/>
+            <p:nvPr/>
+          </p:nvSpPr>
+          <p:spPr>
+            <a:xfrm>
+              <a:off x="2473139" y="3763563"/>
+              <a:ext cx="999774" cy="276999"/>
+            </a:xfrm>
+            <a:prstGeom prst="rect">
+              <a:avLst/>
+            </a:prstGeom>
+            <a:noFill/>
+          </p:spPr>
+          <p:txBody>
+            <a:bodyPr wrap="square" rtlCol="0">
+              <a:spAutoFit/>
+            </a:bodyPr>
+            <a:lstStyle/>
+            <a:p>
+              <a:pPr algn="ctr"/>
+              <a:r>
+                <a:rPr lang="ko-KR" altLang="en-US" sz="1200" dirty="0"/>
+                <a:t>행동 지정</a:t>
+              </a:r>
+            </a:p>
+          </p:txBody>
+        </p:sp>
+      </p:grpSp>
     </p:spTree>
     <p:extLst>
       <p:ext uri="{BB962C8B-B14F-4D97-AF65-F5344CB8AC3E}">
-        <p14:creationId xmlns:p14="http://schemas.microsoft.com/office/powerpoint/2010/main" val="726982272"/>
+        <p14:creationId xmlns:p14="http://schemas.microsoft.com/office/powerpoint/2010/main" val="1201616275"/>
       </p:ext>
     </p:extLst>
   </p:cSld>
@@ -7176,1048 +9519,2163 @@
             </a:r>
             <a:r>
               <a:rPr lang="ko-KR" altLang="en-US" sz="2400" dirty="0"/>
-              <a:t>장점 및 단점</a:t>
+              <a:t>적 관련 </a:t>
+            </a:r>
+            <a:r>
+              <a:rPr lang="en-US" altLang="ko-KR" sz="2400" dirty="0"/>
+              <a:t>UI </a:t>
+            </a:r>
+            <a:r>
+              <a:rPr lang="ko-KR" altLang="en-US" sz="2400" dirty="0"/>
+              <a:t>상세 설명</a:t>
             </a:r>
             <a:endParaRPr lang="en-US" altLang="ko-KR" sz="2400" dirty="0"/>
           </a:p>
         </p:txBody>
       </p:sp>
-      <p:graphicFrame>
-        <p:nvGraphicFramePr>
-          <p:cNvPr id="5" name="표 2">
+      <p:pic>
+        <p:nvPicPr>
+          <p:cNvPr id="39" name="그림 38">
             <a:extLst>
               <a:ext uri="{FF2B5EF4-FFF2-40B4-BE49-F238E27FC236}">
-                <a16:creationId xmlns:a16="http://schemas.microsoft.com/office/drawing/2014/main" id="{B389DBEA-4751-40B9-9099-1A06F48BE576}"/>
+                <a16:creationId xmlns:a16="http://schemas.microsoft.com/office/drawing/2014/main" id="{E6846553-1693-451C-B9CA-AD0575B342C8}"/>
               </a:ext>
             </a:extLst>
           </p:cNvPr>
-          <p:cNvGraphicFramePr>
-            <a:graphicFrameLocks noGrp="1"/>
-          </p:cNvGraphicFramePr>
-          <p:nvPr>
-            <p:extLst>
-              <p:ext uri="{D42A27DB-BD31-4B8C-83A1-F6EECF244321}">
-                <p14:modId xmlns:p14="http://schemas.microsoft.com/office/powerpoint/2010/main" val="3266459388"/>
-              </p:ext>
-            </p:extLst>
-          </p:nvPr>
-        </p:nvGraphicFramePr>
-        <p:xfrm>
-          <a:off x="1480978" y="1268413"/>
-          <a:ext cx="9230043" cy="4846320"/>
-        </p:xfrm>
-        <a:graphic>
-          <a:graphicData uri="http://schemas.openxmlformats.org/drawingml/2006/table">
-            <a:tbl>
-              <a:tblPr firstRow="1" bandRow="1">
-                <a:tableStyleId>{5C22544A-7EE6-4342-B048-85BDC9FD1C3A}</a:tableStyleId>
-              </a:tblPr>
-              <a:tblGrid>
-                <a:gridCol w="9230043">
-                  <a:extLst>
-                    <a:ext uri="{9D8B030D-6E8A-4147-A177-3AD203B41FA5}">
-                      <a16:colId xmlns:a16="http://schemas.microsoft.com/office/drawing/2014/main" val="1841855998"/>
-                    </a:ext>
-                  </a:extLst>
-                </a:gridCol>
-              </a:tblGrid>
-              <a:tr h="0">
-                <a:tc>
-                  <a:txBody>
-                    <a:bodyPr/>
-                    <a:lstStyle/>
-                    <a:p>
-                      <a:pPr latinLnBrk="1"/>
-                      <a:r>
-                        <a:rPr lang="ko-KR" altLang="en-US" sz="1200" b="1" dirty="0">
-                          <a:solidFill>
-                            <a:schemeClr val="tx1"/>
-                          </a:solidFill>
-                        </a:rPr>
-                        <a:t>장점</a:t>
-                      </a:r>
-                    </a:p>
-                  </a:txBody>
-                  <a:tcPr>
-                    <a:lnL w="12700" cmpd="sng">
-                      <a:noFill/>
-                    </a:lnL>
-                    <a:lnR w="12700" cmpd="sng">
-                      <a:noFill/>
-                    </a:lnR>
-                    <a:lnT w="12700" cmpd="sng">
-                      <a:noFill/>
-                    </a:lnT>
-                    <a:lnB w="12700" cap="flat" cmpd="sng" algn="ctr">
-                      <a:solidFill>
-                        <a:schemeClr val="tx1"/>
-                      </a:solidFill>
-                      <a:prstDash val="solid"/>
-                      <a:round/>
-                      <a:headEnd type="none" w="med" len="med"/>
-                      <a:tailEnd type="none" w="med" len="med"/>
-                    </a:lnB>
-                    <a:lnTlToBr w="12700" cmpd="sng">
-                      <a:noFill/>
-                      <a:prstDash val="solid"/>
-                    </a:lnTlToBr>
-                    <a:lnBlToTr w="12700" cmpd="sng">
-                      <a:noFill/>
-                      <a:prstDash val="solid"/>
-                    </a:lnBlToTr>
-                    <a:noFill/>
-                  </a:tcPr>
-                </a:tc>
-                <a:extLst>
-                  <a:ext uri="{0D108BD9-81ED-4DB2-BD59-A6C34878D82A}">
-                    <a16:rowId xmlns:a16="http://schemas.microsoft.com/office/drawing/2014/main" val="1491086624"/>
-                  </a:ext>
-                </a:extLst>
-              </a:tr>
-              <a:tr h="0">
-                <a:tc>
-                  <a:txBody>
-                    <a:bodyPr/>
-                    <a:lstStyle/>
-                    <a:p>
-                      <a:pPr latinLnBrk="1"/>
-                      <a:r>
-                        <a:rPr lang="ko-KR" altLang="en-US" sz="1200" b="0" dirty="0">
-                          <a:solidFill>
-                            <a:schemeClr val="tx1"/>
-                          </a:solidFill>
-                        </a:rPr>
-                        <a:t>단조로운 턴제 전투의 개선</a:t>
-                      </a:r>
-                    </a:p>
-                  </a:txBody>
-                  <a:tcPr>
-                    <a:lnL w="12700" cmpd="sng">
-                      <a:noFill/>
-                    </a:lnL>
-                    <a:lnR w="12700" cmpd="sng">
-                      <a:noFill/>
-                    </a:lnR>
-                    <a:lnT w="12700" cap="flat" cmpd="sng" algn="ctr">
-                      <a:solidFill>
-                        <a:schemeClr val="tx1"/>
-                      </a:solidFill>
-                      <a:prstDash val="solid"/>
-                      <a:round/>
-                      <a:headEnd type="none" w="med" len="med"/>
-                      <a:tailEnd type="none" w="med" len="med"/>
-                    </a:lnT>
-                    <a:lnB w="12700" cap="flat" cmpd="sng" algn="ctr">
-                      <a:solidFill>
-                        <a:schemeClr val="tx1"/>
-                      </a:solidFill>
-                      <a:prstDash val="solid"/>
-                      <a:round/>
-                      <a:headEnd type="none" w="med" len="med"/>
-                      <a:tailEnd type="none" w="med" len="med"/>
-                    </a:lnB>
-                    <a:lnTlToBr w="12700" cmpd="sng">
-                      <a:noFill/>
-                      <a:prstDash val="solid"/>
-                    </a:lnTlToBr>
-                    <a:lnBlToTr w="12700" cmpd="sng">
-                      <a:noFill/>
-                      <a:prstDash val="solid"/>
-                    </a:lnBlToTr>
-                    <a:noFill/>
-                  </a:tcPr>
-                </a:tc>
-                <a:extLst>
-                  <a:ext uri="{0D108BD9-81ED-4DB2-BD59-A6C34878D82A}">
-                    <a16:rowId xmlns:a16="http://schemas.microsoft.com/office/drawing/2014/main" val="3815555112"/>
-                  </a:ext>
-                </a:extLst>
-              </a:tr>
-              <a:tr h="0">
-                <a:tc>
-                  <a:txBody>
-                    <a:bodyPr/>
-                    <a:lstStyle/>
-                    <a:p>
-                      <a:pPr latinLnBrk="1"/>
-                      <a:r>
-                        <a:rPr lang="ko-KR" altLang="en-US" sz="1200" b="0" dirty="0">
-                          <a:solidFill>
-                            <a:schemeClr val="tx1"/>
-                          </a:solidFill>
-                        </a:rPr>
-                        <a:t>자신과 상대의 턴이 반복되는 턴제 게임의 특징상 서로의 행동에 적극적으로 대응할 수 없기 때문에 전투가 단조로워진다</a:t>
-                      </a:r>
-                      <a:r>
-                        <a:rPr lang="en-US" altLang="ko-KR" sz="1200" b="0" dirty="0">
-                          <a:solidFill>
-                            <a:schemeClr val="tx1"/>
-                          </a:solidFill>
-                        </a:rPr>
-                        <a:t>.</a:t>
-                      </a:r>
-                    </a:p>
-                    <a:p>
-                      <a:pPr latinLnBrk="1"/>
-                      <a:r>
-                        <a:rPr lang="ko-KR" altLang="en-US" sz="1200" b="0" dirty="0">
-                          <a:solidFill>
-                            <a:schemeClr val="tx1"/>
-                          </a:solidFill>
-                        </a:rPr>
-                        <a:t>하지만 </a:t>
-                      </a:r>
-                      <a:r>
-                        <a:rPr lang="en-US" altLang="ko-KR" sz="1200" b="0" dirty="0">
-                          <a:solidFill>
-                            <a:schemeClr val="tx1"/>
-                          </a:solidFill>
-                        </a:rPr>
-                        <a:t>Limbus Company</a:t>
-                      </a:r>
-                      <a:r>
-                        <a:rPr lang="ko-KR" altLang="en-US" sz="1200" b="0" dirty="0">
-                          <a:solidFill>
-                            <a:schemeClr val="tx1"/>
-                          </a:solidFill>
-                        </a:rPr>
-                        <a:t>의 합 시스템은 턴제 전투를 실시간 전투가 같이 상대의 행동에 대응 및 반응하는 능동적인 전투가 될 수 있게 한다</a:t>
-                      </a:r>
-                      <a:r>
-                        <a:rPr lang="en-US" altLang="ko-KR" sz="1200" b="0" dirty="0">
-                          <a:solidFill>
-                            <a:schemeClr val="tx1"/>
-                          </a:solidFill>
-                        </a:rPr>
-                        <a:t>.</a:t>
-                      </a:r>
-                      <a:endParaRPr lang="ko-KR" altLang="en-US" sz="1200" b="0" dirty="0">
-                        <a:solidFill>
-                          <a:schemeClr val="tx1"/>
-                        </a:solidFill>
-                      </a:endParaRPr>
-                    </a:p>
-                  </a:txBody>
-                  <a:tcPr>
-                    <a:lnL w="12700" cmpd="sng">
-                      <a:noFill/>
-                    </a:lnL>
-                    <a:lnR w="12700" cmpd="sng">
-                      <a:noFill/>
-                    </a:lnR>
-                    <a:lnT w="12700" cap="flat" cmpd="sng" algn="ctr">
-                      <a:solidFill>
-                        <a:schemeClr val="tx1"/>
-                      </a:solidFill>
-                      <a:prstDash val="solid"/>
-                      <a:round/>
-                      <a:headEnd type="none" w="med" len="med"/>
-                      <a:tailEnd type="none" w="med" len="med"/>
-                    </a:lnT>
-                    <a:lnB w="12700" cap="flat" cmpd="sng" algn="ctr">
-                      <a:solidFill>
-                        <a:schemeClr val="tx1"/>
-                      </a:solidFill>
-                      <a:prstDash val="solid"/>
-                      <a:round/>
-                      <a:headEnd type="none" w="med" len="med"/>
-                      <a:tailEnd type="none" w="med" len="med"/>
-                    </a:lnB>
-                    <a:lnTlToBr w="12700" cmpd="sng">
-                      <a:noFill/>
-                      <a:prstDash val="solid"/>
-                    </a:lnTlToBr>
-                    <a:lnBlToTr w="12700" cmpd="sng">
-                      <a:noFill/>
-                      <a:prstDash val="solid"/>
-                    </a:lnBlToTr>
-                    <a:noFill/>
-                  </a:tcPr>
-                </a:tc>
-                <a:extLst>
-                  <a:ext uri="{0D108BD9-81ED-4DB2-BD59-A6C34878D82A}">
-                    <a16:rowId xmlns:a16="http://schemas.microsoft.com/office/drawing/2014/main" val="1743730106"/>
-                  </a:ext>
-                </a:extLst>
-              </a:tr>
-              <a:tr h="0">
-                <a:tc>
-                  <a:txBody>
-                    <a:bodyPr/>
-                    <a:lstStyle/>
-                    <a:p>
-                      <a:pPr latinLnBrk="1"/>
-                      <a:r>
-                        <a:rPr lang="ko-KR" altLang="en-US" sz="1200" b="0" dirty="0">
-                          <a:solidFill>
-                            <a:schemeClr val="tx1"/>
-                          </a:solidFill>
-                        </a:rPr>
-                        <a:t>전략의 다양성 증가</a:t>
-                      </a:r>
-                    </a:p>
-                  </a:txBody>
-                  <a:tcPr>
-                    <a:lnL w="12700" cmpd="sng">
-                      <a:noFill/>
-                    </a:lnL>
-                    <a:lnR w="12700" cmpd="sng">
-                      <a:noFill/>
-                    </a:lnR>
-                    <a:lnT w="12700" cap="flat" cmpd="sng" algn="ctr">
-                      <a:solidFill>
-                        <a:schemeClr val="tx1"/>
-                      </a:solidFill>
-                      <a:prstDash val="solid"/>
-                      <a:round/>
-                      <a:headEnd type="none" w="med" len="med"/>
-                      <a:tailEnd type="none" w="med" len="med"/>
-                    </a:lnT>
-                    <a:lnB w="12700" cap="flat" cmpd="sng" algn="ctr">
-                      <a:solidFill>
-                        <a:schemeClr val="tx1"/>
-                      </a:solidFill>
-                      <a:prstDash val="solid"/>
-                      <a:round/>
-                      <a:headEnd type="none" w="med" len="med"/>
-                      <a:tailEnd type="none" w="med" len="med"/>
-                    </a:lnB>
-                    <a:lnTlToBr w="12700" cmpd="sng">
-                      <a:noFill/>
-                      <a:prstDash val="solid"/>
-                    </a:lnTlToBr>
-                    <a:lnBlToTr w="12700" cmpd="sng">
-                      <a:noFill/>
-                      <a:prstDash val="solid"/>
-                    </a:lnBlToTr>
-                    <a:noFill/>
-                  </a:tcPr>
-                </a:tc>
-                <a:extLst>
-                  <a:ext uri="{0D108BD9-81ED-4DB2-BD59-A6C34878D82A}">
-                    <a16:rowId xmlns:a16="http://schemas.microsoft.com/office/drawing/2014/main" val="3226441806"/>
-                  </a:ext>
-                </a:extLst>
-              </a:tr>
-              <a:tr h="0">
-                <a:tc>
-                  <a:txBody>
-                    <a:bodyPr/>
-                    <a:lstStyle/>
-                    <a:p>
-                      <a:pPr latinLnBrk="1"/>
-                      <a:r>
-                        <a:rPr lang="ko-KR" altLang="en-US" sz="1200" b="0" dirty="0">
-                          <a:solidFill>
-                            <a:schemeClr val="tx1"/>
-                          </a:solidFill>
-                        </a:rPr>
-                        <a:t>합 시스템은 단순하게 설명하면</a:t>
-                      </a:r>
-                      <a:r>
-                        <a:rPr lang="en-US" altLang="ko-KR" sz="1200" b="0" dirty="0">
-                          <a:solidFill>
-                            <a:schemeClr val="tx1"/>
-                          </a:solidFill>
-                        </a:rPr>
-                        <a:t>,</a:t>
-                      </a:r>
-                      <a:r>
-                        <a:rPr lang="ko-KR" altLang="en-US" sz="1200" b="0" dirty="0">
-                          <a:solidFill>
-                            <a:schemeClr val="tx1"/>
-                          </a:solidFill>
-                        </a:rPr>
-                        <a:t> 적의 공격</a:t>
-                      </a:r>
-                      <a:r>
-                        <a:rPr lang="en-US" altLang="ko-KR" sz="1200" b="0" dirty="0">
-                          <a:solidFill>
-                            <a:schemeClr val="tx1"/>
-                          </a:solidFill>
-                        </a:rPr>
-                        <a:t> </a:t>
-                      </a:r>
-                      <a:r>
-                        <a:rPr lang="ko-KR" altLang="en-US" sz="1200" b="0" dirty="0">
-                          <a:solidFill>
-                            <a:schemeClr val="tx1"/>
-                          </a:solidFill>
-                        </a:rPr>
-                        <a:t>대상을 변경하고</a:t>
-                      </a:r>
-                      <a:r>
-                        <a:rPr lang="en-US" altLang="ko-KR" sz="1200" b="0" dirty="0">
-                          <a:solidFill>
-                            <a:schemeClr val="tx1"/>
-                          </a:solidFill>
-                        </a:rPr>
-                        <a:t>, </a:t>
-                      </a:r>
-                      <a:r>
-                        <a:rPr lang="ko-KR" altLang="en-US" sz="1200" b="0" dirty="0">
-                          <a:solidFill>
-                            <a:schemeClr val="tx1"/>
-                          </a:solidFill>
-                        </a:rPr>
-                        <a:t>행동을 저지하는 시스템이다</a:t>
-                      </a:r>
-                      <a:r>
-                        <a:rPr lang="en-US" altLang="ko-KR" sz="1200" b="0" dirty="0">
-                          <a:solidFill>
-                            <a:schemeClr val="tx1"/>
-                          </a:solidFill>
-                        </a:rPr>
-                        <a:t>.</a:t>
-                      </a:r>
-                    </a:p>
-                    <a:p>
-                      <a:pPr latinLnBrk="1"/>
-                      <a:r>
-                        <a:rPr lang="ko-KR" altLang="en-US" sz="1200" b="0" dirty="0">
-                          <a:solidFill>
-                            <a:schemeClr val="tx1"/>
-                          </a:solidFill>
-                        </a:rPr>
-                        <a:t>하지만 해당 시스템과 다른 시스템</a:t>
-                      </a:r>
-                      <a:r>
-                        <a:rPr lang="en-US" altLang="ko-KR" sz="1200" b="0" dirty="0">
-                          <a:solidFill>
-                            <a:schemeClr val="tx1"/>
-                          </a:solidFill>
-                        </a:rPr>
-                        <a:t>(</a:t>
-                      </a:r>
-                      <a:r>
-                        <a:rPr lang="ko-KR" altLang="en-US" sz="1200" b="0" dirty="0">
-                          <a:solidFill>
-                            <a:schemeClr val="tx1"/>
-                          </a:solidFill>
-                        </a:rPr>
-                        <a:t>속도 시스템</a:t>
-                      </a:r>
-                      <a:r>
-                        <a:rPr lang="en-US" altLang="ko-KR" sz="1200" b="0" dirty="0">
-                          <a:solidFill>
-                            <a:schemeClr val="tx1"/>
-                          </a:solidFill>
-                        </a:rPr>
-                        <a:t>, </a:t>
-                      </a:r>
-                      <a:r>
-                        <a:rPr lang="ko-KR" altLang="en-US" sz="1200" b="0" dirty="0">
-                          <a:solidFill>
-                            <a:schemeClr val="tx1"/>
-                          </a:solidFill>
-                        </a:rPr>
-                        <a:t>흐트러짐 시스템 등</a:t>
-                      </a:r>
-                      <a:r>
-                        <a:rPr lang="en-US" altLang="ko-KR" sz="1200" b="0" dirty="0">
-                          <a:solidFill>
-                            <a:schemeClr val="tx1"/>
-                          </a:solidFill>
-                        </a:rPr>
-                        <a:t>)</a:t>
-                      </a:r>
-                      <a:r>
-                        <a:rPr lang="ko-KR" altLang="en-US" sz="1200" b="0" dirty="0">
-                          <a:solidFill>
-                            <a:schemeClr val="tx1"/>
-                          </a:solidFill>
-                        </a:rPr>
-                        <a:t>을 활용할 경우 전략의 숫자가 다양해 진다</a:t>
-                      </a:r>
-                      <a:r>
-                        <a:rPr lang="en-US" altLang="ko-KR" sz="1200" b="0" dirty="0">
-                          <a:solidFill>
-                            <a:schemeClr val="tx1"/>
-                          </a:solidFill>
-                        </a:rPr>
-                        <a:t>.</a:t>
-                      </a:r>
-                    </a:p>
-                    <a:p>
-                      <a:pPr latinLnBrk="1"/>
-                      <a:endParaRPr lang="en-US" altLang="ko-KR" sz="1200" b="0" dirty="0">
-                        <a:solidFill>
-                          <a:schemeClr val="tx1"/>
-                        </a:solidFill>
-                      </a:endParaRPr>
-                    </a:p>
-                    <a:p>
-                      <a:pPr latinLnBrk="1"/>
-                      <a:r>
-                        <a:rPr lang="en-US" altLang="ko-KR" sz="1200" b="0" dirty="0">
-                          <a:solidFill>
-                            <a:schemeClr val="tx1"/>
-                          </a:solidFill>
-                        </a:rPr>
-                        <a:t>Ex) </a:t>
-                      </a:r>
-                      <a:r>
-                        <a:rPr lang="ko-KR" altLang="en-US" sz="1200" b="0" dirty="0">
-                          <a:solidFill>
-                            <a:schemeClr val="tx1"/>
-                          </a:solidFill>
-                        </a:rPr>
-                        <a:t>중요도가 높은 수감자에게 향하는 공격 대상을 중요도가 낮거나 방어에 특화된 수감자에게 변경하기</a:t>
-                      </a:r>
-                      <a:r>
-                        <a:rPr lang="en-US" altLang="ko-KR" sz="1200" b="0" dirty="0">
-                          <a:solidFill>
-                            <a:schemeClr val="tx1"/>
-                          </a:solidFill>
-                        </a:rPr>
-                        <a:t>,</a:t>
-                      </a:r>
-                    </a:p>
-                    <a:p>
-                      <a:pPr latinLnBrk="1"/>
-                      <a:r>
-                        <a:rPr lang="ko-KR" altLang="en-US" sz="1200" b="0" dirty="0">
-                          <a:solidFill>
-                            <a:schemeClr val="tx1"/>
-                          </a:solidFill>
-                        </a:rPr>
-                        <a:t>속도가 높을 순서대로 행동하는 속도 시스템과 합 시스템을 활용하여 제일 느리게 합을 할 수 있는 수감자로 합을 하고 먼저 움직일 수 있는 수감자로 일반적인 공격하기 등</a:t>
-                      </a:r>
-                    </a:p>
-                  </a:txBody>
-                  <a:tcPr>
-                    <a:lnL w="12700" cmpd="sng">
-                      <a:noFill/>
-                    </a:lnL>
-                    <a:lnR w="12700" cmpd="sng">
-                      <a:noFill/>
-                    </a:lnR>
-                    <a:lnT w="12700" cap="flat" cmpd="sng" algn="ctr">
-                      <a:solidFill>
-                        <a:schemeClr val="tx1"/>
-                      </a:solidFill>
-                      <a:prstDash val="solid"/>
-                      <a:round/>
-                      <a:headEnd type="none" w="med" len="med"/>
-                      <a:tailEnd type="none" w="med" len="med"/>
-                    </a:lnT>
-                    <a:lnB w="12700" cap="flat" cmpd="sng" algn="ctr">
-                      <a:solidFill>
-                        <a:schemeClr val="tx1"/>
-                      </a:solidFill>
-                      <a:prstDash val="solid"/>
-                      <a:round/>
-                      <a:headEnd type="none" w="med" len="med"/>
-                      <a:tailEnd type="none" w="med" len="med"/>
-                    </a:lnB>
-                    <a:lnTlToBr w="12700" cmpd="sng">
-                      <a:noFill/>
-                      <a:prstDash val="solid"/>
-                    </a:lnTlToBr>
-                    <a:lnBlToTr w="12700" cmpd="sng">
-                      <a:noFill/>
-                      <a:prstDash val="solid"/>
-                    </a:lnBlToTr>
-                    <a:noFill/>
-                  </a:tcPr>
-                </a:tc>
-                <a:extLst>
-                  <a:ext uri="{0D108BD9-81ED-4DB2-BD59-A6C34878D82A}">
-                    <a16:rowId xmlns:a16="http://schemas.microsoft.com/office/drawing/2014/main" val="3095563913"/>
-                  </a:ext>
-                </a:extLst>
-              </a:tr>
-              <a:tr h="0">
-                <a:tc>
-                  <a:txBody>
-                    <a:bodyPr/>
-                    <a:lstStyle/>
-                    <a:p>
-                      <a:pPr latinLnBrk="1"/>
-                      <a:endParaRPr lang="ko-KR" altLang="en-US" sz="1200" b="0" dirty="0">
-                        <a:solidFill>
-                          <a:schemeClr val="tx1"/>
-                        </a:solidFill>
-                      </a:endParaRPr>
-                    </a:p>
-                  </a:txBody>
-                  <a:tcPr>
-                    <a:lnL w="12700" cmpd="sng">
-                      <a:noFill/>
-                    </a:lnL>
-                    <a:lnR w="12700" cmpd="sng">
-                      <a:noFill/>
-                    </a:lnR>
-                    <a:lnT w="12700" cap="flat" cmpd="sng" algn="ctr">
-                      <a:solidFill>
-                        <a:schemeClr val="tx1"/>
-                      </a:solidFill>
-                      <a:prstDash val="solid"/>
-                      <a:round/>
-                      <a:headEnd type="none" w="med" len="med"/>
-                      <a:tailEnd type="none" w="med" len="med"/>
-                    </a:lnT>
-                    <a:lnB w="12700" cap="flat" cmpd="sng" algn="ctr">
-                      <a:solidFill>
-                        <a:schemeClr val="tx1"/>
-                      </a:solidFill>
-                      <a:prstDash val="solid"/>
-                      <a:round/>
-                      <a:headEnd type="none" w="med" len="med"/>
-                      <a:tailEnd type="none" w="med" len="med"/>
-                    </a:lnB>
-                    <a:lnTlToBr w="12700" cmpd="sng">
-                      <a:noFill/>
-                      <a:prstDash val="solid"/>
-                    </a:lnTlToBr>
-                    <a:lnBlToTr w="12700" cmpd="sng">
-                      <a:noFill/>
-                      <a:prstDash val="solid"/>
-                    </a:lnBlToTr>
-                    <a:noFill/>
-                  </a:tcPr>
-                </a:tc>
-                <a:extLst>
-                  <a:ext uri="{0D108BD9-81ED-4DB2-BD59-A6C34878D82A}">
-                    <a16:rowId xmlns:a16="http://schemas.microsoft.com/office/drawing/2014/main" val="921816153"/>
-                  </a:ext>
-                </a:extLst>
-              </a:tr>
-              <a:tr h="0">
-                <a:tc>
-                  <a:txBody>
-                    <a:bodyPr/>
-                    <a:lstStyle/>
-                    <a:p>
-                      <a:pPr latinLnBrk="1"/>
-                      <a:r>
-                        <a:rPr lang="ko-KR" altLang="en-US" sz="1200" b="1" dirty="0">
-                          <a:solidFill>
-                            <a:schemeClr val="tx1"/>
-                          </a:solidFill>
-                        </a:rPr>
-                        <a:t>단점</a:t>
-                      </a:r>
-                    </a:p>
-                  </a:txBody>
-                  <a:tcPr>
-                    <a:lnL w="12700" cmpd="sng">
-                      <a:noFill/>
-                    </a:lnL>
-                    <a:lnR w="12700" cmpd="sng">
-                      <a:noFill/>
-                    </a:lnR>
-                    <a:lnT w="12700" cap="flat" cmpd="sng" algn="ctr">
-                      <a:solidFill>
-                        <a:schemeClr val="tx1"/>
-                      </a:solidFill>
-                      <a:prstDash val="solid"/>
-                      <a:round/>
-                      <a:headEnd type="none" w="med" len="med"/>
-                      <a:tailEnd type="none" w="med" len="med"/>
-                    </a:lnT>
-                    <a:lnB w="12700" cap="flat" cmpd="sng" algn="ctr">
-                      <a:solidFill>
-                        <a:schemeClr val="tx1"/>
-                      </a:solidFill>
-                      <a:prstDash val="solid"/>
-                      <a:round/>
-                      <a:headEnd type="none" w="med" len="med"/>
-                      <a:tailEnd type="none" w="med" len="med"/>
-                    </a:lnB>
-                    <a:lnTlToBr w="12700" cmpd="sng">
-                      <a:noFill/>
-                      <a:prstDash val="solid"/>
-                    </a:lnTlToBr>
-                    <a:lnBlToTr w="12700" cmpd="sng">
-                      <a:noFill/>
-                      <a:prstDash val="solid"/>
-                    </a:lnBlToTr>
-                    <a:noFill/>
-                  </a:tcPr>
-                </a:tc>
-                <a:extLst>
-                  <a:ext uri="{0D108BD9-81ED-4DB2-BD59-A6C34878D82A}">
-                    <a16:rowId xmlns:a16="http://schemas.microsoft.com/office/drawing/2014/main" val="2669734450"/>
-                  </a:ext>
-                </a:extLst>
-              </a:tr>
-              <a:tr h="0">
-                <a:tc>
-                  <a:txBody>
-                    <a:bodyPr/>
-                    <a:lstStyle/>
-                    <a:p>
-                      <a:pPr latinLnBrk="1"/>
-                      <a:r>
-                        <a:rPr lang="ko-KR" altLang="en-US" sz="1200" b="0" dirty="0">
-                          <a:solidFill>
-                            <a:schemeClr val="tx1"/>
-                          </a:solidFill>
-                        </a:rPr>
-                        <a:t>복잡하고</a:t>
-                      </a:r>
-                      <a:r>
-                        <a:rPr lang="en-US" altLang="ko-KR" sz="1200" b="0" dirty="0">
-                          <a:solidFill>
-                            <a:schemeClr val="tx1"/>
-                          </a:solidFill>
-                        </a:rPr>
-                        <a:t> </a:t>
-                      </a:r>
-                      <a:r>
-                        <a:rPr lang="ko-KR" altLang="en-US" sz="1200" b="0" dirty="0">
-                          <a:solidFill>
-                            <a:schemeClr val="tx1"/>
-                          </a:solidFill>
-                        </a:rPr>
-                        <a:t>이해하기 시스템</a:t>
-                      </a:r>
-                    </a:p>
-                  </a:txBody>
-                  <a:tcPr>
-                    <a:lnL w="12700" cmpd="sng">
-                      <a:noFill/>
-                    </a:lnL>
-                    <a:lnR w="12700" cmpd="sng">
-                      <a:noFill/>
-                    </a:lnR>
-                    <a:lnT w="12700" cap="flat" cmpd="sng" algn="ctr">
-                      <a:solidFill>
-                        <a:schemeClr val="tx1"/>
-                      </a:solidFill>
-                      <a:prstDash val="solid"/>
-                      <a:round/>
-                      <a:headEnd type="none" w="med" len="med"/>
-                      <a:tailEnd type="none" w="med" len="med"/>
-                    </a:lnT>
-                    <a:lnB w="12700" cap="flat" cmpd="sng" algn="ctr">
-                      <a:solidFill>
-                        <a:schemeClr val="tx1"/>
-                      </a:solidFill>
-                      <a:prstDash val="solid"/>
-                      <a:round/>
-                      <a:headEnd type="none" w="med" len="med"/>
-                      <a:tailEnd type="none" w="med" len="med"/>
-                    </a:lnB>
-                    <a:lnTlToBr w="12700" cmpd="sng">
-                      <a:noFill/>
-                      <a:prstDash val="solid"/>
-                    </a:lnTlToBr>
-                    <a:lnBlToTr w="12700" cmpd="sng">
-                      <a:noFill/>
-                      <a:prstDash val="solid"/>
-                    </a:lnBlToTr>
-                    <a:noFill/>
-                  </a:tcPr>
-                </a:tc>
-                <a:extLst>
-                  <a:ext uri="{0D108BD9-81ED-4DB2-BD59-A6C34878D82A}">
-                    <a16:rowId xmlns:a16="http://schemas.microsoft.com/office/drawing/2014/main" val="3099795093"/>
-                  </a:ext>
-                </a:extLst>
-              </a:tr>
-              <a:tr h="0">
-                <a:tc>
-                  <a:txBody>
-                    <a:bodyPr/>
-                    <a:lstStyle/>
-                    <a:p>
-                      <a:pPr latinLnBrk="1"/>
-                      <a:endParaRPr lang="ko-KR" altLang="en-US" sz="1200" b="0" dirty="0">
-                        <a:solidFill>
-                          <a:schemeClr val="tx1"/>
-                        </a:solidFill>
-                      </a:endParaRPr>
-                    </a:p>
-                  </a:txBody>
-                  <a:tcPr>
-                    <a:lnL w="12700" cmpd="sng">
-                      <a:noFill/>
-                    </a:lnL>
-                    <a:lnR w="12700" cmpd="sng">
-                      <a:noFill/>
-                    </a:lnR>
-                    <a:lnT w="12700" cap="flat" cmpd="sng" algn="ctr">
-                      <a:solidFill>
-                        <a:schemeClr val="tx1"/>
-                      </a:solidFill>
-                      <a:prstDash val="solid"/>
-                      <a:round/>
-                      <a:headEnd type="none" w="med" len="med"/>
-                      <a:tailEnd type="none" w="med" len="med"/>
-                    </a:lnT>
-                    <a:lnB w="12700" cap="flat" cmpd="sng" algn="ctr">
-                      <a:solidFill>
-                        <a:schemeClr val="tx1"/>
-                      </a:solidFill>
-                      <a:prstDash val="solid"/>
-                      <a:round/>
-                      <a:headEnd type="none" w="med" len="med"/>
-                      <a:tailEnd type="none" w="med" len="med"/>
-                    </a:lnB>
-                    <a:lnTlToBr w="12700" cmpd="sng">
-                      <a:noFill/>
-                      <a:prstDash val="solid"/>
-                    </a:lnTlToBr>
-                    <a:lnBlToTr w="12700" cmpd="sng">
-                      <a:noFill/>
-                      <a:prstDash val="solid"/>
-                    </a:lnBlToTr>
-                    <a:noFill/>
-                  </a:tcPr>
-                </a:tc>
-                <a:extLst>
-                  <a:ext uri="{0D108BD9-81ED-4DB2-BD59-A6C34878D82A}">
-                    <a16:rowId xmlns:a16="http://schemas.microsoft.com/office/drawing/2014/main" val="1560376863"/>
-                  </a:ext>
-                </a:extLst>
-              </a:tr>
-              <a:tr h="0">
-                <a:tc>
-                  <a:txBody>
-                    <a:bodyPr/>
-                    <a:lstStyle/>
-                    <a:p>
-                      <a:pPr latinLnBrk="1"/>
-                      <a:r>
-                        <a:rPr lang="ko-KR" altLang="en-US" sz="1200" b="0" dirty="0">
-                          <a:solidFill>
-                            <a:schemeClr val="tx1"/>
-                          </a:solidFill>
-                        </a:rPr>
-                        <a:t>파악하기 힘들고 난잡한 </a:t>
-                      </a:r>
-                      <a:r>
-                        <a:rPr lang="en-US" altLang="ko-KR" sz="1200" b="0" dirty="0">
-                          <a:solidFill>
-                            <a:schemeClr val="tx1"/>
-                          </a:solidFill>
-                        </a:rPr>
-                        <a:t>UI</a:t>
-                      </a:r>
-                      <a:endParaRPr lang="ko-KR" altLang="en-US" sz="1200" b="0" dirty="0">
-                        <a:solidFill>
-                          <a:schemeClr val="tx1"/>
-                        </a:solidFill>
-                      </a:endParaRPr>
-                    </a:p>
-                  </a:txBody>
-                  <a:tcPr>
-                    <a:lnL w="12700" cmpd="sng">
-                      <a:noFill/>
-                    </a:lnL>
-                    <a:lnR w="12700" cmpd="sng">
-                      <a:noFill/>
-                    </a:lnR>
-                    <a:lnT w="12700" cap="flat" cmpd="sng" algn="ctr">
-                      <a:solidFill>
-                        <a:schemeClr val="tx1"/>
-                      </a:solidFill>
-                      <a:prstDash val="solid"/>
-                      <a:round/>
-                      <a:headEnd type="none" w="med" len="med"/>
-                      <a:tailEnd type="none" w="med" len="med"/>
-                    </a:lnT>
-                    <a:lnB w="12700" cap="flat" cmpd="sng" algn="ctr">
-                      <a:solidFill>
-                        <a:schemeClr val="tx1"/>
-                      </a:solidFill>
-                      <a:prstDash val="solid"/>
-                      <a:round/>
-                      <a:headEnd type="none" w="med" len="med"/>
-                      <a:tailEnd type="none" w="med" len="med"/>
-                    </a:lnB>
-                    <a:lnTlToBr w="12700" cmpd="sng">
-                      <a:noFill/>
-                      <a:prstDash val="solid"/>
-                    </a:lnTlToBr>
-                    <a:lnBlToTr w="12700" cmpd="sng">
-                      <a:noFill/>
-                      <a:prstDash val="solid"/>
-                    </a:lnBlToTr>
-                    <a:noFill/>
-                  </a:tcPr>
-                </a:tc>
-                <a:extLst>
-                  <a:ext uri="{0D108BD9-81ED-4DB2-BD59-A6C34878D82A}">
-                    <a16:rowId xmlns:a16="http://schemas.microsoft.com/office/drawing/2014/main" val="3773028039"/>
-                  </a:ext>
-                </a:extLst>
-              </a:tr>
-              <a:tr h="0">
-                <a:tc>
-                  <a:txBody>
-                    <a:bodyPr/>
-                    <a:lstStyle/>
-                    <a:p>
-                      <a:pPr latinLnBrk="1"/>
-                      <a:endParaRPr lang="ko-KR" altLang="en-US" sz="1200" b="0" dirty="0">
-                        <a:solidFill>
-                          <a:schemeClr val="tx1"/>
-                        </a:solidFill>
-                      </a:endParaRPr>
-                    </a:p>
-                  </a:txBody>
-                  <a:tcPr>
-                    <a:lnL w="12700" cmpd="sng">
-                      <a:noFill/>
-                    </a:lnL>
-                    <a:lnR w="12700" cmpd="sng">
-                      <a:noFill/>
-                    </a:lnR>
-                    <a:lnT w="12700" cap="flat" cmpd="sng" algn="ctr">
-                      <a:solidFill>
-                        <a:schemeClr val="tx1"/>
-                      </a:solidFill>
-                      <a:prstDash val="solid"/>
-                      <a:round/>
-                      <a:headEnd type="none" w="med" len="med"/>
-                      <a:tailEnd type="none" w="med" len="med"/>
-                    </a:lnT>
-                    <a:lnB w="12700" cap="flat" cmpd="sng" algn="ctr">
-                      <a:solidFill>
-                        <a:schemeClr val="tx1"/>
-                      </a:solidFill>
-                      <a:prstDash val="solid"/>
-                      <a:round/>
-                      <a:headEnd type="none" w="med" len="med"/>
-                      <a:tailEnd type="none" w="med" len="med"/>
-                    </a:lnB>
-                    <a:lnTlToBr w="12700" cmpd="sng">
-                      <a:noFill/>
-                      <a:prstDash val="solid"/>
-                    </a:lnTlToBr>
-                    <a:lnBlToTr w="12700" cmpd="sng">
-                      <a:noFill/>
-                      <a:prstDash val="solid"/>
-                    </a:lnBlToTr>
-                    <a:noFill/>
-                  </a:tcPr>
-                </a:tc>
-                <a:extLst>
-                  <a:ext uri="{0D108BD9-81ED-4DB2-BD59-A6C34878D82A}">
-                    <a16:rowId xmlns:a16="http://schemas.microsoft.com/office/drawing/2014/main" val="1483372561"/>
-                  </a:ext>
-                </a:extLst>
-              </a:tr>
-              <a:tr h="0">
-                <a:tc>
-                  <a:txBody>
-                    <a:bodyPr/>
-                    <a:lstStyle/>
-                    <a:p>
-                      <a:pPr latinLnBrk="1"/>
-                      <a:r>
-                        <a:rPr lang="ko-KR" altLang="en-US" sz="1200" b="0" dirty="0">
-                          <a:solidFill>
-                            <a:schemeClr val="tx1"/>
-                          </a:solidFill>
-                        </a:rPr>
-                        <a:t>정확하지 않은 합 승률 표기 시스템</a:t>
-                      </a:r>
-                    </a:p>
-                  </a:txBody>
-                  <a:tcPr>
-                    <a:lnL w="12700" cmpd="sng">
-                      <a:noFill/>
-                    </a:lnL>
-                    <a:lnR w="12700" cmpd="sng">
-                      <a:noFill/>
-                    </a:lnR>
-                    <a:lnT w="12700" cap="flat" cmpd="sng" algn="ctr">
-                      <a:solidFill>
-                        <a:schemeClr val="tx1"/>
-                      </a:solidFill>
-                      <a:prstDash val="solid"/>
-                      <a:round/>
-                      <a:headEnd type="none" w="med" len="med"/>
-                      <a:tailEnd type="none" w="med" len="med"/>
-                    </a:lnT>
-                    <a:lnB w="12700" cap="flat" cmpd="sng" algn="ctr">
-                      <a:solidFill>
-                        <a:schemeClr val="tx1"/>
-                      </a:solidFill>
-                      <a:prstDash val="solid"/>
-                      <a:round/>
-                      <a:headEnd type="none" w="med" len="med"/>
-                      <a:tailEnd type="none" w="med" len="med"/>
-                    </a:lnB>
-                    <a:lnTlToBr w="12700" cmpd="sng">
-                      <a:noFill/>
-                      <a:prstDash val="solid"/>
-                    </a:lnTlToBr>
-                    <a:lnBlToTr w="12700" cmpd="sng">
-                      <a:noFill/>
-                      <a:prstDash val="solid"/>
-                    </a:lnBlToTr>
-                    <a:noFill/>
-                  </a:tcPr>
-                </a:tc>
-                <a:extLst>
-                  <a:ext uri="{0D108BD9-81ED-4DB2-BD59-A6C34878D82A}">
-                    <a16:rowId xmlns:a16="http://schemas.microsoft.com/office/drawing/2014/main" val="861907824"/>
-                  </a:ext>
-                </a:extLst>
-              </a:tr>
-              <a:tr h="0">
-                <a:tc>
-                  <a:txBody>
-                    <a:bodyPr/>
-                    <a:lstStyle/>
-                    <a:p>
-                      <a:pPr latinLnBrk="1"/>
-                      <a:endParaRPr lang="ko-KR" altLang="en-US" sz="1200" b="0" dirty="0">
-                        <a:solidFill>
-                          <a:schemeClr val="tx1"/>
-                        </a:solidFill>
-                      </a:endParaRPr>
-                    </a:p>
-                  </a:txBody>
-                  <a:tcPr>
-                    <a:lnL w="12700" cmpd="sng">
-                      <a:noFill/>
-                    </a:lnL>
-                    <a:lnR w="12700" cmpd="sng">
-                      <a:noFill/>
-                    </a:lnR>
-                    <a:lnT w="12700" cap="flat" cmpd="sng" algn="ctr">
-                      <a:solidFill>
-                        <a:schemeClr val="tx1"/>
-                      </a:solidFill>
-                      <a:prstDash val="solid"/>
-                      <a:round/>
-                      <a:headEnd type="none" w="med" len="med"/>
-                      <a:tailEnd type="none" w="med" len="med"/>
-                    </a:lnT>
-                    <a:lnB w="12700" cmpd="sng">
-                      <a:noFill/>
-                    </a:lnB>
-                    <a:lnTlToBr w="12700" cmpd="sng">
-                      <a:noFill/>
-                      <a:prstDash val="solid"/>
-                    </a:lnTlToBr>
-                    <a:lnBlToTr w="12700" cmpd="sng">
-                      <a:noFill/>
-                      <a:prstDash val="solid"/>
-                    </a:lnBlToTr>
-                    <a:noFill/>
-                  </a:tcPr>
-                </a:tc>
-                <a:extLst>
-                  <a:ext uri="{0D108BD9-81ED-4DB2-BD59-A6C34878D82A}">
-                    <a16:rowId xmlns:a16="http://schemas.microsoft.com/office/drawing/2014/main" val="167920401"/>
-                  </a:ext>
-                </a:extLst>
-              </a:tr>
-            </a:tbl>
-          </a:graphicData>
-        </a:graphic>
-      </p:graphicFrame>
+          <p:cNvPicPr>
+            <a:picLocks noChangeAspect="1"/>
+          </p:cNvPicPr>
+          <p:nvPr/>
+        </p:nvPicPr>
+        <p:blipFill rotWithShape="1">
+          <a:blip r:embed="rId2" cstate="print">
+            <a:extLst>
+              <a:ext uri="{28A0092B-C50C-407E-A947-70E740481C1C}">
+                <a14:useLocalDpi xmlns:a14="http://schemas.microsoft.com/office/drawing/2010/main" val="0"/>
+              </a:ext>
+            </a:extLst>
+          </a:blip>
+          <a:srcRect l="35385" t="657" r="36432" b="35525"/>
+          <a:stretch/>
+        </p:blipFill>
+        <p:spPr>
+          <a:xfrm>
+            <a:off x="1757079" y="2088353"/>
+            <a:ext cx="3426780" cy="3581654"/>
+          </a:xfrm>
+          <a:prstGeom prst="rect">
+            <a:avLst/>
+          </a:prstGeom>
+        </p:spPr>
+      </p:pic>
+      <p:sp>
+        <p:nvSpPr>
+          <p:cNvPr id="52" name="직사각형 51">
+            <a:extLst>
+              <a:ext uri="{FF2B5EF4-FFF2-40B4-BE49-F238E27FC236}">
+                <a16:creationId xmlns:a16="http://schemas.microsoft.com/office/drawing/2014/main" id="{8A8C4524-42D6-4576-A75C-CA50DD5F28EE}"/>
+              </a:ext>
+            </a:extLst>
+          </p:cNvPr>
+          <p:cNvSpPr/>
+          <p:nvPr/>
+        </p:nvSpPr>
+        <p:spPr>
+          <a:xfrm>
+            <a:off x="2601912" y="2173607"/>
+            <a:ext cx="226087" cy="212840"/>
+          </a:xfrm>
+          <a:prstGeom prst="rect">
+            <a:avLst/>
+          </a:prstGeom>
+          <a:noFill/>
+          <a:ln w="28575">
+            <a:solidFill>
+              <a:srgbClr val="FF0000"/>
+            </a:solidFill>
+          </a:ln>
+        </p:spPr>
+        <p:style>
+          <a:lnRef idx="2">
+            <a:schemeClr val="accent1">
+              <a:shade val="50000"/>
+            </a:schemeClr>
+          </a:lnRef>
+          <a:fillRef idx="1">
+            <a:schemeClr val="accent1"/>
+          </a:fillRef>
+          <a:effectRef idx="0">
+            <a:schemeClr val="accent1"/>
+          </a:effectRef>
+          <a:fontRef idx="minor">
+            <a:schemeClr val="lt1"/>
+          </a:fontRef>
+        </p:style>
+        <p:txBody>
+          <a:bodyPr rtlCol="0" anchor="ctr"/>
+          <a:lstStyle/>
+          <a:p>
+            <a:pPr algn="ctr"/>
+            <a:endParaRPr lang="ko-KR" altLang="en-US"/>
+          </a:p>
+        </p:txBody>
+      </p:sp>
+      <p:sp>
+        <p:nvSpPr>
+          <p:cNvPr id="53" name="직사각형 52">
+            <a:extLst>
+              <a:ext uri="{FF2B5EF4-FFF2-40B4-BE49-F238E27FC236}">
+                <a16:creationId xmlns:a16="http://schemas.microsoft.com/office/drawing/2014/main" id="{C001B073-03C4-420F-9E0F-429C3050AB16}"/>
+              </a:ext>
+            </a:extLst>
+          </p:cNvPr>
+          <p:cNvSpPr/>
+          <p:nvPr/>
+        </p:nvSpPr>
+        <p:spPr>
+          <a:xfrm>
+            <a:off x="2643105" y="2386447"/>
+            <a:ext cx="150567" cy="212840"/>
+          </a:xfrm>
+          <a:prstGeom prst="rect">
+            <a:avLst/>
+          </a:prstGeom>
+          <a:noFill/>
+          <a:ln w="28575">
+            <a:solidFill>
+              <a:srgbClr val="FF0000"/>
+            </a:solidFill>
+          </a:ln>
+        </p:spPr>
+        <p:style>
+          <a:lnRef idx="2">
+            <a:schemeClr val="accent1">
+              <a:shade val="50000"/>
+            </a:schemeClr>
+          </a:lnRef>
+          <a:fillRef idx="1">
+            <a:schemeClr val="accent1"/>
+          </a:fillRef>
+          <a:effectRef idx="0">
+            <a:schemeClr val="accent1"/>
+          </a:effectRef>
+          <a:fontRef idx="minor">
+            <a:schemeClr val="lt1"/>
+          </a:fontRef>
+        </p:style>
+        <p:txBody>
+          <a:bodyPr rtlCol="0" anchor="ctr"/>
+          <a:lstStyle/>
+          <a:p>
+            <a:pPr algn="ctr"/>
+            <a:endParaRPr lang="ko-KR" altLang="en-US"/>
+          </a:p>
+        </p:txBody>
+      </p:sp>
+      <p:sp>
+        <p:nvSpPr>
+          <p:cNvPr id="55" name="타원 54">
+            <a:extLst>
+              <a:ext uri="{FF2B5EF4-FFF2-40B4-BE49-F238E27FC236}">
+                <a16:creationId xmlns:a16="http://schemas.microsoft.com/office/drawing/2014/main" id="{D9CEF5F6-5544-498C-993B-A2F20BB992BA}"/>
+              </a:ext>
+            </a:extLst>
+          </p:cNvPr>
+          <p:cNvSpPr>
+            <a:spLocks noChangeAspect="1"/>
+          </p:cNvSpPr>
+          <p:nvPr/>
+        </p:nvSpPr>
+        <p:spPr>
+          <a:xfrm>
+            <a:off x="2541281" y="2638901"/>
+            <a:ext cx="372539" cy="372539"/>
+          </a:xfrm>
+          <a:prstGeom prst="ellipse">
+            <a:avLst/>
+          </a:prstGeom>
+          <a:noFill/>
+          <a:ln w="28575">
+            <a:solidFill>
+              <a:srgbClr val="FF0000"/>
+            </a:solidFill>
+          </a:ln>
+        </p:spPr>
+        <p:style>
+          <a:lnRef idx="2">
+            <a:schemeClr val="accent1">
+              <a:shade val="50000"/>
+            </a:schemeClr>
+          </a:lnRef>
+          <a:fillRef idx="1">
+            <a:schemeClr val="accent1"/>
+          </a:fillRef>
+          <a:effectRef idx="0">
+            <a:schemeClr val="accent1"/>
+          </a:effectRef>
+          <a:fontRef idx="minor">
+            <a:schemeClr val="lt1"/>
+          </a:fontRef>
+        </p:style>
+        <p:txBody>
+          <a:bodyPr rtlCol="0" anchor="ctr"/>
+          <a:lstStyle/>
+          <a:p>
+            <a:pPr algn="ctr"/>
+            <a:endParaRPr lang="ko-KR" altLang="en-US"/>
+          </a:p>
+        </p:txBody>
+      </p:sp>
+      <p:sp>
+        <p:nvSpPr>
+          <p:cNvPr id="57" name="TextBox 56">
+            <a:extLst>
+              <a:ext uri="{FF2B5EF4-FFF2-40B4-BE49-F238E27FC236}">
+                <a16:creationId xmlns:a16="http://schemas.microsoft.com/office/drawing/2014/main" id="{33881289-5693-445E-A47A-52079A9260CD}"/>
+              </a:ext>
+            </a:extLst>
+          </p:cNvPr>
+          <p:cNvSpPr txBox="1"/>
+          <p:nvPr/>
+        </p:nvSpPr>
+        <p:spPr>
+          <a:xfrm>
+            <a:off x="5711784" y="2088353"/>
+            <a:ext cx="4723137" cy="954107"/>
+          </a:xfrm>
+          <a:prstGeom prst="rect">
+            <a:avLst/>
+          </a:prstGeom>
+          <a:noFill/>
+        </p:spPr>
+        <p:txBody>
+          <a:bodyPr wrap="square" rtlCol="0">
+            <a:spAutoFit/>
+          </a:bodyPr>
+          <a:lstStyle/>
+          <a:p>
+            <a:r>
+              <a:rPr lang="ko-KR" altLang="en-US" sz="1400" b="1" dirty="0"/>
+              <a:t>부위</a:t>
+            </a:r>
+            <a:endParaRPr lang="en-US" altLang="ko-KR" sz="1400" b="1" dirty="0"/>
+          </a:p>
+          <a:p>
+            <a:r>
+              <a:rPr lang="ko-KR" altLang="en-US" sz="1400" dirty="0"/>
+              <a:t>스킬을 사용할 부위</a:t>
+            </a:r>
+            <a:r>
+              <a:rPr lang="en-US" altLang="ko-KR" sz="1400" dirty="0"/>
+              <a:t>.</a:t>
+            </a:r>
+          </a:p>
+          <a:p>
+            <a:r>
+              <a:rPr lang="ko-KR" altLang="en-US" sz="1400" dirty="0"/>
+              <a:t>다수의 부위를 가지고 있는 적의 경우 스킬을 사용할</a:t>
+            </a:r>
+            <a:endParaRPr lang="en-US" altLang="ko-KR" sz="1400" dirty="0"/>
+          </a:p>
+          <a:p>
+            <a:r>
+              <a:rPr lang="ko-KR" altLang="en-US" sz="1400" dirty="0"/>
+              <a:t>부위가 표기된다</a:t>
+            </a:r>
+            <a:r>
+              <a:rPr lang="en-US" altLang="ko-KR" sz="1400" dirty="0"/>
+              <a:t>.</a:t>
+            </a:r>
+            <a:endParaRPr lang="ko-KR" altLang="en-US" sz="1400" dirty="0"/>
+          </a:p>
+        </p:txBody>
+      </p:sp>
+      <p:sp>
+        <p:nvSpPr>
+          <p:cNvPr id="59" name="TextBox 58">
+            <a:extLst>
+              <a:ext uri="{FF2B5EF4-FFF2-40B4-BE49-F238E27FC236}">
+                <a16:creationId xmlns:a16="http://schemas.microsoft.com/office/drawing/2014/main" id="{8D183F9D-CDAC-4873-899E-85B798EA7FE5}"/>
+              </a:ext>
+            </a:extLst>
+          </p:cNvPr>
+          <p:cNvSpPr txBox="1"/>
+          <p:nvPr/>
+        </p:nvSpPr>
+        <p:spPr>
+          <a:xfrm>
+            <a:off x="5711784" y="3448411"/>
+            <a:ext cx="4723137" cy="1375475"/>
+          </a:xfrm>
+          <a:prstGeom prst="rect">
+            <a:avLst/>
+          </a:prstGeom>
+          <a:noFill/>
+        </p:spPr>
+        <p:txBody>
+          <a:bodyPr wrap="square" rtlCol="0">
+            <a:spAutoFit/>
+          </a:bodyPr>
+          <a:lstStyle/>
+          <a:p>
+            <a:r>
+              <a:rPr lang="ko-KR" altLang="en-US" sz="1400" b="1" dirty="0"/>
+              <a:t>속도</a:t>
+            </a:r>
+            <a:endParaRPr lang="en-US" altLang="ko-KR" sz="1400" b="1" dirty="0"/>
+          </a:p>
+          <a:p>
+            <a:r>
+              <a:rPr lang="ko-KR" altLang="en-US" sz="1400" dirty="0"/>
+              <a:t>스킬을 사용할 속도</a:t>
+            </a:r>
+            <a:r>
+              <a:rPr lang="en-US" altLang="ko-KR" sz="1400" dirty="0"/>
+              <a:t>.</a:t>
+            </a:r>
+          </a:p>
+          <a:p>
+            <a:r>
+              <a:rPr lang="ko-KR" altLang="en-US" sz="1400" dirty="0"/>
+              <a:t>수감자와 달리 부위별로 속도가 다르게 지정될 수 있다</a:t>
+            </a:r>
+            <a:r>
+              <a:rPr lang="en-US" altLang="ko-KR" sz="1400" dirty="0"/>
+              <a:t>.</a:t>
+            </a:r>
+          </a:p>
+        </p:txBody>
+      </p:sp>
+      <p:sp>
+        <p:nvSpPr>
+          <p:cNvPr id="61" name="TextBox 60">
+            <a:extLst>
+              <a:ext uri="{FF2B5EF4-FFF2-40B4-BE49-F238E27FC236}">
+                <a16:creationId xmlns:a16="http://schemas.microsoft.com/office/drawing/2014/main" id="{FFA35D02-0077-4721-B20C-7AFD916C812B}"/>
+              </a:ext>
+            </a:extLst>
+          </p:cNvPr>
+          <p:cNvSpPr txBox="1"/>
+          <p:nvPr/>
+        </p:nvSpPr>
+        <p:spPr>
+          <a:xfrm>
+            <a:off x="5711782" y="4883716"/>
+            <a:ext cx="4666677" cy="754293"/>
+          </a:xfrm>
+          <a:prstGeom prst="rect">
+            <a:avLst/>
+          </a:prstGeom>
+          <a:noFill/>
+        </p:spPr>
+        <p:txBody>
+          <a:bodyPr wrap="square" rtlCol="0">
+            <a:spAutoFit/>
+          </a:bodyPr>
+          <a:lstStyle/>
+          <a:p>
+            <a:r>
+              <a:rPr lang="ko-KR" altLang="en-US" sz="1400" b="1" dirty="0"/>
+              <a:t>행동 설정 스킬</a:t>
+            </a:r>
+            <a:endParaRPr lang="en-US" altLang="ko-KR" sz="1400" b="1" dirty="0"/>
+          </a:p>
+          <a:p>
+            <a:r>
+              <a:rPr lang="ko-KR" altLang="en-US" sz="1400" dirty="0"/>
+              <a:t>이번 턴에 사용할 스킬의 아이콘</a:t>
+            </a:r>
+            <a:r>
+              <a:rPr lang="en-US" altLang="ko-KR" sz="1400" dirty="0"/>
+              <a:t>.</a:t>
+            </a:r>
+          </a:p>
+        </p:txBody>
+      </p:sp>
+      <p:cxnSp>
+        <p:nvCxnSpPr>
+          <p:cNvPr id="22" name="연결선: 꺾임 21">
+            <a:extLst>
+              <a:ext uri="{FF2B5EF4-FFF2-40B4-BE49-F238E27FC236}">
+                <a16:creationId xmlns:a16="http://schemas.microsoft.com/office/drawing/2014/main" id="{D0EF50DE-898D-497A-BF05-46968C50ABC5}"/>
+              </a:ext>
+            </a:extLst>
+          </p:cNvPr>
+          <p:cNvCxnSpPr>
+            <a:cxnSpLocks/>
+            <a:stCxn id="52" idx="0"/>
+            <a:endCxn id="57" idx="1"/>
+          </p:cNvCxnSpPr>
+          <p:nvPr/>
+        </p:nvCxnSpPr>
+        <p:spPr>
+          <a:xfrm rot="16200000" flipH="1">
+            <a:off x="4017470" y="871093"/>
+            <a:ext cx="391800" cy="2996828"/>
+          </a:xfrm>
+          <a:prstGeom prst="bentConnector4">
+            <a:avLst>
+              <a:gd name="adj1" fmla="val -58346"/>
+              <a:gd name="adj2" fmla="val 93951"/>
+            </a:avLst>
+          </a:prstGeom>
+          <a:ln w="28575">
+            <a:solidFill>
+              <a:srgbClr val="FF0000"/>
+            </a:solidFill>
+          </a:ln>
+        </p:spPr>
+        <p:style>
+          <a:lnRef idx="1">
+            <a:schemeClr val="accent4"/>
+          </a:lnRef>
+          <a:fillRef idx="0">
+            <a:schemeClr val="accent4"/>
+          </a:fillRef>
+          <a:effectRef idx="0">
+            <a:schemeClr val="accent4"/>
+          </a:effectRef>
+          <a:fontRef idx="minor">
+            <a:schemeClr val="tx1"/>
+          </a:fontRef>
+        </p:style>
+      </p:cxnSp>
+      <p:cxnSp>
+        <p:nvCxnSpPr>
+          <p:cNvPr id="27" name="연결선: 꺾임 26">
+            <a:extLst>
+              <a:ext uri="{FF2B5EF4-FFF2-40B4-BE49-F238E27FC236}">
+                <a16:creationId xmlns:a16="http://schemas.microsoft.com/office/drawing/2014/main" id="{ACE5D6DF-0B8A-41FE-B133-6E77EC412BA0}"/>
+              </a:ext>
+            </a:extLst>
+          </p:cNvPr>
+          <p:cNvCxnSpPr>
+            <a:cxnSpLocks/>
+            <a:stCxn id="53" idx="3"/>
+            <a:endCxn id="59" idx="1"/>
+          </p:cNvCxnSpPr>
+          <p:nvPr/>
+        </p:nvCxnSpPr>
+        <p:spPr>
+          <a:xfrm>
+            <a:off x="2793672" y="2492867"/>
+            <a:ext cx="2918112" cy="1643282"/>
+          </a:xfrm>
+          <a:prstGeom prst="bentConnector3">
+            <a:avLst>
+              <a:gd name="adj1" fmla="val 85595"/>
+            </a:avLst>
+          </a:prstGeom>
+          <a:ln w="28575">
+            <a:solidFill>
+              <a:srgbClr val="FF0000"/>
+            </a:solidFill>
+          </a:ln>
+        </p:spPr>
+        <p:style>
+          <a:lnRef idx="1">
+            <a:schemeClr val="accent4"/>
+          </a:lnRef>
+          <a:fillRef idx="0">
+            <a:schemeClr val="accent4"/>
+          </a:fillRef>
+          <a:effectRef idx="0">
+            <a:schemeClr val="accent4"/>
+          </a:effectRef>
+          <a:fontRef idx="minor">
+            <a:schemeClr val="tx1"/>
+          </a:fontRef>
+        </p:style>
+      </p:cxnSp>
+      <p:cxnSp>
+        <p:nvCxnSpPr>
+          <p:cNvPr id="31" name="연결선: 꺾임 30">
+            <a:extLst>
+              <a:ext uri="{FF2B5EF4-FFF2-40B4-BE49-F238E27FC236}">
+                <a16:creationId xmlns:a16="http://schemas.microsoft.com/office/drawing/2014/main" id="{91835031-9AAB-4E47-A569-6F2D4AE21AC7}"/>
+              </a:ext>
+            </a:extLst>
+          </p:cNvPr>
+          <p:cNvCxnSpPr>
+            <a:cxnSpLocks/>
+            <a:stCxn id="55" idx="4"/>
+            <a:endCxn id="61" idx="1"/>
+          </p:cNvCxnSpPr>
+          <p:nvPr/>
+        </p:nvCxnSpPr>
+        <p:spPr>
+          <a:xfrm rot="16200000" flipH="1">
+            <a:off x="3094955" y="2644035"/>
+            <a:ext cx="2249423" cy="2984231"/>
+          </a:xfrm>
+          <a:prstGeom prst="bentConnector2">
+            <a:avLst/>
+          </a:prstGeom>
+          <a:ln w="28575">
+            <a:solidFill>
+              <a:srgbClr val="FF0000"/>
+            </a:solidFill>
+          </a:ln>
+        </p:spPr>
+        <p:style>
+          <a:lnRef idx="1">
+            <a:schemeClr val="accent4"/>
+          </a:lnRef>
+          <a:fillRef idx="0">
+            <a:schemeClr val="accent4"/>
+          </a:fillRef>
+          <a:effectRef idx="0">
+            <a:schemeClr val="accent4"/>
+          </a:effectRef>
+          <a:fontRef idx="minor">
+            <a:schemeClr val="tx1"/>
+          </a:fontRef>
+        </p:style>
+      </p:cxnSp>
     </p:spTree>
     <p:extLst>
       <p:ext uri="{BB962C8B-B14F-4D97-AF65-F5344CB8AC3E}">
-        <p14:creationId xmlns:p14="http://schemas.microsoft.com/office/powerpoint/2010/main" val="1028898450"/>
+        <p14:creationId xmlns:p14="http://schemas.microsoft.com/office/powerpoint/2010/main" val="2998828144"/>
+      </p:ext>
+    </p:extLst>
+  </p:cSld>
+  <p:clrMapOvr>
+    <a:masterClrMapping/>
+  </p:clrMapOvr>
+</p:sld>
+</file>
+
+<file path=ppt/slides/slide8.xml><?xml version="1.0" encoding="utf-8"?>
+<p:sld xmlns:a="http://schemas.openxmlformats.org/drawingml/2006/main" xmlns:r="http://schemas.openxmlformats.org/officeDocument/2006/relationships" xmlns:p="http://schemas.openxmlformats.org/presentationml/2006/main">
+  <p:cSld>
+    <p:spTree>
+      <p:nvGrpSpPr>
+        <p:cNvPr id="1" name="">
+          <a:extLst>
+            <a:ext uri="{FF2B5EF4-FFF2-40B4-BE49-F238E27FC236}">
+              <a16:creationId xmlns:a16="http://schemas.microsoft.com/office/drawing/2014/main" id="{D21DAEA7-79E3-502E-509C-DF5DDCA8B6BC}"/>
+            </a:ext>
+          </a:extLst>
+        </p:cNvPr>
+        <p:cNvGrpSpPr/>
+        <p:nvPr/>
+      </p:nvGrpSpPr>
+      <p:grpSpPr>
+        <a:xfrm>
+          <a:off x="0" y="0"/>
+          <a:ext cx="0" cy="0"/>
+          <a:chOff x="0" y="0"/>
+          <a:chExt cx="0" cy="0"/>
+        </a:xfrm>
+      </p:grpSpPr>
+      <p:sp>
+        <p:nvSpPr>
+          <p:cNvPr id="4" name="제목 1">
+            <a:extLst>
+              <a:ext uri="{FF2B5EF4-FFF2-40B4-BE49-F238E27FC236}">
+                <a16:creationId xmlns:a16="http://schemas.microsoft.com/office/drawing/2014/main" id="{636482B7-5B29-4FB0-B905-DE64440A7328}"/>
+              </a:ext>
+            </a:extLst>
+          </p:cNvPr>
+          <p:cNvSpPr txBox="1">
+            <a:spLocks/>
+          </p:cNvSpPr>
+          <p:nvPr/>
+        </p:nvSpPr>
+        <p:spPr>
+          <a:xfrm>
+            <a:off x="695324" y="387600"/>
+            <a:ext cx="10801351" cy="628400"/>
+          </a:xfrm>
+          <a:prstGeom prst="rect">
+            <a:avLst/>
+          </a:prstGeom>
+        </p:spPr>
+        <p:txBody>
+          <a:bodyPr vert="horz" lIns="91440" tIns="45720" rIns="91440" bIns="45720" rtlCol="0" anchor="ctr">
+            <a:normAutofit/>
+          </a:bodyPr>
+          <a:lstStyle>
+            <a:lvl1pPr algn="ctr" defTabSz="914400" rtl="0" eaLnBrk="1" latinLnBrk="1" hangingPunct="1">
+              <a:lnSpc>
+                <a:spcPct val="90000"/>
+              </a:lnSpc>
+              <a:spcBef>
+                <a:spcPct val="0"/>
+              </a:spcBef>
+              <a:buNone/>
+              <a:defRPr sz="6000" kern="1200">
+                <a:solidFill>
+                  <a:schemeClr val="tx1"/>
+                </a:solidFill>
+                <a:latin typeface="+mj-lt"/>
+                <a:ea typeface="+mj-ea"/>
+                <a:cs typeface="+mj-cs"/>
+              </a:defRPr>
+            </a:lvl1pPr>
+          </a:lstStyle>
+          <a:p>
+            <a:pPr algn="l">
+              <a:lnSpc>
+                <a:spcPct val="100000"/>
+              </a:lnSpc>
+            </a:pPr>
+            <a:r>
+              <a:rPr lang="ko-KR" altLang="en-US" sz="3200" dirty="0"/>
+              <a:t>합 시스템 </a:t>
+            </a:r>
+            <a:r>
+              <a:rPr lang="en-US" altLang="ko-KR" sz="3200" dirty="0"/>
+              <a:t>–</a:t>
+            </a:r>
+            <a:r>
+              <a:rPr lang="en-US" altLang="ko-KR" sz="2400" dirty="0"/>
+              <a:t> </a:t>
+            </a:r>
+            <a:r>
+              <a:rPr lang="ko-KR" altLang="en-US" sz="2400" dirty="0"/>
+              <a:t>조작 패널 관련 </a:t>
+            </a:r>
+            <a:r>
+              <a:rPr lang="en-US" altLang="ko-KR" sz="2400" dirty="0"/>
+              <a:t>UI </a:t>
+            </a:r>
+            <a:r>
+              <a:rPr lang="ko-KR" altLang="en-US" sz="2400" dirty="0"/>
+              <a:t>상세 설명</a:t>
+            </a:r>
+            <a:endParaRPr lang="en-US" altLang="ko-KR" sz="2400" dirty="0"/>
+          </a:p>
+        </p:txBody>
+      </p:sp>
+      <p:pic>
+        <p:nvPicPr>
+          <p:cNvPr id="24" name="그림 23">
+            <a:extLst>
+              <a:ext uri="{FF2B5EF4-FFF2-40B4-BE49-F238E27FC236}">
+                <a16:creationId xmlns:a16="http://schemas.microsoft.com/office/drawing/2014/main" id="{3DDF7897-319A-4D64-A194-3B47647010AD}"/>
+              </a:ext>
+            </a:extLst>
+          </p:cNvPr>
+          <p:cNvPicPr>
+            <a:picLocks noChangeAspect="1"/>
+          </p:cNvPicPr>
+          <p:nvPr/>
+        </p:nvPicPr>
+        <p:blipFill rotWithShape="1">
+          <a:blip r:embed="rId2">
+            <a:extLst>
+              <a:ext uri="{28A0092B-C50C-407E-A947-70E740481C1C}">
+                <a14:useLocalDpi xmlns:a14="http://schemas.microsoft.com/office/drawing/2010/main" val="0"/>
+              </a:ext>
+            </a:extLst>
+          </a:blip>
+          <a:srcRect l="18611" t="62542" r="17986"/>
+          <a:stretch/>
+        </p:blipFill>
+        <p:spPr>
+          <a:xfrm>
+            <a:off x="2670652" y="2038657"/>
+            <a:ext cx="6850695" cy="1868014"/>
+          </a:xfrm>
+          <a:prstGeom prst="rect">
+            <a:avLst/>
+          </a:prstGeom>
+        </p:spPr>
+      </p:pic>
+      <p:sp>
+        <p:nvSpPr>
+          <p:cNvPr id="30" name="사다리꼴 29">
+            <a:extLst>
+              <a:ext uri="{FF2B5EF4-FFF2-40B4-BE49-F238E27FC236}">
+                <a16:creationId xmlns:a16="http://schemas.microsoft.com/office/drawing/2014/main" id="{6188FB23-7B7A-48BB-BA1D-7FDA3F9280D5}"/>
+              </a:ext>
+            </a:extLst>
+          </p:cNvPr>
+          <p:cNvSpPr/>
+          <p:nvPr/>
+        </p:nvSpPr>
+        <p:spPr>
+          <a:xfrm>
+            <a:off x="3894466" y="2198735"/>
+            <a:ext cx="4086224" cy="690840"/>
+          </a:xfrm>
+          <a:prstGeom prst="trapezoid">
+            <a:avLst>
+              <a:gd name="adj" fmla="val 73071"/>
+            </a:avLst>
+          </a:prstGeom>
+          <a:noFill/>
+          <a:ln w="28575">
+            <a:solidFill>
+              <a:srgbClr val="FF0000"/>
+            </a:solidFill>
+          </a:ln>
+        </p:spPr>
+        <p:style>
+          <a:lnRef idx="2">
+            <a:schemeClr val="accent1">
+              <a:shade val="50000"/>
+            </a:schemeClr>
+          </a:lnRef>
+          <a:fillRef idx="1">
+            <a:schemeClr val="accent1"/>
+          </a:fillRef>
+          <a:effectRef idx="0">
+            <a:schemeClr val="accent1"/>
+          </a:effectRef>
+          <a:fontRef idx="minor">
+            <a:schemeClr val="lt1"/>
+          </a:fontRef>
+        </p:style>
+        <p:txBody>
+          <a:bodyPr rtlCol="0" anchor="ctr"/>
+          <a:lstStyle/>
+          <a:p>
+            <a:pPr algn="ctr"/>
+            <a:endParaRPr lang="ko-KR" altLang="en-US"/>
+          </a:p>
+        </p:txBody>
+      </p:sp>
+      <p:sp>
+        <p:nvSpPr>
+          <p:cNvPr id="45" name="직사각형 44">
+            <a:extLst>
+              <a:ext uri="{FF2B5EF4-FFF2-40B4-BE49-F238E27FC236}">
+                <a16:creationId xmlns:a16="http://schemas.microsoft.com/office/drawing/2014/main" id="{873C4119-6B29-49C6-B0F4-6BE71EC1B0F6}"/>
+              </a:ext>
+            </a:extLst>
+          </p:cNvPr>
+          <p:cNvSpPr/>
+          <p:nvPr/>
+        </p:nvSpPr>
+        <p:spPr>
+          <a:xfrm>
+            <a:off x="4146277" y="2921639"/>
+            <a:ext cx="3596437" cy="234281"/>
+          </a:xfrm>
+          <a:prstGeom prst="rect">
+            <a:avLst/>
+          </a:prstGeom>
+          <a:noFill/>
+          <a:ln w="28575">
+            <a:solidFill>
+              <a:srgbClr val="FF0000"/>
+            </a:solidFill>
+          </a:ln>
+        </p:spPr>
+        <p:style>
+          <a:lnRef idx="2">
+            <a:schemeClr val="accent1">
+              <a:shade val="50000"/>
+            </a:schemeClr>
+          </a:lnRef>
+          <a:fillRef idx="1">
+            <a:schemeClr val="accent1"/>
+          </a:fillRef>
+          <a:effectRef idx="0">
+            <a:schemeClr val="accent1"/>
+          </a:effectRef>
+          <a:fontRef idx="minor">
+            <a:schemeClr val="lt1"/>
+          </a:fontRef>
+        </p:style>
+        <p:txBody>
+          <a:bodyPr rtlCol="0" anchor="ctr"/>
+          <a:lstStyle/>
+          <a:p>
+            <a:pPr algn="ctr"/>
+            <a:endParaRPr lang="ko-KR" altLang="en-US"/>
+          </a:p>
+        </p:txBody>
+      </p:sp>
+      <p:sp>
+        <p:nvSpPr>
+          <p:cNvPr id="47" name="TextBox 46">
+            <a:extLst>
+              <a:ext uri="{FF2B5EF4-FFF2-40B4-BE49-F238E27FC236}">
+                <a16:creationId xmlns:a16="http://schemas.microsoft.com/office/drawing/2014/main" id="{C6FF08E8-A92C-4AE0-AF80-5DDC5FE367CA}"/>
+              </a:ext>
+            </a:extLst>
+          </p:cNvPr>
+          <p:cNvSpPr txBox="1"/>
+          <p:nvPr/>
+        </p:nvSpPr>
+        <p:spPr>
+          <a:xfrm>
+            <a:off x="4477465" y="4153609"/>
+            <a:ext cx="3237070" cy="523220"/>
+          </a:xfrm>
+          <a:prstGeom prst="rect">
+            <a:avLst/>
+          </a:prstGeom>
+          <a:noFill/>
+        </p:spPr>
+        <p:txBody>
+          <a:bodyPr wrap="square" rtlCol="0">
+            <a:spAutoFit/>
+          </a:bodyPr>
+          <a:lstStyle/>
+          <a:p>
+            <a:r>
+              <a:rPr lang="ko-KR" altLang="en-US" sz="1400" b="1" dirty="0"/>
+              <a:t>수감자별 속도</a:t>
+            </a:r>
+            <a:endParaRPr lang="en-US" altLang="ko-KR" sz="1400" b="1" dirty="0"/>
+          </a:p>
+          <a:p>
+            <a:r>
+              <a:rPr lang="ko-KR" altLang="en-US" sz="1400" dirty="0"/>
+              <a:t>현재 수감자들의 개별 속도</a:t>
+            </a:r>
+            <a:r>
+              <a:rPr lang="en-US" altLang="ko-KR" sz="1400" dirty="0"/>
+              <a:t>.</a:t>
+            </a:r>
+            <a:endParaRPr lang="ko-KR" altLang="en-US" sz="1400" dirty="0"/>
+          </a:p>
+        </p:txBody>
+      </p:sp>
+      <p:sp>
+        <p:nvSpPr>
+          <p:cNvPr id="48" name="TextBox 47">
+            <a:extLst>
+              <a:ext uri="{FF2B5EF4-FFF2-40B4-BE49-F238E27FC236}">
+                <a16:creationId xmlns:a16="http://schemas.microsoft.com/office/drawing/2014/main" id="{E1F07026-8B1A-4639-A79E-9B15A957025D}"/>
+              </a:ext>
+            </a:extLst>
+          </p:cNvPr>
+          <p:cNvSpPr txBox="1"/>
+          <p:nvPr/>
+        </p:nvSpPr>
+        <p:spPr>
+          <a:xfrm>
+            <a:off x="4477464" y="4892121"/>
+            <a:ext cx="3237070" cy="523220"/>
+          </a:xfrm>
+          <a:prstGeom prst="rect">
+            <a:avLst/>
+          </a:prstGeom>
+          <a:noFill/>
+        </p:spPr>
+        <p:txBody>
+          <a:bodyPr wrap="square" rtlCol="0">
+            <a:spAutoFit/>
+          </a:bodyPr>
+          <a:lstStyle/>
+          <a:p>
+            <a:r>
+              <a:rPr lang="ko-KR" altLang="en-US" sz="1400" b="1" dirty="0"/>
+              <a:t>사용 가능 스킬</a:t>
+            </a:r>
+            <a:endParaRPr lang="en-US" altLang="ko-KR" sz="1400" b="1" dirty="0"/>
+          </a:p>
+          <a:p>
+            <a:r>
+              <a:rPr lang="ko-KR" altLang="en-US" sz="1400" dirty="0"/>
+              <a:t>이번 턴에 사용할 수 있는 스킬</a:t>
+            </a:r>
+            <a:r>
+              <a:rPr lang="en-US" altLang="ko-KR" sz="1400" dirty="0"/>
+              <a:t>.</a:t>
+            </a:r>
+            <a:endParaRPr lang="ko-KR" altLang="en-US" sz="1400" dirty="0"/>
+          </a:p>
+        </p:txBody>
+      </p:sp>
+      <p:cxnSp>
+        <p:nvCxnSpPr>
+          <p:cNvPr id="29" name="연결선: 꺾임 28">
+            <a:extLst>
+              <a:ext uri="{FF2B5EF4-FFF2-40B4-BE49-F238E27FC236}">
+                <a16:creationId xmlns:a16="http://schemas.microsoft.com/office/drawing/2014/main" id="{7AD1FF14-B1D7-4A64-84E2-64D6D30D8336}"/>
+              </a:ext>
+            </a:extLst>
+          </p:cNvPr>
+          <p:cNvCxnSpPr>
+            <a:cxnSpLocks/>
+            <a:stCxn id="30" idx="1"/>
+            <a:endCxn id="48" idx="1"/>
+          </p:cNvCxnSpPr>
+          <p:nvPr/>
+        </p:nvCxnSpPr>
+        <p:spPr>
+          <a:xfrm rot="10800000" flipH="1" flipV="1">
+            <a:off x="4146868" y="2544155"/>
+            <a:ext cx="330596" cy="2609576"/>
+          </a:xfrm>
+          <a:prstGeom prst="bentConnector3">
+            <a:avLst>
+              <a:gd name="adj1" fmla="val -145495"/>
+            </a:avLst>
+          </a:prstGeom>
+          <a:ln w="28575">
+            <a:solidFill>
+              <a:srgbClr val="FF0000"/>
+            </a:solidFill>
+          </a:ln>
+        </p:spPr>
+        <p:style>
+          <a:lnRef idx="1">
+            <a:schemeClr val="accent4"/>
+          </a:lnRef>
+          <a:fillRef idx="0">
+            <a:schemeClr val="accent4"/>
+          </a:fillRef>
+          <a:effectRef idx="0">
+            <a:schemeClr val="accent4"/>
+          </a:effectRef>
+          <a:fontRef idx="minor">
+            <a:schemeClr val="tx1"/>
+          </a:fontRef>
+        </p:style>
+      </p:cxnSp>
+      <p:cxnSp>
+        <p:nvCxnSpPr>
+          <p:cNvPr id="36" name="연결선: 꺾임 35">
+            <a:extLst>
+              <a:ext uri="{FF2B5EF4-FFF2-40B4-BE49-F238E27FC236}">
+                <a16:creationId xmlns:a16="http://schemas.microsoft.com/office/drawing/2014/main" id="{0A7E6B8F-1ED6-4F26-A416-E0496E4CB88F}"/>
+              </a:ext>
+            </a:extLst>
+          </p:cNvPr>
+          <p:cNvCxnSpPr>
+            <a:cxnSpLocks/>
+            <a:stCxn id="45" idx="1"/>
+            <a:endCxn id="47" idx="1"/>
+          </p:cNvCxnSpPr>
+          <p:nvPr/>
+        </p:nvCxnSpPr>
+        <p:spPr>
+          <a:xfrm rot="10800000" flipH="1" flipV="1">
+            <a:off x="4146277" y="3038779"/>
+            <a:ext cx="331188" cy="1376439"/>
+          </a:xfrm>
+          <a:prstGeom prst="bentConnector3">
+            <a:avLst>
+              <a:gd name="adj1" fmla="val -69024"/>
+            </a:avLst>
+          </a:prstGeom>
+          <a:ln w="28575">
+            <a:solidFill>
+              <a:srgbClr val="FF0000"/>
+            </a:solidFill>
+          </a:ln>
+        </p:spPr>
+        <p:style>
+          <a:lnRef idx="1">
+            <a:schemeClr val="accent4"/>
+          </a:lnRef>
+          <a:fillRef idx="0">
+            <a:schemeClr val="accent4"/>
+          </a:fillRef>
+          <a:effectRef idx="0">
+            <a:schemeClr val="accent4"/>
+          </a:effectRef>
+          <a:fontRef idx="minor">
+            <a:schemeClr val="tx1"/>
+          </a:fontRef>
+        </p:style>
+      </p:cxnSp>
+    </p:spTree>
+    <p:extLst>
+      <p:ext uri="{BB962C8B-B14F-4D97-AF65-F5344CB8AC3E}">
+        <p14:creationId xmlns:p14="http://schemas.microsoft.com/office/powerpoint/2010/main" val="2965517775"/>
+      </p:ext>
+    </p:extLst>
+  </p:cSld>
+  <p:clrMapOvr>
+    <a:masterClrMapping/>
+  </p:clrMapOvr>
+</p:sld>
+</file>
+
+<file path=ppt/slides/slide9.xml><?xml version="1.0" encoding="utf-8"?>
+<p:sld xmlns:a="http://schemas.openxmlformats.org/drawingml/2006/main" xmlns:r="http://schemas.openxmlformats.org/officeDocument/2006/relationships" xmlns:p="http://schemas.openxmlformats.org/presentationml/2006/main">
+  <p:cSld>
+    <p:spTree>
+      <p:nvGrpSpPr>
+        <p:cNvPr id="1" name="">
+          <a:extLst>
+            <a:ext uri="{FF2B5EF4-FFF2-40B4-BE49-F238E27FC236}">
+              <a16:creationId xmlns:a16="http://schemas.microsoft.com/office/drawing/2014/main" id="{D21DAEA7-79E3-502E-509C-DF5DDCA8B6BC}"/>
+            </a:ext>
+          </a:extLst>
+        </p:cNvPr>
+        <p:cNvGrpSpPr/>
+        <p:nvPr/>
+      </p:nvGrpSpPr>
+      <p:grpSpPr>
+        <a:xfrm>
+          <a:off x="0" y="0"/>
+          <a:ext cx="0" cy="0"/>
+          <a:chOff x="0" y="0"/>
+          <a:chExt cx="0" cy="0"/>
+        </a:xfrm>
+      </p:grpSpPr>
+      <p:sp>
+        <p:nvSpPr>
+          <p:cNvPr id="4" name="제목 1">
+            <a:extLst>
+              <a:ext uri="{FF2B5EF4-FFF2-40B4-BE49-F238E27FC236}">
+                <a16:creationId xmlns:a16="http://schemas.microsoft.com/office/drawing/2014/main" id="{636482B7-5B29-4FB0-B905-DE64440A7328}"/>
+              </a:ext>
+            </a:extLst>
+          </p:cNvPr>
+          <p:cNvSpPr txBox="1">
+            <a:spLocks/>
+          </p:cNvSpPr>
+          <p:nvPr/>
+        </p:nvSpPr>
+        <p:spPr>
+          <a:xfrm>
+            <a:off x="695324" y="387600"/>
+            <a:ext cx="10801351" cy="628400"/>
+          </a:xfrm>
+          <a:prstGeom prst="rect">
+            <a:avLst/>
+          </a:prstGeom>
+        </p:spPr>
+        <p:txBody>
+          <a:bodyPr vert="horz" lIns="91440" tIns="45720" rIns="91440" bIns="45720" rtlCol="0" anchor="ctr">
+            <a:normAutofit/>
+          </a:bodyPr>
+          <a:lstStyle>
+            <a:lvl1pPr algn="ctr" defTabSz="914400" rtl="0" eaLnBrk="1" latinLnBrk="1" hangingPunct="1">
+              <a:lnSpc>
+                <a:spcPct val="90000"/>
+              </a:lnSpc>
+              <a:spcBef>
+                <a:spcPct val="0"/>
+              </a:spcBef>
+              <a:buNone/>
+              <a:defRPr sz="6000" kern="1200">
+                <a:solidFill>
+                  <a:schemeClr val="tx1"/>
+                </a:solidFill>
+                <a:latin typeface="+mj-lt"/>
+                <a:ea typeface="+mj-ea"/>
+                <a:cs typeface="+mj-cs"/>
+              </a:defRPr>
+            </a:lvl1pPr>
+          </a:lstStyle>
+          <a:p>
+            <a:pPr algn="l">
+              <a:lnSpc>
+                <a:spcPct val="100000"/>
+              </a:lnSpc>
+            </a:pPr>
+            <a:r>
+              <a:rPr lang="ko-KR" altLang="en-US" sz="3200" dirty="0"/>
+              <a:t>합 시스템 </a:t>
+            </a:r>
+            <a:r>
+              <a:rPr lang="en-US" altLang="ko-KR" sz="3200" dirty="0"/>
+              <a:t>–</a:t>
+            </a:r>
+            <a:r>
+              <a:rPr lang="en-US" altLang="ko-KR" sz="2400" dirty="0"/>
+              <a:t> </a:t>
+            </a:r>
+            <a:r>
+              <a:rPr lang="ko-KR" altLang="en-US" sz="2400" dirty="0"/>
+              <a:t>과정</a:t>
+            </a:r>
+            <a:endParaRPr lang="en-US" altLang="ko-KR" sz="2400" dirty="0"/>
+          </a:p>
+        </p:txBody>
+      </p:sp>
+      <p:sp>
+        <p:nvSpPr>
+          <p:cNvPr id="2" name="직사각형 1">
+            <a:extLst>
+              <a:ext uri="{FF2B5EF4-FFF2-40B4-BE49-F238E27FC236}">
+                <a16:creationId xmlns:a16="http://schemas.microsoft.com/office/drawing/2014/main" id="{2779849B-A5F5-4A08-8248-7D1DA40B1A00}"/>
+              </a:ext>
+            </a:extLst>
+          </p:cNvPr>
+          <p:cNvSpPr/>
+          <p:nvPr/>
+        </p:nvSpPr>
+        <p:spPr>
+          <a:xfrm>
+            <a:off x="763390" y="1551678"/>
+            <a:ext cx="1180281" cy="1043126"/>
+          </a:xfrm>
+          <a:prstGeom prst="rect">
+            <a:avLst/>
+          </a:prstGeom>
+        </p:spPr>
+        <p:style>
+          <a:lnRef idx="2">
+            <a:schemeClr val="accent1">
+              <a:shade val="50000"/>
+            </a:schemeClr>
+          </a:lnRef>
+          <a:fillRef idx="1">
+            <a:schemeClr val="accent1"/>
+          </a:fillRef>
+          <a:effectRef idx="0">
+            <a:schemeClr val="accent1"/>
+          </a:effectRef>
+          <a:fontRef idx="minor">
+            <a:schemeClr val="lt1"/>
+          </a:fontRef>
+        </p:style>
+        <p:txBody>
+          <a:bodyPr rtlCol="0" anchor="ctr"/>
+          <a:lstStyle/>
+          <a:p>
+            <a:pPr algn="ctr"/>
+            <a:r>
+              <a:rPr lang="ko-KR" altLang="en-US" dirty="0"/>
+              <a:t>처음</a:t>
+            </a:r>
+          </a:p>
+        </p:txBody>
+      </p:sp>
+      <p:sp>
+        <p:nvSpPr>
+          <p:cNvPr id="11" name="직사각형 10">
+            <a:extLst>
+              <a:ext uri="{FF2B5EF4-FFF2-40B4-BE49-F238E27FC236}">
+                <a16:creationId xmlns:a16="http://schemas.microsoft.com/office/drawing/2014/main" id="{1CF5B3DA-8DE9-49E4-BFE0-E3E2BFC67096}"/>
+              </a:ext>
+            </a:extLst>
+          </p:cNvPr>
+          <p:cNvSpPr/>
+          <p:nvPr/>
+        </p:nvSpPr>
+        <p:spPr>
+          <a:xfrm>
+            <a:off x="2343705" y="1551678"/>
+            <a:ext cx="1180281" cy="1043126"/>
+          </a:xfrm>
+          <a:prstGeom prst="rect">
+            <a:avLst/>
+          </a:prstGeom>
+        </p:spPr>
+        <p:style>
+          <a:lnRef idx="2">
+            <a:schemeClr val="accent1">
+              <a:shade val="50000"/>
+            </a:schemeClr>
+          </a:lnRef>
+          <a:fillRef idx="1">
+            <a:schemeClr val="accent1"/>
+          </a:fillRef>
+          <a:effectRef idx="0">
+            <a:schemeClr val="accent1"/>
+          </a:effectRef>
+          <a:fontRef idx="minor">
+            <a:schemeClr val="lt1"/>
+          </a:fontRef>
+        </p:style>
+        <p:txBody>
+          <a:bodyPr rtlCol="0" anchor="ctr"/>
+          <a:lstStyle/>
+          <a:p>
+            <a:pPr algn="ctr"/>
+            <a:r>
+              <a:rPr lang="ko-KR" altLang="en-US" dirty="0"/>
+              <a:t>스킬 클릭</a:t>
+            </a:r>
+          </a:p>
+        </p:txBody>
+      </p:sp>
+      <p:sp>
+        <p:nvSpPr>
+          <p:cNvPr id="12" name="직사각형 11">
+            <a:extLst>
+              <a:ext uri="{FF2B5EF4-FFF2-40B4-BE49-F238E27FC236}">
+                <a16:creationId xmlns:a16="http://schemas.microsoft.com/office/drawing/2014/main" id="{A6311F93-D8B7-4641-80E0-F60C56310F71}"/>
+              </a:ext>
+            </a:extLst>
+          </p:cNvPr>
+          <p:cNvSpPr/>
+          <p:nvPr/>
+        </p:nvSpPr>
+        <p:spPr>
+          <a:xfrm>
+            <a:off x="3924020" y="1551678"/>
+            <a:ext cx="1180281" cy="1043126"/>
+          </a:xfrm>
+          <a:prstGeom prst="rect">
+            <a:avLst/>
+          </a:prstGeom>
+        </p:spPr>
+        <p:style>
+          <a:lnRef idx="2">
+            <a:schemeClr val="accent1">
+              <a:shade val="50000"/>
+            </a:schemeClr>
+          </a:lnRef>
+          <a:fillRef idx="1">
+            <a:schemeClr val="accent1"/>
+          </a:fillRef>
+          <a:effectRef idx="0">
+            <a:schemeClr val="accent1"/>
+          </a:effectRef>
+          <a:fontRef idx="minor">
+            <a:schemeClr val="lt1"/>
+          </a:fontRef>
+        </p:style>
+        <p:txBody>
+          <a:bodyPr rtlCol="0" anchor="ctr"/>
+          <a:lstStyle/>
+          <a:p>
+            <a:pPr algn="ctr"/>
+            <a:r>
+              <a:rPr lang="ko-KR" altLang="en-US" dirty="0"/>
+              <a:t>타겟으로 드래그</a:t>
+            </a:r>
+          </a:p>
+        </p:txBody>
+      </p:sp>
+      <p:sp>
+        <p:nvSpPr>
+          <p:cNvPr id="13" name="직사각형 12">
+            <a:extLst>
+              <a:ext uri="{FF2B5EF4-FFF2-40B4-BE49-F238E27FC236}">
+                <a16:creationId xmlns:a16="http://schemas.microsoft.com/office/drawing/2014/main" id="{20A35764-6794-4F95-BC3A-AE2FB3F0D352}"/>
+              </a:ext>
+            </a:extLst>
+          </p:cNvPr>
+          <p:cNvSpPr/>
+          <p:nvPr/>
+        </p:nvSpPr>
+        <p:spPr>
+          <a:xfrm>
+            <a:off x="5504335" y="1551678"/>
+            <a:ext cx="1180281" cy="1043126"/>
+          </a:xfrm>
+          <a:prstGeom prst="rect">
+            <a:avLst/>
+          </a:prstGeom>
+        </p:spPr>
+        <p:style>
+          <a:lnRef idx="2">
+            <a:schemeClr val="accent1">
+              <a:shade val="50000"/>
+            </a:schemeClr>
+          </a:lnRef>
+          <a:fillRef idx="1">
+            <a:schemeClr val="accent1"/>
+          </a:fillRef>
+          <a:effectRef idx="0">
+            <a:schemeClr val="accent1"/>
+          </a:effectRef>
+          <a:fontRef idx="minor">
+            <a:schemeClr val="lt1"/>
+          </a:fontRef>
+        </p:style>
+        <p:txBody>
+          <a:bodyPr rtlCol="0" anchor="ctr"/>
+          <a:lstStyle/>
+          <a:p>
+            <a:pPr algn="ctr"/>
+            <a:r>
+              <a:rPr lang="ko-KR" altLang="en-US" dirty="0"/>
+              <a:t>드래그 드롭</a:t>
+            </a:r>
+          </a:p>
+        </p:txBody>
+      </p:sp>
+      <p:sp>
+        <p:nvSpPr>
+          <p:cNvPr id="14" name="직사각형 13">
+            <a:extLst>
+              <a:ext uri="{FF2B5EF4-FFF2-40B4-BE49-F238E27FC236}">
+                <a16:creationId xmlns:a16="http://schemas.microsoft.com/office/drawing/2014/main" id="{7C20E369-ECB6-4839-A2EA-91324E89103B}"/>
+              </a:ext>
+            </a:extLst>
+          </p:cNvPr>
+          <p:cNvSpPr/>
+          <p:nvPr/>
+        </p:nvSpPr>
+        <p:spPr>
+          <a:xfrm>
+            <a:off x="7084650" y="2052150"/>
+            <a:ext cx="1180281" cy="521563"/>
+          </a:xfrm>
+          <a:prstGeom prst="rect">
+            <a:avLst/>
+          </a:prstGeom>
+        </p:spPr>
+        <p:style>
+          <a:lnRef idx="2">
+            <a:schemeClr val="accent1">
+              <a:shade val="50000"/>
+            </a:schemeClr>
+          </a:lnRef>
+          <a:fillRef idx="1">
+            <a:schemeClr val="accent1"/>
+          </a:fillRef>
+          <a:effectRef idx="0">
+            <a:schemeClr val="accent1"/>
+          </a:effectRef>
+          <a:fontRef idx="minor">
+            <a:schemeClr val="lt1"/>
+          </a:fontRef>
+        </p:style>
+        <p:txBody>
+          <a:bodyPr rtlCol="0" anchor="ctr"/>
+          <a:lstStyle/>
+          <a:p>
+            <a:pPr algn="ctr"/>
+            <a:r>
+              <a:rPr lang="ko-KR" altLang="en-US" dirty="0"/>
+              <a:t>과정 반복</a:t>
+            </a:r>
+          </a:p>
+        </p:txBody>
+      </p:sp>
+      <p:sp>
+        <p:nvSpPr>
+          <p:cNvPr id="15" name="직사각형 14">
+            <a:extLst>
+              <a:ext uri="{FF2B5EF4-FFF2-40B4-BE49-F238E27FC236}">
+                <a16:creationId xmlns:a16="http://schemas.microsoft.com/office/drawing/2014/main" id="{899AD1D4-B756-4DA2-89FB-5A5634F49302}"/>
+              </a:ext>
+            </a:extLst>
+          </p:cNvPr>
+          <p:cNvSpPr/>
+          <p:nvPr/>
+        </p:nvSpPr>
+        <p:spPr>
+          <a:xfrm>
+            <a:off x="8664965" y="1551678"/>
+            <a:ext cx="1180281" cy="1043126"/>
+          </a:xfrm>
+          <a:prstGeom prst="rect">
+            <a:avLst/>
+          </a:prstGeom>
+        </p:spPr>
+        <p:style>
+          <a:lnRef idx="2">
+            <a:schemeClr val="accent1">
+              <a:shade val="50000"/>
+            </a:schemeClr>
+          </a:lnRef>
+          <a:fillRef idx="1">
+            <a:schemeClr val="accent1"/>
+          </a:fillRef>
+          <a:effectRef idx="0">
+            <a:schemeClr val="accent1"/>
+          </a:effectRef>
+          <a:fontRef idx="minor">
+            <a:schemeClr val="lt1"/>
+          </a:fontRef>
+        </p:style>
+        <p:txBody>
+          <a:bodyPr rtlCol="0" anchor="ctr"/>
+          <a:lstStyle/>
+          <a:p>
+            <a:pPr algn="ctr"/>
+            <a:r>
+              <a:rPr lang="ko-KR" altLang="en-US" dirty="0"/>
+              <a:t>전체 행동 설정</a:t>
+            </a:r>
+          </a:p>
+        </p:txBody>
+      </p:sp>
+      <p:sp>
+        <p:nvSpPr>
+          <p:cNvPr id="16" name="직사각형 15">
+            <a:extLst>
+              <a:ext uri="{FF2B5EF4-FFF2-40B4-BE49-F238E27FC236}">
+                <a16:creationId xmlns:a16="http://schemas.microsoft.com/office/drawing/2014/main" id="{93F5D10F-97B6-4B04-91FF-2093CBAE62C0}"/>
+              </a:ext>
+            </a:extLst>
+          </p:cNvPr>
+          <p:cNvSpPr/>
+          <p:nvPr/>
+        </p:nvSpPr>
+        <p:spPr>
+          <a:xfrm>
+            <a:off x="10245280" y="1530587"/>
+            <a:ext cx="1180281" cy="1043126"/>
+          </a:xfrm>
+          <a:prstGeom prst="rect">
+            <a:avLst/>
+          </a:prstGeom>
+        </p:spPr>
+        <p:style>
+          <a:lnRef idx="2">
+            <a:schemeClr val="accent1">
+              <a:shade val="50000"/>
+            </a:schemeClr>
+          </a:lnRef>
+          <a:fillRef idx="1">
+            <a:schemeClr val="accent1"/>
+          </a:fillRef>
+          <a:effectRef idx="0">
+            <a:schemeClr val="accent1"/>
+          </a:effectRef>
+          <a:fontRef idx="minor">
+            <a:schemeClr val="lt1"/>
+          </a:fontRef>
+        </p:style>
+        <p:txBody>
+          <a:bodyPr rtlCol="0" anchor="ctr"/>
+          <a:lstStyle/>
+          <a:p>
+            <a:pPr algn="ctr"/>
+            <a:r>
+              <a:rPr lang="ko-KR" altLang="en-US" dirty="0"/>
+              <a:t>행동 시작</a:t>
+            </a:r>
+          </a:p>
+        </p:txBody>
+      </p:sp>
+      <p:sp>
+        <p:nvSpPr>
+          <p:cNvPr id="17" name="직사각형 16">
+            <a:extLst>
+              <a:ext uri="{FF2B5EF4-FFF2-40B4-BE49-F238E27FC236}">
+                <a16:creationId xmlns:a16="http://schemas.microsoft.com/office/drawing/2014/main" id="{A8FD3D2A-9DE4-47D8-A59D-0F204A02771F}"/>
+              </a:ext>
+            </a:extLst>
+          </p:cNvPr>
+          <p:cNvSpPr/>
+          <p:nvPr/>
+        </p:nvSpPr>
+        <p:spPr>
+          <a:xfrm>
+            <a:off x="763390" y="4077070"/>
+            <a:ext cx="1180281" cy="1043126"/>
+          </a:xfrm>
+          <a:prstGeom prst="rect">
+            <a:avLst/>
+          </a:prstGeom>
+        </p:spPr>
+        <p:style>
+          <a:lnRef idx="2">
+            <a:schemeClr val="accent1">
+              <a:shade val="50000"/>
+            </a:schemeClr>
+          </a:lnRef>
+          <a:fillRef idx="1">
+            <a:schemeClr val="accent1"/>
+          </a:fillRef>
+          <a:effectRef idx="0">
+            <a:schemeClr val="accent1"/>
+          </a:effectRef>
+          <a:fontRef idx="minor">
+            <a:schemeClr val="lt1"/>
+          </a:fontRef>
+        </p:style>
+        <p:txBody>
+          <a:bodyPr rtlCol="0" anchor="ctr"/>
+          <a:lstStyle/>
+          <a:p>
+            <a:pPr algn="ctr"/>
+            <a:r>
+              <a:rPr lang="ko-KR" altLang="en-US" dirty="0"/>
+              <a:t>합 시작</a:t>
+            </a:r>
+          </a:p>
+        </p:txBody>
+      </p:sp>
+      <p:sp>
+        <p:nvSpPr>
+          <p:cNvPr id="18" name="직사각형 17">
+            <a:extLst>
+              <a:ext uri="{FF2B5EF4-FFF2-40B4-BE49-F238E27FC236}">
+                <a16:creationId xmlns:a16="http://schemas.microsoft.com/office/drawing/2014/main" id="{EECF8E45-DF21-4DD7-9E9E-9E029971B364}"/>
+              </a:ext>
+            </a:extLst>
+          </p:cNvPr>
+          <p:cNvSpPr/>
+          <p:nvPr/>
+        </p:nvSpPr>
+        <p:spPr>
+          <a:xfrm>
+            <a:off x="2343704" y="4077070"/>
+            <a:ext cx="1180281" cy="1043126"/>
+          </a:xfrm>
+          <a:prstGeom prst="rect">
+            <a:avLst/>
+          </a:prstGeom>
+        </p:spPr>
+        <p:style>
+          <a:lnRef idx="2">
+            <a:schemeClr val="accent1">
+              <a:shade val="50000"/>
+            </a:schemeClr>
+          </a:lnRef>
+          <a:fillRef idx="1">
+            <a:schemeClr val="accent1"/>
+          </a:fillRef>
+          <a:effectRef idx="0">
+            <a:schemeClr val="accent1"/>
+          </a:effectRef>
+          <a:fontRef idx="minor">
+            <a:schemeClr val="lt1"/>
+          </a:fontRef>
+        </p:style>
+        <p:txBody>
+          <a:bodyPr rtlCol="0" anchor="ctr"/>
+          <a:lstStyle/>
+          <a:p>
+            <a:pPr algn="ctr"/>
+            <a:r>
+              <a:rPr lang="ko-KR" altLang="en-US" dirty="0"/>
+              <a:t>위력 판정</a:t>
+            </a:r>
+          </a:p>
+        </p:txBody>
+      </p:sp>
+      <p:sp>
+        <p:nvSpPr>
+          <p:cNvPr id="19" name="직사각형 18">
+            <a:extLst>
+              <a:ext uri="{FF2B5EF4-FFF2-40B4-BE49-F238E27FC236}">
+                <a16:creationId xmlns:a16="http://schemas.microsoft.com/office/drawing/2014/main" id="{5A524F7E-BF45-4C00-A075-39F4DFE0169D}"/>
+              </a:ext>
+            </a:extLst>
+          </p:cNvPr>
+          <p:cNvSpPr/>
+          <p:nvPr/>
+        </p:nvSpPr>
+        <p:spPr>
+          <a:xfrm>
+            <a:off x="2343705" y="4077070"/>
+            <a:ext cx="1180281" cy="1043126"/>
+          </a:xfrm>
+          <a:prstGeom prst="rect">
+            <a:avLst/>
+          </a:prstGeom>
+        </p:spPr>
+        <p:style>
+          <a:lnRef idx="2">
+            <a:schemeClr val="accent1">
+              <a:shade val="50000"/>
+            </a:schemeClr>
+          </a:lnRef>
+          <a:fillRef idx="1">
+            <a:schemeClr val="accent1"/>
+          </a:fillRef>
+          <a:effectRef idx="0">
+            <a:schemeClr val="accent1"/>
+          </a:effectRef>
+          <a:fontRef idx="minor">
+            <a:schemeClr val="lt1"/>
+          </a:fontRef>
+        </p:style>
+        <p:txBody>
+          <a:bodyPr rtlCol="0" anchor="ctr"/>
+          <a:lstStyle/>
+          <a:p>
+            <a:pPr algn="ctr"/>
+            <a:r>
+              <a:rPr lang="ko-KR" altLang="en-US" dirty="0"/>
+              <a:t>코인 토스</a:t>
+            </a:r>
+          </a:p>
+        </p:txBody>
+      </p:sp>
+      <p:sp>
+        <p:nvSpPr>
+          <p:cNvPr id="20" name="직사각형 19">
+            <a:extLst>
+              <a:ext uri="{FF2B5EF4-FFF2-40B4-BE49-F238E27FC236}">
+                <a16:creationId xmlns:a16="http://schemas.microsoft.com/office/drawing/2014/main" id="{44C63505-1733-4779-A01E-2A850E70E09C}"/>
+              </a:ext>
+            </a:extLst>
+          </p:cNvPr>
+          <p:cNvSpPr/>
+          <p:nvPr/>
+        </p:nvSpPr>
+        <p:spPr>
+          <a:xfrm>
+            <a:off x="3924020" y="4077070"/>
+            <a:ext cx="1180281" cy="1043126"/>
+          </a:xfrm>
+          <a:prstGeom prst="rect">
+            <a:avLst/>
+          </a:prstGeom>
+        </p:spPr>
+        <p:style>
+          <a:lnRef idx="2">
+            <a:schemeClr val="accent1">
+              <a:shade val="50000"/>
+            </a:schemeClr>
+          </a:lnRef>
+          <a:fillRef idx="1">
+            <a:schemeClr val="accent1"/>
+          </a:fillRef>
+          <a:effectRef idx="0">
+            <a:schemeClr val="accent1"/>
+          </a:effectRef>
+          <a:fontRef idx="minor">
+            <a:schemeClr val="lt1"/>
+          </a:fontRef>
+        </p:style>
+        <p:txBody>
+          <a:bodyPr rtlCol="0" anchor="ctr"/>
+          <a:lstStyle/>
+          <a:p>
+            <a:pPr algn="ctr"/>
+            <a:r>
+              <a:rPr lang="ko-KR" altLang="en-US" dirty="0"/>
+              <a:t>합 횟수 상승</a:t>
+            </a:r>
+          </a:p>
+        </p:txBody>
+      </p:sp>
+      <p:sp>
+        <p:nvSpPr>
+          <p:cNvPr id="21" name="직사각형 20">
+            <a:extLst>
+              <a:ext uri="{FF2B5EF4-FFF2-40B4-BE49-F238E27FC236}">
+                <a16:creationId xmlns:a16="http://schemas.microsoft.com/office/drawing/2014/main" id="{F0D44981-6422-4D4A-8D03-0E9B84701310}"/>
+              </a:ext>
+            </a:extLst>
+          </p:cNvPr>
+          <p:cNvSpPr/>
+          <p:nvPr/>
+        </p:nvSpPr>
+        <p:spPr>
+          <a:xfrm>
+            <a:off x="5505859" y="4077070"/>
+            <a:ext cx="1180281" cy="1043126"/>
+          </a:xfrm>
+          <a:prstGeom prst="rect">
+            <a:avLst/>
+          </a:prstGeom>
+        </p:spPr>
+        <p:style>
+          <a:lnRef idx="2">
+            <a:schemeClr val="accent1">
+              <a:shade val="50000"/>
+            </a:schemeClr>
+          </a:lnRef>
+          <a:fillRef idx="1">
+            <a:schemeClr val="accent1"/>
+          </a:fillRef>
+          <a:effectRef idx="0">
+            <a:schemeClr val="accent1"/>
+          </a:effectRef>
+          <a:fontRef idx="minor">
+            <a:schemeClr val="lt1"/>
+          </a:fontRef>
+        </p:style>
+        <p:txBody>
+          <a:bodyPr rtlCol="0" anchor="ctr"/>
+          <a:lstStyle/>
+          <a:p>
+            <a:pPr algn="ctr"/>
+            <a:r>
+              <a:rPr lang="ko-KR" altLang="en-US" dirty="0"/>
+              <a:t>코인 결과 반영</a:t>
+            </a:r>
+          </a:p>
+        </p:txBody>
+      </p:sp>
+      <p:sp>
+        <p:nvSpPr>
+          <p:cNvPr id="22" name="직사각형 21">
+            <a:extLst>
+              <a:ext uri="{FF2B5EF4-FFF2-40B4-BE49-F238E27FC236}">
+                <a16:creationId xmlns:a16="http://schemas.microsoft.com/office/drawing/2014/main" id="{BC6B0AB9-A100-4C4A-BDAB-92E568288FA1}"/>
+              </a:ext>
+            </a:extLst>
+          </p:cNvPr>
+          <p:cNvSpPr/>
+          <p:nvPr/>
+        </p:nvSpPr>
+        <p:spPr>
+          <a:xfrm>
+            <a:off x="8664965" y="4077070"/>
+            <a:ext cx="1180281" cy="1043126"/>
+          </a:xfrm>
+          <a:prstGeom prst="rect">
+            <a:avLst/>
+          </a:prstGeom>
+        </p:spPr>
+        <p:style>
+          <a:lnRef idx="2">
+            <a:schemeClr val="accent1">
+              <a:shade val="50000"/>
+            </a:schemeClr>
+          </a:lnRef>
+          <a:fillRef idx="1">
+            <a:schemeClr val="accent1"/>
+          </a:fillRef>
+          <a:effectRef idx="0">
+            <a:schemeClr val="accent1"/>
+          </a:effectRef>
+          <a:fontRef idx="minor">
+            <a:schemeClr val="lt1"/>
+          </a:fontRef>
+        </p:style>
+        <p:txBody>
+          <a:bodyPr rtlCol="0" anchor="ctr"/>
+          <a:lstStyle/>
+          <a:p>
+            <a:pPr algn="ctr"/>
+            <a:r>
+              <a:rPr lang="ko-KR" altLang="en-US" dirty="0"/>
+              <a:t>합 종료</a:t>
+            </a:r>
+          </a:p>
+        </p:txBody>
+      </p:sp>
+      <p:sp>
+        <p:nvSpPr>
+          <p:cNvPr id="3" name="TextBox 2">
+            <a:extLst>
+              <a:ext uri="{FF2B5EF4-FFF2-40B4-BE49-F238E27FC236}">
+                <a16:creationId xmlns:a16="http://schemas.microsoft.com/office/drawing/2014/main" id="{1FBD13A5-CF5A-4CE7-853A-CC780CBC262E}"/>
+              </a:ext>
+            </a:extLst>
+          </p:cNvPr>
+          <p:cNvSpPr txBox="1"/>
+          <p:nvPr/>
+        </p:nvSpPr>
+        <p:spPr>
+          <a:xfrm>
+            <a:off x="2165881" y="2618101"/>
+            <a:ext cx="1535928" cy="415498"/>
+          </a:xfrm>
+          <a:prstGeom prst="rect">
+            <a:avLst/>
+          </a:prstGeom>
+          <a:noFill/>
+        </p:spPr>
+        <p:txBody>
+          <a:bodyPr wrap="square" rtlCol="0">
+            <a:spAutoFit/>
+          </a:bodyPr>
+          <a:lstStyle/>
+          <a:p>
+            <a:pPr algn="ctr"/>
+            <a:r>
+              <a:rPr lang="ko-KR" altLang="en-US" sz="1000"/>
+              <a:t>수감자 강조</a:t>
+            </a:r>
+            <a:endParaRPr lang="en-US" altLang="ko-KR" sz="1000" dirty="0"/>
+          </a:p>
+          <a:p>
+            <a:pPr algn="ctr"/>
+            <a:r>
+              <a:rPr lang="ko-KR" altLang="en-US" sz="1000" dirty="0"/>
+              <a:t>스킬 설명 출력</a:t>
+            </a:r>
+          </a:p>
+        </p:txBody>
+      </p:sp>
+      <p:sp>
+        <p:nvSpPr>
+          <p:cNvPr id="25" name="TextBox 24">
+            <a:extLst>
+              <a:ext uri="{FF2B5EF4-FFF2-40B4-BE49-F238E27FC236}">
+                <a16:creationId xmlns:a16="http://schemas.microsoft.com/office/drawing/2014/main" id="{4C47234A-AF2A-441F-8307-F0A87465C1EB}"/>
+              </a:ext>
+            </a:extLst>
+          </p:cNvPr>
+          <p:cNvSpPr txBox="1"/>
+          <p:nvPr/>
+        </p:nvSpPr>
+        <p:spPr>
+          <a:xfrm>
+            <a:off x="3746196" y="2618101"/>
+            <a:ext cx="1535928" cy="707886"/>
+          </a:xfrm>
+          <a:prstGeom prst="rect">
+            <a:avLst/>
+          </a:prstGeom>
+          <a:noFill/>
+        </p:spPr>
+        <p:txBody>
+          <a:bodyPr wrap="square" rtlCol="0">
+            <a:spAutoFit/>
+          </a:bodyPr>
+          <a:lstStyle/>
+          <a:p>
+            <a:pPr algn="ctr"/>
+            <a:r>
+              <a:rPr lang="ko-KR" altLang="en-US" sz="1000" dirty="0"/>
+              <a:t>타겟 강조</a:t>
+            </a:r>
+            <a:endParaRPr lang="en-US" altLang="ko-KR" sz="1000" dirty="0"/>
+          </a:p>
+          <a:p>
+            <a:pPr algn="ctr"/>
+            <a:r>
+              <a:rPr lang="ko-KR" altLang="en-US" sz="1000" dirty="0"/>
+              <a:t>양측 스킬 설명 출력</a:t>
+            </a:r>
+            <a:endParaRPr lang="en-US" altLang="ko-KR" sz="1000" dirty="0"/>
+          </a:p>
+          <a:p>
+            <a:pPr algn="ctr"/>
+            <a:r>
+              <a:rPr lang="ko-KR" altLang="en-US" sz="1000" dirty="0"/>
+              <a:t>합 승률 출력</a:t>
+            </a:r>
+            <a:endParaRPr lang="en-US" altLang="ko-KR" sz="1000" dirty="0"/>
+          </a:p>
+          <a:p>
+            <a:pPr algn="ctr"/>
+            <a:r>
+              <a:rPr lang="ko-KR" altLang="en-US" sz="1000" dirty="0"/>
+              <a:t>스킬 타겟 선 출력</a:t>
+            </a:r>
+          </a:p>
+        </p:txBody>
+      </p:sp>
+      <p:sp>
+        <p:nvSpPr>
+          <p:cNvPr id="26" name="TextBox 25">
+            <a:extLst>
+              <a:ext uri="{FF2B5EF4-FFF2-40B4-BE49-F238E27FC236}">
+                <a16:creationId xmlns:a16="http://schemas.microsoft.com/office/drawing/2014/main" id="{14BB1E1D-A432-4E59-BE3E-ADA17CE39214}"/>
+              </a:ext>
+            </a:extLst>
+          </p:cNvPr>
+          <p:cNvSpPr txBox="1"/>
+          <p:nvPr/>
+        </p:nvSpPr>
+        <p:spPr>
+          <a:xfrm>
+            <a:off x="5326511" y="2618101"/>
+            <a:ext cx="1535928" cy="707886"/>
+          </a:xfrm>
+          <a:prstGeom prst="rect">
+            <a:avLst/>
+          </a:prstGeom>
+          <a:noFill/>
+        </p:spPr>
+        <p:txBody>
+          <a:bodyPr wrap="square" rtlCol="0">
+            <a:spAutoFit/>
+          </a:bodyPr>
+          <a:lstStyle/>
+          <a:p>
+            <a:pPr algn="ctr"/>
+            <a:r>
+              <a:rPr lang="ko-KR" altLang="en-US" sz="1000" dirty="0"/>
+              <a:t>타겟 강조 해제</a:t>
+            </a:r>
+            <a:endParaRPr lang="en-US" altLang="ko-KR" sz="1000" dirty="0"/>
+          </a:p>
+          <a:p>
+            <a:pPr algn="ctr"/>
+            <a:r>
+              <a:rPr lang="ko-KR" altLang="en-US" sz="1000" dirty="0"/>
+              <a:t>양측 스킬 설명 삭제</a:t>
+            </a:r>
+            <a:endParaRPr lang="en-US" altLang="ko-KR" sz="1000" dirty="0"/>
+          </a:p>
+          <a:p>
+            <a:pPr algn="ctr"/>
+            <a:r>
+              <a:rPr lang="ko-KR" altLang="en-US" sz="1000" dirty="0"/>
+              <a:t>합 승률 삭제</a:t>
+            </a:r>
+            <a:endParaRPr lang="en-US" altLang="ko-KR" sz="1000" dirty="0"/>
+          </a:p>
+          <a:p>
+            <a:pPr algn="ctr"/>
+            <a:r>
+              <a:rPr lang="ko-KR" altLang="en-US" sz="1000" dirty="0"/>
+              <a:t>스킬 타겟 선 출력</a:t>
+            </a:r>
+          </a:p>
+        </p:txBody>
+      </p:sp>
+      <p:sp>
+        <p:nvSpPr>
+          <p:cNvPr id="27" name="TextBox 26">
+            <a:extLst>
+              <a:ext uri="{FF2B5EF4-FFF2-40B4-BE49-F238E27FC236}">
+                <a16:creationId xmlns:a16="http://schemas.microsoft.com/office/drawing/2014/main" id="{8BB2C02C-8504-4274-AD5C-C68643CDB44A}"/>
+              </a:ext>
+            </a:extLst>
+          </p:cNvPr>
+          <p:cNvSpPr txBox="1"/>
+          <p:nvPr/>
+        </p:nvSpPr>
+        <p:spPr>
+          <a:xfrm>
+            <a:off x="8487141" y="2618101"/>
+            <a:ext cx="1535928" cy="246221"/>
+          </a:xfrm>
+          <a:prstGeom prst="rect">
+            <a:avLst/>
+          </a:prstGeom>
+          <a:noFill/>
+        </p:spPr>
+        <p:txBody>
+          <a:bodyPr wrap="square" rtlCol="0">
+            <a:spAutoFit/>
+          </a:bodyPr>
+          <a:lstStyle/>
+          <a:p>
+            <a:pPr algn="ctr"/>
+            <a:r>
+              <a:rPr lang="ko-KR" altLang="en-US" sz="1000" dirty="0"/>
+              <a:t>행동 시작 버튼 활성화</a:t>
+            </a:r>
+          </a:p>
+        </p:txBody>
+      </p:sp>
+      <p:sp>
+        <p:nvSpPr>
+          <p:cNvPr id="28" name="TextBox 27">
+            <a:extLst>
+              <a:ext uri="{FF2B5EF4-FFF2-40B4-BE49-F238E27FC236}">
+                <a16:creationId xmlns:a16="http://schemas.microsoft.com/office/drawing/2014/main" id="{75EE219A-3EFD-4715-B993-1BC5BC224AAA}"/>
+              </a:ext>
+            </a:extLst>
+          </p:cNvPr>
+          <p:cNvSpPr txBox="1"/>
+          <p:nvPr/>
+        </p:nvSpPr>
+        <p:spPr>
+          <a:xfrm>
+            <a:off x="763389" y="5144265"/>
+            <a:ext cx="1180282" cy="253916"/>
+          </a:xfrm>
+          <a:prstGeom prst="rect">
+            <a:avLst/>
+          </a:prstGeom>
+          <a:noFill/>
+        </p:spPr>
+        <p:txBody>
+          <a:bodyPr wrap="square" rtlCol="0">
+            <a:spAutoFit/>
+          </a:bodyPr>
+          <a:lstStyle/>
+          <a:p>
+            <a:pPr algn="ctr"/>
+            <a:r>
+              <a:rPr lang="ko-KR" altLang="en-US" sz="1050" dirty="0"/>
+              <a:t>양측 강조</a:t>
+            </a:r>
+          </a:p>
+        </p:txBody>
+      </p:sp>
+      <p:sp>
+        <p:nvSpPr>
+          <p:cNvPr id="31" name="TextBox 30">
+            <a:extLst>
+              <a:ext uri="{FF2B5EF4-FFF2-40B4-BE49-F238E27FC236}">
+                <a16:creationId xmlns:a16="http://schemas.microsoft.com/office/drawing/2014/main" id="{0907D7A6-C16F-4F60-B0D1-03E5760024C8}"/>
+              </a:ext>
+            </a:extLst>
+          </p:cNvPr>
+          <p:cNvSpPr txBox="1"/>
+          <p:nvPr/>
+        </p:nvSpPr>
+        <p:spPr>
+          <a:xfrm>
+            <a:off x="2165880" y="5144265"/>
+            <a:ext cx="1535928" cy="415498"/>
+          </a:xfrm>
+          <a:prstGeom prst="rect">
+            <a:avLst/>
+          </a:prstGeom>
+          <a:noFill/>
+        </p:spPr>
+        <p:txBody>
+          <a:bodyPr wrap="square" rtlCol="0">
+            <a:spAutoFit/>
+          </a:bodyPr>
+          <a:lstStyle/>
+          <a:p>
+            <a:pPr algn="ctr"/>
+            <a:r>
+              <a:rPr lang="ko-KR" altLang="en-US" sz="1000" dirty="0"/>
+              <a:t>코인 토스 연출</a:t>
+            </a:r>
+            <a:endParaRPr lang="en-US" altLang="ko-KR" sz="1000" dirty="0"/>
+          </a:p>
+          <a:p>
+            <a:pPr algn="ctr"/>
+            <a:r>
+              <a:rPr lang="ko-KR" altLang="en-US" sz="1000" dirty="0"/>
+              <a:t>스킬 위력 출력</a:t>
+            </a:r>
+          </a:p>
+        </p:txBody>
+      </p:sp>
+      <p:sp>
+        <p:nvSpPr>
+          <p:cNvPr id="32" name="TextBox 31">
+            <a:extLst>
+              <a:ext uri="{FF2B5EF4-FFF2-40B4-BE49-F238E27FC236}">
+                <a16:creationId xmlns:a16="http://schemas.microsoft.com/office/drawing/2014/main" id="{49A3ACBB-76F3-471C-A700-78A8B56E10F8}"/>
+              </a:ext>
+            </a:extLst>
+          </p:cNvPr>
+          <p:cNvSpPr txBox="1"/>
+          <p:nvPr/>
+        </p:nvSpPr>
+        <p:spPr>
+          <a:xfrm>
+            <a:off x="5102774" y="5141211"/>
+            <a:ext cx="1983402" cy="246221"/>
+          </a:xfrm>
+          <a:prstGeom prst="rect">
+            <a:avLst/>
+          </a:prstGeom>
+          <a:noFill/>
+        </p:spPr>
+        <p:txBody>
+          <a:bodyPr wrap="square" rtlCol="0">
+            <a:spAutoFit/>
+          </a:bodyPr>
+          <a:lstStyle/>
+          <a:p>
+            <a:pPr algn="ctr"/>
+            <a:r>
+              <a:rPr lang="ko-KR" altLang="en-US" sz="1000" dirty="0"/>
+              <a:t>합 진행 또는 코인 파괴</a:t>
+            </a:r>
+          </a:p>
+        </p:txBody>
+      </p:sp>
+      <p:sp>
+        <p:nvSpPr>
+          <p:cNvPr id="33" name="TextBox 32">
+            <a:extLst>
+              <a:ext uri="{FF2B5EF4-FFF2-40B4-BE49-F238E27FC236}">
+                <a16:creationId xmlns:a16="http://schemas.microsoft.com/office/drawing/2014/main" id="{737C55D1-497D-4B4C-9DE4-2F9245EC804E}"/>
+              </a:ext>
+            </a:extLst>
+          </p:cNvPr>
+          <p:cNvSpPr txBox="1"/>
+          <p:nvPr/>
+        </p:nvSpPr>
+        <p:spPr>
+          <a:xfrm>
+            <a:off x="3746194" y="5144265"/>
+            <a:ext cx="1535928" cy="253916"/>
+          </a:xfrm>
+          <a:prstGeom prst="rect">
+            <a:avLst/>
+          </a:prstGeom>
+          <a:noFill/>
+        </p:spPr>
+        <p:txBody>
+          <a:bodyPr wrap="square" rtlCol="0">
+            <a:spAutoFit/>
+          </a:bodyPr>
+          <a:lstStyle/>
+          <a:p>
+            <a:pPr algn="ctr"/>
+            <a:r>
+              <a:rPr lang="ko-KR" altLang="en-US" sz="1000" dirty="0"/>
+              <a:t>합 횟수 출력</a:t>
+            </a:r>
+          </a:p>
+        </p:txBody>
+      </p:sp>
+      <p:sp>
+        <p:nvSpPr>
+          <p:cNvPr id="34" name="직사각형 33">
+            <a:extLst>
+              <a:ext uri="{FF2B5EF4-FFF2-40B4-BE49-F238E27FC236}">
+                <a16:creationId xmlns:a16="http://schemas.microsoft.com/office/drawing/2014/main" id="{B30A8058-71E5-4F95-97EA-82484215B2BD}"/>
+              </a:ext>
+            </a:extLst>
+          </p:cNvPr>
+          <p:cNvSpPr/>
+          <p:nvPr/>
+        </p:nvSpPr>
+        <p:spPr>
+          <a:xfrm>
+            <a:off x="10245280" y="4077070"/>
+            <a:ext cx="1180281" cy="1043126"/>
+          </a:xfrm>
+          <a:prstGeom prst="rect">
+            <a:avLst/>
+          </a:prstGeom>
+        </p:spPr>
+        <p:style>
+          <a:lnRef idx="2">
+            <a:schemeClr val="accent1">
+              <a:shade val="50000"/>
+            </a:schemeClr>
+          </a:lnRef>
+          <a:fillRef idx="1">
+            <a:schemeClr val="accent1"/>
+          </a:fillRef>
+          <a:effectRef idx="0">
+            <a:schemeClr val="accent1"/>
+          </a:effectRef>
+          <a:fontRef idx="minor">
+            <a:schemeClr val="lt1"/>
+          </a:fontRef>
+        </p:style>
+        <p:txBody>
+          <a:bodyPr rtlCol="0" anchor="ctr"/>
+          <a:lstStyle/>
+          <a:p>
+            <a:pPr algn="ctr"/>
+            <a:r>
+              <a:rPr lang="ko-KR" altLang="en-US" dirty="0"/>
+              <a:t>스킬 진행</a:t>
+            </a:r>
+          </a:p>
+        </p:txBody>
+      </p:sp>
+      <p:sp>
+        <p:nvSpPr>
+          <p:cNvPr id="35" name="직사각형 34">
+            <a:extLst>
+              <a:ext uri="{FF2B5EF4-FFF2-40B4-BE49-F238E27FC236}">
+                <a16:creationId xmlns:a16="http://schemas.microsoft.com/office/drawing/2014/main" id="{F603B9B9-3542-49CD-B13F-B2ED61CC553B}"/>
+              </a:ext>
+            </a:extLst>
+          </p:cNvPr>
+          <p:cNvSpPr/>
+          <p:nvPr/>
+        </p:nvSpPr>
+        <p:spPr>
+          <a:xfrm>
+            <a:off x="7084650" y="4598633"/>
+            <a:ext cx="1180281" cy="521563"/>
+          </a:xfrm>
+          <a:prstGeom prst="rect">
+            <a:avLst/>
+          </a:prstGeom>
+        </p:spPr>
+        <p:style>
+          <a:lnRef idx="2">
+            <a:schemeClr val="accent1">
+              <a:shade val="50000"/>
+            </a:schemeClr>
+          </a:lnRef>
+          <a:fillRef idx="1">
+            <a:schemeClr val="accent1"/>
+          </a:fillRef>
+          <a:effectRef idx="0">
+            <a:schemeClr val="accent1"/>
+          </a:effectRef>
+          <a:fontRef idx="minor">
+            <a:schemeClr val="lt1"/>
+          </a:fontRef>
+        </p:style>
+        <p:txBody>
+          <a:bodyPr rtlCol="0" anchor="ctr"/>
+          <a:lstStyle/>
+          <a:p>
+            <a:pPr algn="ctr"/>
+            <a:r>
+              <a:rPr lang="ko-KR" altLang="en-US" dirty="0"/>
+              <a:t>과정 반복</a:t>
+            </a:r>
+          </a:p>
+        </p:txBody>
+      </p:sp>
+    </p:spTree>
+    <p:extLst>
+      <p:ext uri="{BB962C8B-B14F-4D97-AF65-F5344CB8AC3E}">
+        <p14:creationId xmlns:p14="http://schemas.microsoft.com/office/powerpoint/2010/main" val="3320974233"/>
       </p:ext>
     </p:extLst>
   </p:cSld>
